--- a/lecture/Lecture12.pptx
+++ b/lecture/Lecture12.pptx
@@ -28,6 +28,25 @@
     <p:sldId id="273" r:id="rId23"/>
     <p:sldId id="274" r:id="rId24"/>
     <p:sldId id="275" r:id="rId25"/>
+    <p:sldId id="276" r:id="rId26"/>
+    <p:sldId id="277" r:id="rId27"/>
+    <p:sldId id="278" r:id="rId28"/>
+    <p:sldId id="279" r:id="rId29"/>
+    <p:sldId id="280" r:id="rId30"/>
+    <p:sldId id="281" r:id="rId31"/>
+    <p:sldId id="282" r:id="rId32"/>
+    <p:sldId id="283" r:id="rId33"/>
+    <p:sldId id="284" r:id="rId34"/>
+    <p:sldId id="285" r:id="rId35"/>
+    <p:sldId id="286" r:id="rId36"/>
+    <p:sldId id="287" r:id="rId37"/>
+    <p:sldId id="288" r:id="rId38"/>
+    <p:sldId id="289" r:id="rId39"/>
+    <p:sldId id="290" r:id="rId40"/>
+    <p:sldId id="291" r:id="rId41"/>
+    <p:sldId id="292" r:id="rId42"/>
+    <p:sldId id="293" r:id="rId43"/>
+    <p:sldId id="294" r:id="rId44"/>
   </p:sldIdLst>
   <p:sldSz cy="5143500" cx="9144000"/>
   <p:notesSz cx="6858000" cy="9144000"/>
@@ -809,7 +828,7 @@
   <p:cSld>
     <p:spTree>
       <p:nvGrpSpPr>
-        <p:cNvPr id="106" name="Shape 106"/>
+        <p:cNvPr id="103" name="Shape 103"/>
         <p:cNvGrpSpPr/>
         <p:nvPr/>
       </p:nvGrpSpPr>
@@ -823,7 +842,7 @@
       </p:grpSpPr>
       <p:sp>
         <p:nvSpPr>
-          <p:cNvPr id="107" name="Google Shape;107;gb235be863f_0_15:notes"/>
+          <p:cNvPr id="104" name="Google Shape;104;gcfadc99df9_0_0:notes"/>
           <p:cNvSpPr/>
           <p:nvPr>
             <p:ph idx="2" type="sldImg"/>
@@ -858,7 +877,7 @@
       </p:sp>
       <p:sp>
         <p:nvSpPr>
-          <p:cNvPr id="108" name="Google Shape;108;gb235be863f_0_15:notes"/>
+          <p:cNvPr id="105" name="Google Shape;105;gcfadc99df9_0_0:notes"/>
           <p:cNvSpPr txBox="1"/>
           <p:nvPr>
             <p:ph idx="1" type="body"/>
@@ -908,7 +927,7 @@
   <p:cSld>
     <p:spTree>
       <p:nvGrpSpPr>
-        <p:cNvPr id="113" name="Shape 113"/>
+        <p:cNvPr id="109" name="Shape 109"/>
         <p:cNvGrpSpPr/>
         <p:nvPr/>
       </p:nvGrpSpPr>
@@ -922,7 +941,7 @@
       </p:grpSpPr>
       <p:sp>
         <p:nvSpPr>
-          <p:cNvPr id="114" name="Google Shape;114;gb235be863f_0_20:notes"/>
+          <p:cNvPr id="110" name="Google Shape;110;gcfadc99df9_0_8:notes"/>
           <p:cNvSpPr/>
           <p:nvPr>
             <p:ph idx="2" type="sldImg"/>
@@ -957,7 +976,7 @@
       </p:sp>
       <p:sp>
         <p:nvSpPr>
-          <p:cNvPr id="115" name="Google Shape;115;gb235be863f_0_20:notes"/>
+          <p:cNvPr id="111" name="Google Shape;111;gcfadc99df9_0_8:notes"/>
           <p:cNvSpPr txBox="1"/>
           <p:nvPr>
             <p:ph idx="1" type="body"/>
@@ -1007,7 +1026,7 @@
   <p:cSld>
     <p:spTree>
       <p:nvGrpSpPr>
-        <p:cNvPr id="119" name="Shape 119"/>
+        <p:cNvPr id="115" name="Shape 115"/>
         <p:cNvGrpSpPr/>
         <p:nvPr/>
       </p:nvGrpSpPr>
@@ -1021,7 +1040,7 @@
       </p:grpSpPr>
       <p:sp>
         <p:nvSpPr>
-          <p:cNvPr id="120" name="Google Shape;120;gb235be863f_0_25:notes"/>
+          <p:cNvPr id="116" name="Google Shape;116;gcfadc99df9_0_13:notes"/>
           <p:cNvSpPr/>
           <p:nvPr>
             <p:ph idx="2" type="sldImg"/>
@@ -1056,7 +1075,7 @@
       </p:sp>
       <p:sp>
         <p:nvSpPr>
-          <p:cNvPr id="121" name="Google Shape;121;gb235be863f_0_25:notes"/>
+          <p:cNvPr id="117" name="Google Shape;117;gcfadc99df9_0_13:notes"/>
           <p:cNvSpPr txBox="1"/>
           <p:nvPr>
             <p:ph idx="1" type="body"/>
@@ -1106,7 +1125,7 @@
   <p:cSld>
     <p:spTree>
       <p:nvGrpSpPr>
-        <p:cNvPr id="125" name="Shape 125"/>
+        <p:cNvPr id="122" name="Shape 122"/>
         <p:cNvGrpSpPr/>
         <p:nvPr/>
       </p:nvGrpSpPr>
@@ -1120,7 +1139,7 @@
       </p:grpSpPr>
       <p:sp>
         <p:nvSpPr>
-          <p:cNvPr id="126" name="Google Shape;126;gb235be863f_0_30:notes"/>
+          <p:cNvPr id="123" name="Google Shape;123;gcfadc99df9_0_18:notes"/>
           <p:cNvSpPr/>
           <p:nvPr>
             <p:ph idx="2" type="sldImg"/>
@@ -1155,7 +1174,7 @@
       </p:sp>
       <p:sp>
         <p:nvSpPr>
-          <p:cNvPr id="127" name="Google Shape;127;gb235be863f_0_30:notes"/>
+          <p:cNvPr id="124" name="Google Shape;124;gcfadc99df9_0_18:notes"/>
           <p:cNvSpPr txBox="1"/>
           <p:nvPr>
             <p:ph idx="1" type="body"/>
@@ -1205,7 +1224,7 @@
   <p:cSld>
     <p:spTree>
       <p:nvGrpSpPr>
-        <p:cNvPr id="131" name="Shape 131"/>
+        <p:cNvPr id="128" name="Shape 128"/>
         <p:cNvGrpSpPr/>
         <p:nvPr/>
       </p:nvGrpSpPr>
@@ -1219,7 +1238,7 @@
       </p:grpSpPr>
       <p:sp>
         <p:nvSpPr>
-          <p:cNvPr id="132" name="Google Shape;132;gb235be863f_0_35:notes"/>
+          <p:cNvPr id="129" name="Google Shape;129;gcfadc99df9_0_28:notes"/>
           <p:cNvSpPr/>
           <p:nvPr>
             <p:ph idx="2" type="sldImg"/>
@@ -1254,7 +1273,7 @@
       </p:sp>
       <p:sp>
         <p:nvSpPr>
-          <p:cNvPr id="133" name="Google Shape;133;gb235be863f_0_35:notes"/>
+          <p:cNvPr id="130" name="Google Shape;130;gcfadc99df9_0_28:notes"/>
           <p:cNvSpPr txBox="1"/>
           <p:nvPr>
             <p:ph idx="1" type="body"/>
@@ -1304,7 +1323,7 @@
   <p:cSld>
     <p:spTree>
       <p:nvGrpSpPr>
-        <p:cNvPr id="137" name="Shape 137"/>
+        <p:cNvPr id="134" name="Shape 134"/>
         <p:cNvGrpSpPr/>
         <p:nvPr/>
       </p:nvGrpSpPr>
@@ -1318,7 +1337,7 @@
       </p:grpSpPr>
       <p:sp>
         <p:nvSpPr>
-          <p:cNvPr id="138" name="Google Shape;138;gb1ff5d4e1a_0_14:notes"/>
+          <p:cNvPr id="135" name="Google Shape;135;gcfadc99df9_0_33:notes"/>
           <p:cNvSpPr/>
           <p:nvPr>
             <p:ph idx="2" type="sldImg"/>
@@ -1353,7 +1372,7 @@
       </p:sp>
       <p:sp>
         <p:nvSpPr>
-          <p:cNvPr id="139" name="Google Shape;139;gb1ff5d4e1a_0_14:notes"/>
+          <p:cNvPr id="136" name="Google Shape;136;gcfadc99df9_0_33:notes"/>
           <p:cNvSpPr txBox="1"/>
           <p:nvPr>
             <p:ph idx="1" type="body"/>
@@ -1403,7 +1422,7 @@
   <p:cSld>
     <p:spTree>
       <p:nvGrpSpPr>
-        <p:cNvPr id="144" name="Shape 144"/>
+        <p:cNvPr id="140" name="Shape 140"/>
         <p:cNvGrpSpPr/>
         <p:nvPr/>
       </p:nvGrpSpPr>
@@ -1417,7 +1436,7 @@
       </p:grpSpPr>
       <p:sp>
         <p:nvSpPr>
-          <p:cNvPr id="145" name="Google Shape;145;gb1ff5d4e1a_0_19:notes"/>
+          <p:cNvPr id="141" name="Google Shape;141;gcfadc99df9_0_68:notes"/>
           <p:cNvSpPr/>
           <p:nvPr>
             <p:ph idx="2" type="sldImg"/>
@@ -1452,7 +1471,7 @@
       </p:sp>
       <p:sp>
         <p:nvSpPr>
-          <p:cNvPr id="146" name="Google Shape;146;gb1ff5d4e1a_0_19:notes"/>
+          <p:cNvPr id="142" name="Google Shape;142;gcfadc99df9_0_68:notes"/>
           <p:cNvSpPr txBox="1"/>
           <p:nvPr>
             <p:ph idx="1" type="body"/>
@@ -1502,7 +1521,7 @@
   <p:cSld>
     <p:spTree>
       <p:nvGrpSpPr>
-        <p:cNvPr id="151" name="Shape 151"/>
+        <p:cNvPr id="147" name="Shape 147"/>
         <p:cNvGrpSpPr/>
         <p:nvPr/>
       </p:nvGrpSpPr>
@@ -1516,7 +1535,7 @@
       </p:grpSpPr>
       <p:sp>
         <p:nvSpPr>
-          <p:cNvPr id="152" name="Google Shape;152;gb1ff5d4e1a_0_24:notes"/>
+          <p:cNvPr id="148" name="Google Shape;148;gcfadc99df9_0_73:notes"/>
           <p:cNvSpPr/>
           <p:nvPr>
             <p:ph idx="2" type="sldImg"/>
@@ -1551,7 +1570,7 @@
       </p:sp>
       <p:sp>
         <p:nvSpPr>
-          <p:cNvPr id="153" name="Google Shape;153;gb1ff5d4e1a_0_24:notes"/>
+          <p:cNvPr id="149" name="Google Shape;149;gcfadc99df9_0_73:notes"/>
           <p:cNvSpPr txBox="1"/>
           <p:nvPr>
             <p:ph idx="1" type="body"/>
@@ -1601,7 +1620,7 @@
   <p:cSld>
     <p:spTree>
       <p:nvGrpSpPr>
-        <p:cNvPr id="157" name="Shape 157"/>
+        <p:cNvPr id="154" name="Shape 154"/>
         <p:cNvGrpSpPr/>
         <p:nvPr/>
       </p:nvGrpSpPr>
@@ -1615,7 +1634,7 @@
       </p:grpSpPr>
       <p:sp>
         <p:nvSpPr>
-          <p:cNvPr id="158" name="Google Shape;158;gb1ff5d4e1a_0_29:notes"/>
+          <p:cNvPr id="155" name="Google Shape;155;g10537292928_0_19:notes"/>
           <p:cNvSpPr/>
           <p:nvPr>
             <p:ph idx="2" type="sldImg"/>
@@ -1650,7 +1669,7 @@
       </p:sp>
       <p:sp>
         <p:nvSpPr>
-          <p:cNvPr id="159" name="Google Shape;159;gb1ff5d4e1a_0_29:notes"/>
+          <p:cNvPr id="156" name="Google Shape;156;g10537292928_0_19:notes"/>
           <p:cNvSpPr txBox="1"/>
           <p:nvPr>
             <p:ph idx="1" type="body"/>
@@ -1700,7 +1719,7 @@
   <p:cSld>
     <p:spTree>
       <p:nvGrpSpPr>
-        <p:cNvPr id="163" name="Shape 163"/>
+        <p:cNvPr id="160" name="Shape 160"/>
         <p:cNvGrpSpPr/>
         <p:nvPr/>
       </p:nvGrpSpPr>
@@ -1714,7 +1733,7 @@
       </p:grpSpPr>
       <p:sp>
         <p:nvSpPr>
-          <p:cNvPr id="164" name="Google Shape;164;gb1ff5d4e1a_0_45:notes"/>
+          <p:cNvPr id="161" name="Google Shape;161;gcfadc99df9_0_88:notes"/>
           <p:cNvSpPr/>
           <p:nvPr>
             <p:ph idx="2" type="sldImg"/>
@@ -1749,7 +1768,7 @@
       </p:sp>
       <p:sp>
         <p:nvSpPr>
-          <p:cNvPr id="165" name="Google Shape;165;gb1ff5d4e1a_0_45:notes"/>
+          <p:cNvPr id="162" name="Google Shape;162;gcfadc99df9_0_88:notes"/>
           <p:cNvSpPr txBox="1"/>
           <p:nvPr>
             <p:ph idx="1" type="body"/>
@@ -1898,7 +1917,7 @@
   <p:cSld>
     <p:spTree>
       <p:nvGrpSpPr>
-        <p:cNvPr id="170" name="Shape 170"/>
+        <p:cNvPr id="166" name="Shape 166"/>
         <p:cNvGrpSpPr/>
         <p:nvPr/>
       </p:nvGrpSpPr>
@@ -1912,7 +1931,7 @@
       </p:grpSpPr>
       <p:sp>
         <p:nvSpPr>
-          <p:cNvPr id="171" name="Google Shape;171;gb1ff5d4e1a_0_34:notes"/>
+          <p:cNvPr id="167" name="Google Shape;167;gcfadc99df9_0_103:notes"/>
           <p:cNvSpPr/>
           <p:nvPr>
             <p:ph idx="2" type="sldImg"/>
@@ -1947,7 +1966,898 @@
       </p:sp>
       <p:sp>
         <p:nvSpPr>
-          <p:cNvPr id="172" name="Google Shape;172;gb1ff5d4e1a_0_34:notes"/>
+          <p:cNvPr id="168" name="Google Shape;168;gcfadc99df9_0_103:notes"/>
+          <p:cNvSpPr txBox="1"/>
+          <p:nvPr>
+            <p:ph idx="1" type="body"/>
+          </p:nvPr>
+        </p:nvSpPr>
+        <p:spPr>
+          <a:xfrm>
+            <a:off x="685800" y="4343400"/>
+            <a:ext cx="5486400" cy="4114800"/>
+          </a:xfrm>
+          <a:prstGeom prst="rect">
+            <a:avLst/>
+          </a:prstGeom>
+        </p:spPr>
+        <p:txBody>
+          <a:bodyPr anchorCtr="0" anchor="t" bIns="91425" lIns="91425" spcFirstLastPara="1" rIns="91425" wrap="square" tIns="91425">
+            <a:noAutofit/>
+          </a:bodyPr>
+          <a:lstStyle/>
+          <a:p>
+            <a:pPr indent="0" lvl="0" marL="0" rtl="0" algn="l">
+              <a:spcBef>
+                <a:spcPts val="0"/>
+              </a:spcBef>
+              <a:spcAft>
+                <a:spcPts val="0"/>
+              </a:spcAft>
+              <a:buNone/>
+            </a:pPr>
+            <a:r>
+              <a:t/>
+            </a:r>
+            <a:endParaRPr/>
+          </a:p>
+        </p:txBody>
+      </p:sp>
+    </p:spTree>
+  </p:cSld>
+  <p:clrMapOvr>
+    <a:masterClrMapping/>
+  </p:clrMapOvr>
+</p:notes>
+</file>
+
+<file path=ppt/notesSlides/notesSlide21.xml><?xml version="1.0" encoding="utf-8"?>
+<p:notes xmlns:a="http://schemas.openxmlformats.org/drawingml/2006/main" xmlns:r="http://schemas.openxmlformats.org/officeDocument/2006/relationships" xmlns:mc="http://schemas.openxmlformats.org/markup-compatibility/2006" xmlns:mv="urn:schemas-microsoft-com:mac:vml" xmlns:p="http://schemas.openxmlformats.org/presentationml/2006/main" xmlns:c="http://schemas.openxmlformats.org/drawingml/2006/chart" xmlns:dgm="http://schemas.openxmlformats.org/drawingml/2006/diagram" xmlns:o="urn:schemas-microsoft-com:office:office" xmlns:v="urn:schemas-microsoft-com:vml" xmlns:pvml="urn:schemas-microsoft-com:office:powerpoint" xmlns:com="http://schemas.openxmlformats.org/drawingml/2006/compatibility" xmlns:p14="http://schemas.microsoft.com/office/powerpoint/2010/main" xmlns:p15="http://schemas.microsoft.com/office/powerpoint/2012/main" xmlns:ahyp="http://schemas.microsoft.com/office/drawing/2018/hyperlinkcolor" showMasterPhAnim="0" showMasterSp="0">
+  <p:cSld>
+    <p:spTree>
+      <p:nvGrpSpPr>
+        <p:cNvPr id="178" name="Shape 178"/>
+        <p:cNvGrpSpPr/>
+        <p:nvPr/>
+      </p:nvGrpSpPr>
+      <p:grpSpPr>
+        <a:xfrm>
+          <a:off x="0" y="0"/>
+          <a:ext cx="0" cy="0"/>
+          <a:chOff x="0" y="0"/>
+          <a:chExt cx="0" cy="0"/>
+        </a:xfrm>
+      </p:grpSpPr>
+      <p:sp>
+        <p:nvSpPr>
+          <p:cNvPr id="179" name="Google Shape;179;gcfadc99df9_0_109:notes"/>
+          <p:cNvSpPr/>
+          <p:nvPr>
+            <p:ph idx="2" type="sldImg"/>
+          </p:nvPr>
+        </p:nvSpPr>
+        <p:spPr>
+          <a:xfrm>
+            <a:off x="381300" y="685800"/>
+            <a:ext cx="6096000" cy="3429000"/>
+          </a:xfrm>
+          <a:custGeom>
+            <a:rect b="b" l="l" r="r" t="t"/>
+            <a:pathLst>
+              <a:path extrusionOk="0" h="120000" w="120000">
+                <a:moveTo>
+                  <a:pt x="0" y="0"/>
+                </a:moveTo>
+                <a:lnTo>
+                  <a:pt x="120000" y="0"/>
+                </a:lnTo>
+                <a:lnTo>
+                  <a:pt x="120000" y="120000"/>
+                </a:lnTo>
+                <a:lnTo>
+                  <a:pt x="0" y="120000"/>
+                </a:lnTo>
+                <a:close/>
+              </a:path>
+            </a:pathLst>
+          </a:custGeom>
+        </p:spPr>
+      </p:sp>
+      <p:sp>
+        <p:nvSpPr>
+          <p:cNvPr id="180" name="Google Shape;180;gcfadc99df9_0_109:notes"/>
+          <p:cNvSpPr txBox="1"/>
+          <p:nvPr>
+            <p:ph idx="1" type="body"/>
+          </p:nvPr>
+        </p:nvSpPr>
+        <p:spPr>
+          <a:xfrm>
+            <a:off x="685800" y="4343400"/>
+            <a:ext cx="5486400" cy="4114800"/>
+          </a:xfrm>
+          <a:prstGeom prst="rect">
+            <a:avLst/>
+          </a:prstGeom>
+        </p:spPr>
+        <p:txBody>
+          <a:bodyPr anchorCtr="0" anchor="t" bIns="91425" lIns="91425" spcFirstLastPara="1" rIns="91425" wrap="square" tIns="91425">
+            <a:noAutofit/>
+          </a:bodyPr>
+          <a:lstStyle/>
+          <a:p>
+            <a:pPr indent="0" lvl="0" marL="0" rtl="0" algn="l">
+              <a:spcBef>
+                <a:spcPts val="0"/>
+              </a:spcBef>
+              <a:spcAft>
+                <a:spcPts val="0"/>
+              </a:spcAft>
+              <a:buNone/>
+            </a:pPr>
+            <a:r>
+              <a:t/>
+            </a:r>
+            <a:endParaRPr/>
+          </a:p>
+        </p:txBody>
+      </p:sp>
+    </p:spTree>
+  </p:cSld>
+  <p:clrMapOvr>
+    <a:masterClrMapping/>
+  </p:clrMapOvr>
+</p:notes>
+</file>
+
+<file path=ppt/notesSlides/notesSlide22.xml><?xml version="1.0" encoding="utf-8"?>
+<p:notes xmlns:a="http://schemas.openxmlformats.org/drawingml/2006/main" xmlns:r="http://schemas.openxmlformats.org/officeDocument/2006/relationships" xmlns:mc="http://schemas.openxmlformats.org/markup-compatibility/2006" xmlns:mv="urn:schemas-microsoft-com:mac:vml" xmlns:p="http://schemas.openxmlformats.org/presentationml/2006/main" xmlns:c="http://schemas.openxmlformats.org/drawingml/2006/chart" xmlns:dgm="http://schemas.openxmlformats.org/drawingml/2006/diagram" xmlns:o="urn:schemas-microsoft-com:office:office" xmlns:v="urn:schemas-microsoft-com:vml" xmlns:pvml="urn:schemas-microsoft-com:office:powerpoint" xmlns:com="http://schemas.openxmlformats.org/drawingml/2006/compatibility" xmlns:p14="http://schemas.microsoft.com/office/powerpoint/2010/main" xmlns:p15="http://schemas.microsoft.com/office/powerpoint/2012/main" xmlns:ahyp="http://schemas.microsoft.com/office/drawing/2018/hyperlinkcolor" showMasterPhAnim="0" showMasterSp="0">
+  <p:cSld>
+    <p:spTree>
+      <p:nvGrpSpPr>
+        <p:cNvPr id="184" name="Shape 184"/>
+        <p:cNvGrpSpPr/>
+        <p:nvPr/>
+      </p:nvGrpSpPr>
+      <p:grpSpPr>
+        <a:xfrm>
+          <a:off x="0" y="0"/>
+          <a:ext cx="0" cy="0"/>
+          <a:chOff x="0" y="0"/>
+          <a:chExt cx="0" cy="0"/>
+        </a:xfrm>
+      </p:grpSpPr>
+      <p:sp>
+        <p:nvSpPr>
+          <p:cNvPr id="185" name="Google Shape;185;gcfadc99df9_0_93:notes"/>
+          <p:cNvSpPr/>
+          <p:nvPr>
+            <p:ph idx="2" type="sldImg"/>
+          </p:nvPr>
+        </p:nvSpPr>
+        <p:spPr>
+          <a:xfrm>
+            <a:off x="381300" y="685800"/>
+            <a:ext cx="6096000" cy="3429000"/>
+          </a:xfrm>
+          <a:custGeom>
+            <a:rect b="b" l="l" r="r" t="t"/>
+            <a:pathLst>
+              <a:path extrusionOk="0" h="120000" w="120000">
+                <a:moveTo>
+                  <a:pt x="0" y="0"/>
+                </a:moveTo>
+                <a:lnTo>
+                  <a:pt x="120000" y="0"/>
+                </a:lnTo>
+                <a:lnTo>
+                  <a:pt x="120000" y="120000"/>
+                </a:lnTo>
+                <a:lnTo>
+                  <a:pt x="0" y="120000"/>
+                </a:lnTo>
+                <a:close/>
+              </a:path>
+            </a:pathLst>
+          </a:custGeom>
+        </p:spPr>
+      </p:sp>
+      <p:sp>
+        <p:nvSpPr>
+          <p:cNvPr id="186" name="Google Shape;186;gcfadc99df9_0_93:notes"/>
+          <p:cNvSpPr txBox="1"/>
+          <p:nvPr>
+            <p:ph idx="1" type="body"/>
+          </p:nvPr>
+        </p:nvSpPr>
+        <p:spPr>
+          <a:xfrm>
+            <a:off x="685800" y="4343400"/>
+            <a:ext cx="5486400" cy="4114800"/>
+          </a:xfrm>
+          <a:prstGeom prst="rect">
+            <a:avLst/>
+          </a:prstGeom>
+        </p:spPr>
+        <p:txBody>
+          <a:bodyPr anchorCtr="0" anchor="t" bIns="91425" lIns="91425" spcFirstLastPara="1" rIns="91425" wrap="square" tIns="91425">
+            <a:noAutofit/>
+          </a:bodyPr>
+          <a:lstStyle/>
+          <a:p>
+            <a:pPr indent="0" lvl="0" marL="0" rtl="0" algn="l">
+              <a:spcBef>
+                <a:spcPts val="0"/>
+              </a:spcBef>
+              <a:spcAft>
+                <a:spcPts val="0"/>
+              </a:spcAft>
+              <a:buNone/>
+            </a:pPr>
+            <a:r>
+              <a:t/>
+            </a:r>
+            <a:endParaRPr/>
+          </a:p>
+        </p:txBody>
+      </p:sp>
+    </p:spTree>
+  </p:cSld>
+  <p:clrMapOvr>
+    <a:masterClrMapping/>
+  </p:clrMapOvr>
+</p:notes>
+</file>
+
+<file path=ppt/notesSlides/notesSlide23.xml><?xml version="1.0" encoding="utf-8"?>
+<p:notes xmlns:a="http://schemas.openxmlformats.org/drawingml/2006/main" xmlns:r="http://schemas.openxmlformats.org/officeDocument/2006/relationships" xmlns:mc="http://schemas.openxmlformats.org/markup-compatibility/2006" xmlns:mv="urn:schemas-microsoft-com:mac:vml" xmlns:p="http://schemas.openxmlformats.org/presentationml/2006/main" xmlns:c="http://schemas.openxmlformats.org/drawingml/2006/chart" xmlns:dgm="http://schemas.openxmlformats.org/drawingml/2006/diagram" xmlns:o="urn:schemas-microsoft-com:office:office" xmlns:v="urn:schemas-microsoft-com:vml" xmlns:pvml="urn:schemas-microsoft-com:office:powerpoint" xmlns:com="http://schemas.openxmlformats.org/drawingml/2006/compatibility" xmlns:p14="http://schemas.microsoft.com/office/powerpoint/2010/main" xmlns:p15="http://schemas.microsoft.com/office/powerpoint/2012/main" xmlns:ahyp="http://schemas.microsoft.com/office/drawing/2018/hyperlinkcolor" showMasterPhAnim="0" showMasterSp="0">
+  <p:cSld>
+    <p:spTree>
+      <p:nvGrpSpPr>
+        <p:cNvPr id="190" name="Shape 190"/>
+        <p:cNvGrpSpPr/>
+        <p:nvPr/>
+      </p:nvGrpSpPr>
+      <p:grpSpPr>
+        <a:xfrm>
+          <a:off x="0" y="0"/>
+          <a:ext cx="0" cy="0"/>
+          <a:chOff x="0" y="0"/>
+          <a:chExt cx="0" cy="0"/>
+        </a:xfrm>
+      </p:grpSpPr>
+      <p:sp>
+        <p:nvSpPr>
+          <p:cNvPr id="191" name="Google Shape;191;g10537292928_0_14:notes"/>
+          <p:cNvSpPr/>
+          <p:nvPr>
+            <p:ph idx="2" type="sldImg"/>
+          </p:nvPr>
+        </p:nvSpPr>
+        <p:spPr>
+          <a:xfrm>
+            <a:off x="381300" y="685800"/>
+            <a:ext cx="6096000" cy="3429000"/>
+          </a:xfrm>
+          <a:custGeom>
+            <a:rect b="b" l="l" r="r" t="t"/>
+            <a:pathLst>
+              <a:path extrusionOk="0" h="120000" w="120000">
+                <a:moveTo>
+                  <a:pt x="0" y="0"/>
+                </a:moveTo>
+                <a:lnTo>
+                  <a:pt x="120000" y="0"/>
+                </a:lnTo>
+                <a:lnTo>
+                  <a:pt x="120000" y="120000"/>
+                </a:lnTo>
+                <a:lnTo>
+                  <a:pt x="0" y="120000"/>
+                </a:lnTo>
+                <a:close/>
+              </a:path>
+            </a:pathLst>
+          </a:custGeom>
+        </p:spPr>
+      </p:sp>
+      <p:sp>
+        <p:nvSpPr>
+          <p:cNvPr id="192" name="Google Shape;192;g10537292928_0_14:notes"/>
+          <p:cNvSpPr txBox="1"/>
+          <p:nvPr>
+            <p:ph idx="1" type="body"/>
+          </p:nvPr>
+        </p:nvSpPr>
+        <p:spPr>
+          <a:xfrm>
+            <a:off x="685800" y="4343400"/>
+            <a:ext cx="5486400" cy="4114800"/>
+          </a:xfrm>
+          <a:prstGeom prst="rect">
+            <a:avLst/>
+          </a:prstGeom>
+        </p:spPr>
+        <p:txBody>
+          <a:bodyPr anchorCtr="0" anchor="t" bIns="91425" lIns="91425" spcFirstLastPara="1" rIns="91425" wrap="square" tIns="91425">
+            <a:noAutofit/>
+          </a:bodyPr>
+          <a:lstStyle/>
+          <a:p>
+            <a:pPr indent="0" lvl="0" marL="0" rtl="0" algn="l">
+              <a:spcBef>
+                <a:spcPts val="0"/>
+              </a:spcBef>
+              <a:spcAft>
+                <a:spcPts val="0"/>
+              </a:spcAft>
+              <a:buNone/>
+            </a:pPr>
+            <a:r>
+              <a:t/>
+            </a:r>
+            <a:endParaRPr/>
+          </a:p>
+        </p:txBody>
+      </p:sp>
+    </p:spTree>
+  </p:cSld>
+  <p:clrMapOvr>
+    <a:masterClrMapping/>
+  </p:clrMapOvr>
+</p:notes>
+</file>
+
+<file path=ppt/notesSlides/notesSlide24.xml><?xml version="1.0" encoding="utf-8"?>
+<p:notes xmlns:a="http://schemas.openxmlformats.org/drawingml/2006/main" xmlns:r="http://schemas.openxmlformats.org/officeDocument/2006/relationships" xmlns:mc="http://schemas.openxmlformats.org/markup-compatibility/2006" xmlns:mv="urn:schemas-microsoft-com:mac:vml" xmlns:p="http://schemas.openxmlformats.org/presentationml/2006/main" xmlns:c="http://schemas.openxmlformats.org/drawingml/2006/chart" xmlns:dgm="http://schemas.openxmlformats.org/drawingml/2006/diagram" xmlns:o="urn:schemas-microsoft-com:office:office" xmlns:v="urn:schemas-microsoft-com:vml" xmlns:pvml="urn:schemas-microsoft-com:office:powerpoint" xmlns:com="http://schemas.openxmlformats.org/drawingml/2006/compatibility" xmlns:p14="http://schemas.microsoft.com/office/powerpoint/2010/main" xmlns:p15="http://schemas.microsoft.com/office/powerpoint/2012/main" xmlns:ahyp="http://schemas.microsoft.com/office/drawing/2018/hyperlinkcolor" showMasterPhAnim="0" showMasterSp="0">
+  <p:cSld>
+    <p:spTree>
+      <p:nvGrpSpPr>
+        <p:cNvPr id="196" name="Shape 196"/>
+        <p:cNvGrpSpPr/>
+        <p:nvPr/>
+      </p:nvGrpSpPr>
+      <p:grpSpPr>
+        <a:xfrm>
+          <a:off x="0" y="0"/>
+          <a:ext cx="0" cy="0"/>
+          <a:chOff x="0" y="0"/>
+          <a:chExt cx="0" cy="0"/>
+        </a:xfrm>
+      </p:grpSpPr>
+      <p:sp>
+        <p:nvSpPr>
+          <p:cNvPr id="197" name="Google Shape;197;g10537292928_0_27:notes"/>
+          <p:cNvSpPr/>
+          <p:nvPr>
+            <p:ph idx="2" type="sldImg"/>
+          </p:nvPr>
+        </p:nvSpPr>
+        <p:spPr>
+          <a:xfrm>
+            <a:off x="381300" y="685800"/>
+            <a:ext cx="6096000" cy="3429000"/>
+          </a:xfrm>
+          <a:custGeom>
+            <a:rect b="b" l="l" r="r" t="t"/>
+            <a:pathLst>
+              <a:path extrusionOk="0" h="120000" w="120000">
+                <a:moveTo>
+                  <a:pt x="0" y="0"/>
+                </a:moveTo>
+                <a:lnTo>
+                  <a:pt x="120000" y="0"/>
+                </a:lnTo>
+                <a:lnTo>
+                  <a:pt x="120000" y="120000"/>
+                </a:lnTo>
+                <a:lnTo>
+                  <a:pt x="0" y="120000"/>
+                </a:lnTo>
+                <a:close/>
+              </a:path>
+            </a:pathLst>
+          </a:custGeom>
+        </p:spPr>
+      </p:sp>
+      <p:sp>
+        <p:nvSpPr>
+          <p:cNvPr id="198" name="Google Shape;198;g10537292928_0_27:notes"/>
+          <p:cNvSpPr txBox="1"/>
+          <p:nvPr>
+            <p:ph idx="1" type="body"/>
+          </p:nvPr>
+        </p:nvSpPr>
+        <p:spPr>
+          <a:xfrm>
+            <a:off x="685800" y="4343400"/>
+            <a:ext cx="5486400" cy="4114800"/>
+          </a:xfrm>
+          <a:prstGeom prst="rect">
+            <a:avLst/>
+          </a:prstGeom>
+        </p:spPr>
+        <p:txBody>
+          <a:bodyPr anchorCtr="0" anchor="t" bIns="91425" lIns="91425" spcFirstLastPara="1" rIns="91425" wrap="square" tIns="91425">
+            <a:noAutofit/>
+          </a:bodyPr>
+          <a:lstStyle/>
+          <a:p>
+            <a:pPr indent="0" lvl="0" marL="0" rtl="0" algn="l">
+              <a:spcBef>
+                <a:spcPts val="0"/>
+              </a:spcBef>
+              <a:spcAft>
+                <a:spcPts val="0"/>
+              </a:spcAft>
+              <a:buNone/>
+            </a:pPr>
+            <a:r>
+              <a:t/>
+            </a:r>
+            <a:endParaRPr/>
+          </a:p>
+        </p:txBody>
+      </p:sp>
+    </p:spTree>
+  </p:cSld>
+  <p:clrMapOvr>
+    <a:masterClrMapping/>
+  </p:clrMapOvr>
+</p:notes>
+</file>
+
+<file path=ppt/notesSlides/notesSlide25.xml><?xml version="1.0" encoding="utf-8"?>
+<p:notes xmlns:a="http://schemas.openxmlformats.org/drawingml/2006/main" xmlns:r="http://schemas.openxmlformats.org/officeDocument/2006/relationships" xmlns:mc="http://schemas.openxmlformats.org/markup-compatibility/2006" xmlns:mv="urn:schemas-microsoft-com:mac:vml" xmlns:p="http://schemas.openxmlformats.org/presentationml/2006/main" xmlns:c="http://schemas.openxmlformats.org/drawingml/2006/chart" xmlns:dgm="http://schemas.openxmlformats.org/drawingml/2006/diagram" xmlns:o="urn:schemas-microsoft-com:office:office" xmlns:v="urn:schemas-microsoft-com:vml" xmlns:pvml="urn:schemas-microsoft-com:office:powerpoint" xmlns:com="http://schemas.openxmlformats.org/drawingml/2006/compatibility" xmlns:p14="http://schemas.microsoft.com/office/powerpoint/2010/main" xmlns:p15="http://schemas.microsoft.com/office/powerpoint/2012/main" xmlns:ahyp="http://schemas.microsoft.com/office/drawing/2018/hyperlinkcolor" showMasterPhAnim="0" showMasterSp="0">
+  <p:cSld>
+    <p:spTree>
+      <p:nvGrpSpPr>
+        <p:cNvPr id="202" name="Shape 202"/>
+        <p:cNvGrpSpPr/>
+        <p:nvPr/>
+      </p:nvGrpSpPr>
+      <p:grpSpPr>
+        <a:xfrm>
+          <a:off x="0" y="0"/>
+          <a:ext cx="0" cy="0"/>
+          <a:chOff x="0" y="0"/>
+          <a:chExt cx="0" cy="0"/>
+        </a:xfrm>
+      </p:grpSpPr>
+      <p:sp>
+        <p:nvSpPr>
+          <p:cNvPr id="203" name="Google Shape;203;gcfadc99df9_0_78:notes"/>
+          <p:cNvSpPr/>
+          <p:nvPr>
+            <p:ph idx="2" type="sldImg"/>
+          </p:nvPr>
+        </p:nvSpPr>
+        <p:spPr>
+          <a:xfrm>
+            <a:off x="381300" y="685800"/>
+            <a:ext cx="6096000" cy="3429000"/>
+          </a:xfrm>
+          <a:custGeom>
+            <a:rect b="b" l="l" r="r" t="t"/>
+            <a:pathLst>
+              <a:path extrusionOk="0" h="120000" w="120000">
+                <a:moveTo>
+                  <a:pt x="0" y="0"/>
+                </a:moveTo>
+                <a:lnTo>
+                  <a:pt x="120000" y="0"/>
+                </a:lnTo>
+                <a:lnTo>
+                  <a:pt x="120000" y="120000"/>
+                </a:lnTo>
+                <a:lnTo>
+                  <a:pt x="0" y="120000"/>
+                </a:lnTo>
+                <a:close/>
+              </a:path>
+            </a:pathLst>
+          </a:custGeom>
+        </p:spPr>
+      </p:sp>
+      <p:sp>
+        <p:nvSpPr>
+          <p:cNvPr id="204" name="Google Shape;204;gcfadc99df9_0_78:notes"/>
+          <p:cNvSpPr txBox="1"/>
+          <p:nvPr>
+            <p:ph idx="1" type="body"/>
+          </p:nvPr>
+        </p:nvSpPr>
+        <p:spPr>
+          <a:xfrm>
+            <a:off x="685800" y="4343400"/>
+            <a:ext cx="5486400" cy="4114800"/>
+          </a:xfrm>
+          <a:prstGeom prst="rect">
+            <a:avLst/>
+          </a:prstGeom>
+        </p:spPr>
+        <p:txBody>
+          <a:bodyPr anchorCtr="0" anchor="t" bIns="91425" lIns="91425" spcFirstLastPara="1" rIns="91425" wrap="square" tIns="91425">
+            <a:noAutofit/>
+          </a:bodyPr>
+          <a:lstStyle/>
+          <a:p>
+            <a:pPr indent="0" lvl="0" marL="0" rtl="0" algn="l">
+              <a:spcBef>
+                <a:spcPts val="0"/>
+              </a:spcBef>
+              <a:spcAft>
+                <a:spcPts val="0"/>
+              </a:spcAft>
+              <a:buNone/>
+            </a:pPr>
+            <a:r>
+              <a:t/>
+            </a:r>
+            <a:endParaRPr/>
+          </a:p>
+        </p:txBody>
+      </p:sp>
+    </p:spTree>
+  </p:cSld>
+  <p:clrMapOvr>
+    <a:masterClrMapping/>
+  </p:clrMapOvr>
+</p:notes>
+</file>
+
+<file path=ppt/notesSlides/notesSlide26.xml><?xml version="1.0" encoding="utf-8"?>
+<p:notes xmlns:a="http://schemas.openxmlformats.org/drawingml/2006/main" xmlns:r="http://schemas.openxmlformats.org/officeDocument/2006/relationships" xmlns:mc="http://schemas.openxmlformats.org/markup-compatibility/2006" xmlns:mv="urn:schemas-microsoft-com:mac:vml" xmlns:p="http://schemas.openxmlformats.org/presentationml/2006/main" xmlns:c="http://schemas.openxmlformats.org/drawingml/2006/chart" xmlns:dgm="http://schemas.openxmlformats.org/drawingml/2006/diagram" xmlns:o="urn:schemas-microsoft-com:office:office" xmlns:v="urn:schemas-microsoft-com:vml" xmlns:pvml="urn:schemas-microsoft-com:office:powerpoint" xmlns:com="http://schemas.openxmlformats.org/drawingml/2006/compatibility" xmlns:p14="http://schemas.microsoft.com/office/powerpoint/2010/main" xmlns:p15="http://schemas.microsoft.com/office/powerpoint/2012/main" xmlns:ahyp="http://schemas.microsoft.com/office/drawing/2018/hyperlinkcolor" showMasterPhAnim="0" showMasterSp="0">
+  <p:cSld>
+    <p:spTree>
+      <p:nvGrpSpPr>
+        <p:cNvPr id="208" name="Shape 208"/>
+        <p:cNvGrpSpPr/>
+        <p:nvPr/>
+      </p:nvGrpSpPr>
+      <p:grpSpPr>
+        <a:xfrm>
+          <a:off x="0" y="0"/>
+          <a:ext cx="0" cy="0"/>
+          <a:chOff x="0" y="0"/>
+          <a:chExt cx="0" cy="0"/>
+        </a:xfrm>
+      </p:grpSpPr>
+      <p:sp>
+        <p:nvSpPr>
+          <p:cNvPr id="209" name="Google Shape;209;gcfadc99df9_0_83:notes"/>
+          <p:cNvSpPr/>
+          <p:nvPr>
+            <p:ph idx="2" type="sldImg"/>
+          </p:nvPr>
+        </p:nvSpPr>
+        <p:spPr>
+          <a:xfrm>
+            <a:off x="381300" y="685800"/>
+            <a:ext cx="6096000" cy="3429000"/>
+          </a:xfrm>
+          <a:custGeom>
+            <a:rect b="b" l="l" r="r" t="t"/>
+            <a:pathLst>
+              <a:path extrusionOk="0" h="120000" w="120000">
+                <a:moveTo>
+                  <a:pt x="0" y="0"/>
+                </a:moveTo>
+                <a:lnTo>
+                  <a:pt x="120000" y="0"/>
+                </a:lnTo>
+                <a:lnTo>
+                  <a:pt x="120000" y="120000"/>
+                </a:lnTo>
+                <a:lnTo>
+                  <a:pt x="0" y="120000"/>
+                </a:lnTo>
+                <a:close/>
+              </a:path>
+            </a:pathLst>
+          </a:custGeom>
+        </p:spPr>
+      </p:sp>
+      <p:sp>
+        <p:nvSpPr>
+          <p:cNvPr id="210" name="Google Shape;210;gcfadc99df9_0_83:notes"/>
+          <p:cNvSpPr txBox="1"/>
+          <p:nvPr>
+            <p:ph idx="1" type="body"/>
+          </p:nvPr>
+        </p:nvSpPr>
+        <p:spPr>
+          <a:xfrm>
+            <a:off x="685800" y="4343400"/>
+            <a:ext cx="5486400" cy="4114800"/>
+          </a:xfrm>
+          <a:prstGeom prst="rect">
+            <a:avLst/>
+          </a:prstGeom>
+        </p:spPr>
+        <p:txBody>
+          <a:bodyPr anchorCtr="0" anchor="t" bIns="91425" lIns="91425" spcFirstLastPara="1" rIns="91425" wrap="square" tIns="91425">
+            <a:noAutofit/>
+          </a:bodyPr>
+          <a:lstStyle/>
+          <a:p>
+            <a:pPr indent="0" lvl="0" marL="0" rtl="0" algn="l">
+              <a:spcBef>
+                <a:spcPts val="0"/>
+              </a:spcBef>
+              <a:spcAft>
+                <a:spcPts val="0"/>
+              </a:spcAft>
+              <a:buNone/>
+            </a:pPr>
+            <a:r>
+              <a:t/>
+            </a:r>
+            <a:endParaRPr/>
+          </a:p>
+        </p:txBody>
+      </p:sp>
+    </p:spTree>
+  </p:cSld>
+  <p:clrMapOvr>
+    <a:masterClrMapping/>
+  </p:clrMapOvr>
+</p:notes>
+</file>
+
+<file path=ppt/notesSlides/notesSlide27.xml><?xml version="1.0" encoding="utf-8"?>
+<p:notes xmlns:a="http://schemas.openxmlformats.org/drawingml/2006/main" xmlns:r="http://schemas.openxmlformats.org/officeDocument/2006/relationships" xmlns:mc="http://schemas.openxmlformats.org/markup-compatibility/2006" xmlns:mv="urn:schemas-microsoft-com:mac:vml" xmlns:p="http://schemas.openxmlformats.org/presentationml/2006/main" xmlns:c="http://schemas.openxmlformats.org/drawingml/2006/chart" xmlns:dgm="http://schemas.openxmlformats.org/drawingml/2006/diagram" xmlns:o="urn:schemas-microsoft-com:office:office" xmlns:v="urn:schemas-microsoft-com:vml" xmlns:pvml="urn:schemas-microsoft-com:office:powerpoint" xmlns:com="http://schemas.openxmlformats.org/drawingml/2006/compatibility" xmlns:p14="http://schemas.microsoft.com/office/powerpoint/2010/main" xmlns:p15="http://schemas.microsoft.com/office/powerpoint/2012/main" xmlns:ahyp="http://schemas.microsoft.com/office/drawing/2018/hyperlinkcolor" showMasterPhAnim="0" showMasterSp="0">
+  <p:cSld>
+    <p:spTree>
+      <p:nvGrpSpPr>
+        <p:cNvPr id="214" name="Shape 214"/>
+        <p:cNvGrpSpPr/>
+        <p:nvPr/>
+      </p:nvGrpSpPr>
+      <p:grpSpPr>
+        <a:xfrm>
+          <a:off x="0" y="0"/>
+          <a:ext cx="0" cy="0"/>
+          <a:chOff x="0" y="0"/>
+          <a:chExt cx="0" cy="0"/>
+        </a:xfrm>
+      </p:grpSpPr>
+      <p:sp>
+        <p:nvSpPr>
+          <p:cNvPr id="215" name="Google Shape;215;gcfadc99df9_0_38:notes"/>
+          <p:cNvSpPr/>
+          <p:nvPr>
+            <p:ph idx="2" type="sldImg"/>
+          </p:nvPr>
+        </p:nvSpPr>
+        <p:spPr>
+          <a:xfrm>
+            <a:off x="381300" y="685800"/>
+            <a:ext cx="6096000" cy="3429000"/>
+          </a:xfrm>
+          <a:custGeom>
+            <a:rect b="b" l="l" r="r" t="t"/>
+            <a:pathLst>
+              <a:path extrusionOk="0" h="120000" w="120000">
+                <a:moveTo>
+                  <a:pt x="0" y="0"/>
+                </a:moveTo>
+                <a:lnTo>
+                  <a:pt x="120000" y="0"/>
+                </a:lnTo>
+                <a:lnTo>
+                  <a:pt x="120000" y="120000"/>
+                </a:lnTo>
+                <a:lnTo>
+                  <a:pt x="0" y="120000"/>
+                </a:lnTo>
+                <a:close/>
+              </a:path>
+            </a:pathLst>
+          </a:custGeom>
+        </p:spPr>
+      </p:sp>
+      <p:sp>
+        <p:nvSpPr>
+          <p:cNvPr id="216" name="Google Shape;216;gcfadc99df9_0_38:notes"/>
+          <p:cNvSpPr txBox="1"/>
+          <p:nvPr>
+            <p:ph idx="1" type="body"/>
+          </p:nvPr>
+        </p:nvSpPr>
+        <p:spPr>
+          <a:xfrm>
+            <a:off x="685800" y="4343400"/>
+            <a:ext cx="5486400" cy="4114800"/>
+          </a:xfrm>
+          <a:prstGeom prst="rect">
+            <a:avLst/>
+          </a:prstGeom>
+        </p:spPr>
+        <p:txBody>
+          <a:bodyPr anchorCtr="0" anchor="t" bIns="91425" lIns="91425" spcFirstLastPara="1" rIns="91425" wrap="square" tIns="91425">
+            <a:noAutofit/>
+          </a:bodyPr>
+          <a:lstStyle/>
+          <a:p>
+            <a:pPr indent="0" lvl="0" marL="0" rtl="0" algn="l">
+              <a:spcBef>
+                <a:spcPts val="0"/>
+              </a:spcBef>
+              <a:spcAft>
+                <a:spcPts val="0"/>
+              </a:spcAft>
+              <a:buNone/>
+            </a:pPr>
+            <a:r>
+              <a:t/>
+            </a:r>
+            <a:endParaRPr/>
+          </a:p>
+        </p:txBody>
+      </p:sp>
+    </p:spTree>
+  </p:cSld>
+  <p:clrMapOvr>
+    <a:masterClrMapping/>
+  </p:clrMapOvr>
+</p:notes>
+</file>
+
+<file path=ppt/notesSlides/notesSlide28.xml><?xml version="1.0" encoding="utf-8"?>
+<p:notes xmlns:a="http://schemas.openxmlformats.org/drawingml/2006/main" xmlns:r="http://schemas.openxmlformats.org/officeDocument/2006/relationships" xmlns:mc="http://schemas.openxmlformats.org/markup-compatibility/2006" xmlns:mv="urn:schemas-microsoft-com:mac:vml" xmlns:p="http://schemas.openxmlformats.org/presentationml/2006/main" xmlns:c="http://schemas.openxmlformats.org/drawingml/2006/chart" xmlns:dgm="http://schemas.openxmlformats.org/drawingml/2006/diagram" xmlns:o="urn:schemas-microsoft-com:office:office" xmlns:v="urn:schemas-microsoft-com:vml" xmlns:pvml="urn:schemas-microsoft-com:office:powerpoint" xmlns:com="http://schemas.openxmlformats.org/drawingml/2006/compatibility" xmlns:p14="http://schemas.microsoft.com/office/powerpoint/2010/main" xmlns:p15="http://schemas.microsoft.com/office/powerpoint/2012/main" xmlns:ahyp="http://schemas.microsoft.com/office/drawing/2018/hyperlinkcolor" showMasterPhAnim="0" showMasterSp="0">
+  <p:cSld>
+    <p:spTree>
+      <p:nvGrpSpPr>
+        <p:cNvPr id="220" name="Shape 220"/>
+        <p:cNvGrpSpPr/>
+        <p:nvPr/>
+      </p:nvGrpSpPr>
+      <p:grpSpPr>
+        <a:xfrm>
+          <a:off x="0" y="0"/>
+          <a:ext cx="0" cy="0"/>
+          <a:chOff x="0" y="0"/>
+          <a:chExt cx="0" cy="0"/>
+        </a:xfrm>
+      </p:grpSpPr>
+      <p:sp>
+        <p:nvSpPr>
+          <p:cNvPr id="221" name="Google Shape;221;gcfadc99df9_0_114:notes"/>
+          <p:cNvSpPr/>
+          <p:nvPr>
+            <p:ph idx="2" type="sldImg"/>
+          </p:nvPr>
+        </p:nvSpPr>
+        <p:spPr>
+          <a:xfrm>
+            <a:off x="381300" y="685800"/>
+            <a:ext cx="6096000" cy="3429000"/>
+          </a:xfrm>
+          <a:custGeom>
+            <a:rect b="b" l="l" r="r" t="t"/>
+            <a:pathLst>
+              <a:path extrusionOk="0" h="120000" w="120000">
+                <a:moveTo>
+                  <a:pt x="0" y="0"/>
+                </a:moveTo>
+                <a:lnTo>
+                  <a:pt x="120000" y="0"/>
+                </a:lnTo>
+                <a:lnTo>
+                  <a:pt x="120000" y="120000"/>
+                </a:lnTo>
+                <a:lnTo>
+                  <a:pt x="0" y="120000"/>
+                </a:lnTo>
+                <a:close/>
+              </a:path>
+            </a:pathLst>
+          </a:custGeom>
+        </p:spPr>
+      </p:sp>
+      <p:sp>
+        <p:nvSpPr>
+          <p:cNvPr id="222" name="Google Shape;222;gcfadc99df9_0_114:notes"/>
+          <p:cNvSpPr txBox="1"/>
+          <p:nvPr>
+            <p:ph idx="1" type="body"/>
+          </p:nvPr>
+        </p:nvSpPr>
+        <p:spPr>
+          <a:xfrm>
+            <a:off x="685800" y="4343400"/>
+            <a:ext cx="5486400" cy="4114800"/>
+          </a:xfrm>
+          <a:prstGeom prst="rect">
+            <a:avLst/>
+          </a:prstGeom>
+        </p:spPr>
+        <p:txBody>
+          <a:bodyPr anchorCtr="0" anchor="t" bIns="91425" lIns="91425" spcFirstLastPara="1" rIns="91425" wrap="square" tIns="91425">
+            <a:noAutofit/>
+          </a:bodyPr>
+          <a:lstStyle/>
+          <a:p>
+            <a:pPr indent="0" lvl="0" marL="0" rtl="0" algn="l">
+              <a:spcBef>
+                <a:spcPts val="0"/>
+              </a:spcBef>
+              <a:spcAft>
+                <a:spcPts val="0"/>
+              </a:spcAft>
+              <a:buNone/>
+            </a:pPr>
+            <a:r>
+              <a:t/>
+            </a:r>
+            <a:endParaRPr/>
+          </a:p>
+        </p:txBody>
+      </p:sp>
+    </p:spTree>
+  </p:cSld>
+  <p:clrMapOvr>
+    <a:masterClrMapping/>
+  </p:clrMapOvr>
+</p:notes>
+</file>
+
+<file path=ppt/notesSlides/notesSlide29.xml><?xml version="1.0" encoding="utf-8"?>
+<p:notes xmlns:a="http://schemas.openxmlformats.org/drawingml/2006/main" xmlns:r="http://schemas.openxmlformats.org/officeDocument/2006/relationships" xmlns:mc="http://schemas.openxmlformats.org/markup-compatibility/2006" xmlns:mv="urn:schemas-microsoft-com:mac:vml" xmlns:p="http://schemas.openxmlformats.org/presentationml/2006/main" xmlns:c="http://schemas.openxmlformats.org/drawingml/2006/chart" xmlns:dgm="http://schemas.openxmlformats.org/drawingml/2006/diagram" xmlns:o="urn:schemas-microsoft-com:office:office" xmlns:v="urn:schemas-microsoft-com:vml" xmlns:pvml="urn:schemas-microsoft-com:office:powerpoint" xmlns:com="http://schemas.openxmlformats.org/drawingml/2006/compatibility" xmlns:p14="http://schemas.microsoft.com/office/powerpoint/2010/main" xmlns:p15="http://schemas.microsoft.com/office/powerpoint/2012/main" xmlns:ahyp="http://schemas.microsoft.com/office/drawing/2018/hyperlinkcolor" showMasterPhAnim="0" showMasterSp="0">
+  <p:cSld>
+    <p:spTree>
+      <p:nvGrpSpPr>
+        <p:cNvPr id="226" name="Shape 226"/>
+        <p:cNvGrpSpPr/>
+        <p:nvPr/>
+      </p:nvGrpSpPr>
+      <p:grpSpPr>
+        <a:xfrm>
+          <a:off x="0" y="0"/>
+          <a:ext cx="0" cy="0"/>
+          <a:chOff x="0" y="0"/>
+          <a:chExt cx="0" cy="0"/>
+        </a:xfrm>
+      </p:grpSpPr>
+      <p:sp>
+        <p:nvSpPr>
+          <p:cNvPr id="227" name="Google Shape;227;g10537292928_0_35:notes"/>
+          <p:cNvSpPr/>
+          <p:nvPr>
+            <p:ph idx="2" type="sldImg"/>
+          </p:nvPr>
+        </p:nvSpPr>
+        <p:spPr>
+          <a:xfrm>
+            <a:off x="381300" y="685800"/>
+            <a:ext cx="6096000" cy="3429000"/>
+          </a:xfrm>
+          <a:custGeom>
+            <a:rect b="b" l="l" r="r" t="t"/>
+            <a:pathLst>
+              <a:path extrusionOk="0" h="120000" w="120000">
+                <a:moveTo>
+                  <a:pt x="0" y="0"/>
+                </a:moveTo>
+                <a:lnTo>
+                  <a:pt x="120000" y="0"/>
+                </a:lnTo>
+                <a:lnTo>
+                  <a:pt x="120000" y="120000"/>
+                </a:lnTo>
+                <a:lnTo>
+                  <a:pt x="0" y="120000"/>
+                </a:lnTo>
+                <a:close/>
+              </a:path>
+            </a:pathLst>
+          </a:custGeom>
+        </p:spPr>
+      </p:sp>
+      <p:sp>
+        <p:nvSpPr>
+          <p:cNvPr id="228" name="Google Shape;228;g10537292928_0_35:notes"/>
           <p:cNvSpPr txBox="1"/>
           <p:nvPr>
             <p:ph idx="1" type="body"/>
@@ -2091,6 +3001,996 @@
 </p:notes>
 </file>
 
+<file path=ppt/notesSlides/notesSlide30.xml><?xml version="1.0" encoding="utf-8"?>
+<p:notes xmlns:a="http://schemas.openxmlformats.org/drawingml/2006/main" xmlns:r="http://schemas.openxmlformats.org/officeDocument/2006/relationships" xmlns:mc="http://schemas.openxmlformats.org/markup-compatibility/2006" xmlns:mv="urn:schemas-microsoft-com:mac:vml" xmlns:p="http://schemas.openxmlformats.org/presentationml/2006/main" xmlns:c="http://schemas.openxmlformats.org/drawingml/2006/chart" xmlns:dgm="http://schemas.openxmlformats.org/drawingml/2006/diagram" xmlns:o="urn:schemas-microsoft-com:office:office" xmlns:v="urn:schemas-microsoft-com:vml" xmlns:pvml="urn:schemas-microsoft-com:office:powerpoint" xmlns:com="http://schemas.openxmlformats.org/drawingml/2006/compatibility" xmlns:p14="http://schemas.microsoft.com/office/powerpoint/2010/main" xmlns:p15="http://schemas.microsoft.com/office/powerpoint/2012/main" xmlns:ahyp="http://schemas.microsoft.com/office/drawing/2018/hyperlinkcolor" showMasterPhAnim="0" showMasterSp="0">
+  <p:cSld>
+    <p:spTree>
+      <p:nvGrpSpPr>
+        <p:cNvPr id="232" name="Shape 232"/>
+        <p:cNvGrpSpPr/>
+        <p:nvPr/>
+      </p:nvGrpSpPr>
+      <p:grpSpPr>
+        <a:xfrm>
+          <a:off x="0" y="0"/>
+          <a:ext cx="0" cy="0"/>
+          <a:chOff x="0" y="0"/>
+          <a:chExt cx="0" cy="0"/>
+        </a:xfrm>
+      </p:grpSpPr>
+      <p:sp>
+        <p:nvSpPr>
+          <p:cNvPr id="233" name="Google Shape;233;g10537292928_0_40:notes"/>
+          <p:cNvSpPr/>
+          <p:nvPr>
+            <p:ph idx="2" type="sldImg"/>
+          </p:nvPr>
+        </p:nvSpPr>
+        <p:spPr>
+          <a:xfrm>
+            <a:off x="381300" y="685800"/>
+            <a:ext cx="6096000" cy="3429000"/>
+          </a:xfrm>
+          <a:custGeom>
+            <a:rect b="b" l="l" r="r" t="t"/>
+            <a:pathLst>
+              <a:path extrusionOk="0" h="120000" w="120000">
+                <a:moveTo>
+                  <a:pt x="0" y="0"/>
+                </a:moveTo>
+                <a:lnTo>
+                  <a:pt x="120000" y="0"/>
+                </a:lnTo>
+                <a:lnTo>
+                  <a:pt x="120000" y="120000"/>
+                </a:lnTo>
+                <a:lnTo>
+                  <a:pt x="0" y="120000"/>
+                </a:lnTo>
+                <a:close/>
+              </a:path>
+            </a:pathLst>
+          </a:custGeom>
+        </p:spPr>
+      </p:sp>
+      <p:sp>
+        <p:nvSpPr>
+          <p:cNvPr id="234" name="Google Shape;234;g10537292928_0_40:notes"/>
+          <p:cNvSpPr txBox="1"/>
+          <p:nvPr>
+            <p:ph idx="1" type="body"/>
+          </p:nvPr>
+        </p:nvSpPr>
+        <p:spPr>
+          <a:xfrm>
+            <a:off x="685800" y="4343400"/>
+            <a:ext cx="5486400" cy="4114800"/>
+          </a:xfrm>
+          <a:prstGeom prst="rect">
+            <a:avLst/>
+          </a:prstGeom>
+        </p:spPr>
+        <p:txBody>
+          <a:bodyPr anchorCtr="0" anchor="t" bIns="91425" lIns="91425" spcFirstLastPara="1" rIns="91425" wrap="square" tIns="91425">
+            <a:noAutofit/>
+          </a:bodyPr>
+          <a:lstStyle/>
+          <a:p>
+            <a:pPr indent="0" lvl="0" marL="0" rtl="0" algn="l">
+              <a:spcBef>
+                <a:spcPts val="0"/>
+              </a:spcBef>
+              <a:spcAft>
+                <a:spcPts val="0"/>
+              </a:spcAft>
+              <a:buNone/>
+            </a:pPr>
+            <a:r>
+              <a:t/>
+            </a:r>
+            <a:endParaRPr/>
+          </a:p>
+        </p:txBody>
+      </p:sp>
+    </p:spTree>
+  </p:cSld>
+  <p:clrMapOvr>
+    <a:masterClrMapping/>
+  </p:clrMapOvr>
+</p:notes>
+</file>
+
+<file path=ppt/notesSlides/notesSlide31.xml><?xml version="1.0" encoding="utf-8"?>
+<p:notes xmlns:a="http://schemas.openxmlformats.org/drawingml/2006/main" xmlns:r="http://schemas.openxmlformats.org/officeDocument/2006/relationships" xmlns:mc="http://schemas.openxmlformats.org/markup-compatibility/2006" xmlns:mv="urn:schemas-microsoft-com:mac:vml" xmlns:p="http://schemas.openxmlformats.org/presentationml/2006/main" xmlns:c="http://schemas.openxmlformats.org/drawingml/2006/chart" xmlns:dgm="http://schemas.openxmlformats.org/drawingml/2006/diagram" xmlns:o="urn:schemas-microsoft-com:office:office" xmlns:v="urn:schemas-microsoft-com:vml" xmlns:pvml="urn:schemas-microsoft-com:office:powerpoint" xmlns:com="http://schemas.openxmlformats.org/drawingml/2006/compatibility" xmlns:p14="http://schemas.microsoft.com/office/powerpoint/2010/main" xmlns:p15="http://schemas.microsoft.com/office/powerpoint/2012/main" xmlns:ahyp="http://schemas.microsoft.com/office/drawing/2018/hyperlinkcolor" showMasterPhAnim="0" showMasterSp="0">
+  <p:cSld>
+    <p:spTree>
+      <p:nvGrpSpPr>
+        <p:cNvPr id="238" name="Shape 238"/>
+        <p:cNvGrpSpPr/>
+        <p:nvPr/>
+      </p:nvGrpSpPr>
+      <p:grpSpPr>
+        <a:xfrm>
+          <a:off x="0" y="0"/>
+          <a:ext cx="0" cy="0"/>
+          <a:chOff x="0" y="0"/>
+          <a:chExt cx="0" cy="0"/>
+        </a:xfrm>
+      </p:grpSpPr>
+      <p:sp>
+        <p:nvSpPr>
+          <p:cNvPr id="239" name="Google Shape;239;gcfadc99df9_0_43:notes"/>
+          <p:cNvSpPr/>
+          <p:nvPr>
+            <p:ph idx="2" type="sldImg"/>
+          </p:nvPr>
+        </p:nvSpPr>
+        <p:spPr>
+          <a:xfrm>
+            <a:off x="381300" y="685800"/>
+            <a:ext cx="6096000" cy="3429000"/>
+          </a:xfrm>
+          <a:custGeom>
+            <a:rect b="b" l="l" r="r" t="t"/>
+            <a:pathLst>
+              <a:path extrusionOk="0" h="120000" w="120000">
+                <a:moveTo>
+                  <a:pt x="0" y="0"/>
+                </a:moveTo>
+                <a:lnTo>
+                  <a:pt x="120000" y="0"/>
+                </a:lnTo>
+                <a:lnTo>
+                  <a:pt x="120000" y="120000"/>
+                </a:lnTo>
+                <a:lnTo>
+                  <a:pt x="0" y="120000"/>
+                </a:lnTo>
+                <a:close/>
+              </a:path>
+            </a:pathLst>
+          </a:custGeom>
+        </p:spPr>
+      </p:sp>
+      <p:sp>
+        <p:nvSpPr>
+          <p:cNvPr id="240" name="Google Shape;240;gcfadc99df9_0_43:notes"/>
+          <p:cNvSpPr txBox="1"/>
+          <p:nvPr>
+            <p:ph idx="1" type="body"/>
+          </p:nvPr>
+        </p:nvSpPr>
+        <p:spPr>
+          <a:xfrm>
+            <a:off x="685800" y="4343400"/>
+            <a:ext cx="5486400" cy="4114800"/>
+          </a:xfrm>
+          <a:prstGeom prst="rect">
+            <a:avLst/>
+          </a:prstGeom>
+        </p:spPr>
+        <p:txBody>
+          <a:bodyPr anchorCtr="0" anchor="t" bIns="91425" lIns="91425" spcFirstLastPara="1" rIns="91425" wrap="square" tIns="91425">
+            <a:noAutofit/>
+          </a:bodyPr>
+          <a:lstStyle/>
+          <a:p>
+            <a:pPr indent="0" lvl="0" marL="0" rtl="0" algn="l">
+              <a:spcBef>
+                <a:spcPts val="0"/>
+              </a:spcBef>
+              <a:spcAft>
+                <a:spcPts val="0"/>
+              </a:spcAft>
+              <a:buNone/>
+            </a:pPr>
+            <a:r>
+              <a:t/>
+            </a:r>
+            <a:endParaRPr/>
+          </a:p>
+        </p:txBody>
+      </p:sp>
+    </p:spTree>
+  </p:cSld>
+  <p:clrMapOvr>
+    <a:masterClrMapping/>
+  </p:clrMapOvr>
+</p:notes>
+</file>
+
+<file path=ppt/notesSlides/notesSlide32.xml><?xml version="1.0" encoding="utf-8"?>
+<p:notes xmlns:a="http://schemas.openxmlformats.org/drawingml/2006/main" xmlns:r="http://schemas.openxmlformats.org/officeDocument/2006/relationships" xmlns:mc="http://schemas.openxmlformats.org/markup-compatibility/2006" xmlns:mv="urn:schemas-microsoft-com:mac:vml" xmlns:p="http://schemas.openxmlformats.org/presentationml/2006/main" xmlns:c="http://schemas.openxmlformats.org/drawingml/2006/chart" xmlns:dgm="http://schemas.openxmlformats.org/drawingml/2006/diagram" xmlns:o="urn:schemas-microsoft-com:office:office" xmlns:v="urn:schemas-microsoft-com:vml" xmlns:pvml="urn:schemas-microsoft-com:office:powerpoint" xmlns:com="http://schemas.openxmlformats.org/drawingml/2006/compatibility" xmlns:p14="http://schemas.microsoft.com/office/powerpoint/2010/main" xmlns:p15="http://schemas.microsoft.com/office/powerpoint/2012/main" xmlns:ahyp="http://schemas.microsoft.com/office/drawing/2018/hyperlinkcolor" showMasterPhAnim="0" showMasterSp="0">
+  <p:cSld>
+    <p:spTree>
+      <p:nvGrpSpPr>
+        <p:cNvPr id="244" name="Shape 244"/>
+        <p:cNvGrpSpPr/>
+        <p:nvPr/>
+      </p:nvGrpSpPr>
+      <p:grpSpPr>
+        <a:xfrm>
+          <a:off x="0" y="0"/>
+          <a:ext cx="0" cy="0"/>
+          <a:chOff x="0" y="0"/>
+          <a:chExt cx="0" cy="0"/>
+        </a:xfrm>
+      </p:grpSpPr>
+      <p:sp>
+        <p:nvSpPr>
+          <p:cNvPr id="245" name="Google Shape;245;gcfadc99df9_0_58:notes"/>
+          <p:cNvSpPr/>
+          <p:nvPr>
+            <p:ph idx="2" type="sldImg"/>
+          </p:nvPr>
+        </p:nvSpPr>
+        <p:spPr>
+          <a:xfrm>
+            <a:off x="381300" y="685800"/>
+            <a:ext cx="6096000" cy="3429000"/>
+          </a:xfrm>
+          <a:custGeom>
+            <a:rect b="b" l="l" r="r" t="t"/>
+            <a:pathLst>
+              <a:path extrusionOk="0" h="120000" w="120000">
+                <a:moveTo>
+                  <a:pt x="0" y="0"/>
+                </a:moveTo>
+                <a:lnTo>
+                  <a:pt x="120000" y="0"/>
+                </a:lnTo>
+                <a:lnTo>
+                  <a:pt x="120000" y="120000"/>
+                </a:lnTo>
+                <a:lnTo>
+                  <a:pt x="0" y="120000"/>
+                </a:lnTo>
+                <a:close/>
+              </a:path>
+            </a:pathLst>
+          </a:custGeom>
+        </p:spPr>
+      </p:sp>
+      <p:sp>
+        <p:nvSpPr>
+          <p:cNvPr id="246" name="Google Shape;246;gcfadc99df9_0_58:notes"/>
+          <p:cNvSpPr txBox="1"/>
+          <p:nvPr>
+            <p:ph idx="1" type="body"/>
+          </p:nvPr>
+        </p:nvSpPr>
+        <p:spPr>
+          <a:xfrm>
+            <a:off x="685800" y="4343400"/>
+            <a:ext cx="5486400" cy="4114800"/>
+          </a:xfrm>
+          <a:prstGeom prst="rect">
+            <a:avLst/>
+          </a:prstGeom>
+        </p:spPr>
+        <p:txBody>
+          <a:bodyPr anchorCtr="0" anchor="t" bIns="91425" lIns="91425" spcFirstLastPara="1" rIns="91425" wrap="square" tIns="91425">
+            <a:noAutofit/>
+          </a:bodyPr>
+          <a:lstStyle/>
+          <a:p>
+            <a:pPr indent="0" lvl="0" marL="0" rtl="0" algn="l">
+              <a:spcBef>
+                <a:spcPts val="0"/>
+              </a:spcBef>
+              <a:spcAft>
+                <a:spcPts val="0"/>
+              </a:spcAft>
+              <a:buNone/>
+            </a:pPr>
+            <a:r>
+              <a:t/>
+            </a:r>
+            <a:endParaRPr/>
+          </a:p>
+        </p:txBody>
+      </p:sp>
+    </p:spTree>
+  </p:cSld>
+  <p:clrMapOvr>
+    <a:masterClrMapping/>
+  </p:clrMapOvr>
+</p:notes>
+</file>
+
+<file path=ppt/notesSlides/notesSlide33.xml><?xml version="1.0" encoding="utf-8"?>
+<p:notes xmlns:a="http://schemas.openxmlformats.org/drawingml/2006/main" xmlns:r="http://schemas.openxmlformats.org/officeDocument/2006/relationships" xmlns:mc="http://schemas.openxmlformats.org/markup-compatibility/2006" xmlns:mv="urn:schemas-microsoft-com:mac:vml" xmlns:p="http://schemas.openxmlformats.org/presentationml/2006/main" xmlns:c="http://schemas.openxmlformats.org/drawingml/2006/chart" xmlns:dgm="http://schemas.openxmlformats.org/drawingml/2006/diagram" xmlns:o="urn:schemas-microsoft-com:office:office" xmlns:v="urn:schemas-microsoft-com:vml" xmlns:pvml="urn:schemas-microsoft-com:office:powerpoint" xmlns:com="http://schemas.openxmlformats.org/drawingml/2006/compatibility" xmlns:p14="http://schemas.microsoft.com/office/powerpoint/2010/main" xmlns:p15="http://schemas.microsoft.com/office/powerpoint/2012/main" xmlns:ahyp="http://schemas.microsoft.com/office/drawing/2018/hyperlinkcolor" showMasterPhAnim="0" showMasterSp="0">
+  <p:cSld>
+    <p:spTree>
+      <p:nvGrpSpPr>
+        <p:cNvPr id="250" name="Shape 250"/>
+        <p:cNvGrpSpPr/>
+        <p:nvPr/>
+      </p:nvGrpSpPr>
+      <p:grpSpPr>
+        <a:xfrm>
+          <a:off x="0" y="0"/>
+          <a:ext cx="0" cy="0"/>
+          <a:chOff x="0" y="0"/>
+          <a:chExt cx="0" cy="0"/>
+        </a:xfrm>
+      </p:grpSpPr>
+      <p:sp>
+        <p:nvSpPr>
+          <p:cNvPr id="251" name="Google Shape;251;gcfadc99df9_0_53:notes"/>
+          <p:cNvSpPr/>
+          <p:nvPr>
+            <p:ph idx="2" type="sldImg"/>
+          </p:nvPr>
+        </p:nvSpPr>
+        <p:spPr>
+          <a:xfrm>
+            <a:off x="381300" y="685800"/>
+            <a:ext cx="6096000" cy="3429000"/>
+          </a:xfrm>
+          <a:custGeom>
+            <a:rect b="b" l="l" r="r" t="t"/>
+            <a:pathLst>
+              <a:path extrusionOk="0" h="120000" w="120000">
+                <a:moveTo>
+                  <a:pt x="0" y="0"/>
+                </a:moveTo>
+                <a:lnTo>
+                  <a:pt x="120000" y="0"/>
+                </a:lnTo>
+                <a:lnTo>
+                  <a:pt x="120000" y="120000"/>
+                </a:lnTo>
+                <a:lnTo>
+                  <a:pt x="0" y="120000"/>
+                </a:lnTo>
+                <a:close/>
+              </a:path>
+            </a:pathLst>
+          </a:custGeom>
+        </p:spPr>
+      </p:sp>
+      <p:sp>
+        <p:nvSpPr>
+          <p:cNvPr id="252" name="Google Shape;252;gcfadc99df9_0_53:notes"/>
+          <p:cNvSpPr txBox="1"/>
+          <p:nvPr>
+            <p:ph idx="1" type="body"/>
+          </p:nvPr>
+        </p:nvSpPr>
+        <p:spPr>
+          <a:xfrm>
+            <a:off x="685800" y="4343400"/>
+            <a:ext cx="5486400" cy="4114800"/>
+          </a:xfrm>
+          <a:prstGeom prst="rect">
+            <a:avLst/>
+          </a:prstGeom>
+        </p:spPr>
+        <p:txBody>
+          <a:bodyPr anchorCtr="0" anchor="t" bIns="91425" lIns="91425" spcFirstLastPara="1" rIns="91425" wrap="square" tIns="91425">
+            <a:noAutofit/>
+          </a:bodyPr>
+          <a:lstStyle/>
+          <a:p>
+            <a:pPr indent="0" lvl="0" marL="0" rtl="0" algn="l">
+              <a:spcBef>
+                <a:spcPts val="0"/>
+              </a:spcBef>
+              <a:spcAft>
+                <a:spcPts val="0"/>
+              </a:spcAft>
+              <a:buNone/>
+            </a:pPr>
+            <a:r>
+              <a:t/>
+            </a:r>
+            <a:endParaRPr/>
+          </a:p>
+        </p:txBody>
+      </p:sp>
+    </p:spTree>
+  </p:cSld>
+  <p:clrMapOvr>
+    <a:masterClrMapping/>
+  </p:clrMapOvr>
+</p:notes>
+</file>
+
+<file path=ppt/notesSlides/notesSlide34.xml><?xml version="1.0" encoding="utf-8"?>
+<p:notes xmlns:a="http://schemas.openxmlformats.org/drawingml/2006/main" xmlns:r="http://schemas.openxmlformats.org/officeDocument/2006/relationships" xmlns:mc="http://schemas.openxmlformats.org/markup-compatibility/2006" xmlns:mv="urn:schemas-microsoft-com:mac:vml" xmlns:p="http://schemas.openxmlformats.org/presentationml/2006/main" xmlns:c="http://schemas.openxmlformats.org/drawingml/2006/chart" xmlns:dgm="http://schemas.openxmlformats.org/drawingml/2006/diagram" xmlns:o="urn:schemas-microsoft-com:office:office" xmlns:v="urn:schemas-microsoft-com:vml" xmlns:pvml="urn:schemas-microsoft-com:office:powerpoint" xmlns:com="http://schemas.openxmlformats.org/drawingml/2006/compatibility" xmlns:p14="http://schemas.microsoft.com/office/powerpoint/2010/main" xmlns:p15="http://schemas.microsoft.com/office/powerpoint/2012/main" xmlns:ahyp="http://schemas.microsoft.com/office/drawing/2018/hyperlinkcolor" showMasterPhAnim="0" showMasterSp="0">
+  <p:cSld>
+    <p:spTree>
+      <p:nvGrpSpPr>
+        <p:cNvPr id="256" name="Shape 256"/>
+        <p:cNvGrpSpPr/>
+        <p:nvPr/>
+      </p:nvGrpSpPr>
+      <p:grpSpPr>
+        <a:xfrm>
+          <a:off x="0" y="0"/>
+          <a:ext cx="0" cy="0"/>
+          <a:chOff x="0" y="0"/>
+          <a:chExt cx="0" cy="0"/>
+        </a:xfrm>
+      </p:grpSpPr>
+      <p:sp>
+        <p:nvSpPr>
+          <p:cNvPr id="257" name="Google Shape;257;gcfadc99df9_0_63:notes"/>
+          <p:cNvSpPr/>
+          <p:nvPr>
+            <p:ph idx="2" type="sldImg"/>
+          </p:nvPr>
+        </p:nvSpPr>
+        <p:spPr>
+          <a:xfrm>
+            <a:off x="381300" y="685800"/>
+            <a:ext cx="6096000" cy="3429000"/>
+          </a:xfrm>
+          <a:custGeom>
+            <a:rect b="b" l="l" r="r" t="t"/>
+            <a:pathLst>
+              <a:path extrusionOk="0" h="120000" w="120000">
+                <a:moveTo>
+                  <a:pt x="0" y="0"/>
+                </a:moveTo>
+                <a:lnTo>
+                  <a:pt x="120000" y="0"/>
+                </a:lnTo>
+                <a:lnTo>
+                  <a:pt x="120000" y="120000"/>
+                </a:lnTo>
+                <a:lnTo>
+                  <a:pt x="0" y="120000"/>
+                </a:lnTo>
+                <a:close/>
+              </a:path>
+            </a:pathLst>
+          </a:custGeom>
+        </p:spPr>
+      </p:sp>
+      <p:sp>
+        <p:nvSpPr>
+          <p:cNvPr id="258" name="Google Shape;258;gcfadc99df9_0_63:notes"/>
+          <p:cNvSpPr txBox="1"/>
+          <p:nvPr>
+            <p:ph idx="1" type="body"/>
+          </p:nvPr>
+        </p:nvSpPr>
+        <p:spPr>
+          <a:xfrm>
+            <a:off x="685800" y="4343400"/>
+            <a:ext cx="5486400" cy="4114800"/>
+          </a:xfrm>
+          <a:prstGeom prst="rect">
+            <a:avLst/>
+          </a:prstGeom>
+        </p:spPr>
+        <p:txBody>
+          <a:bodyPr anchorCtr="0" anchor="t" bIns="91425" lIns="91425" spcFirstLastPara="1" rIns="91425" wrap="square" tIns="91425">
+            <a:noAutofit/>
+          </a:bodyPr>
+          <a:lstStyle/>
+          <a:p>
+            <a:pPr indent="0" lvl="0" marL="0" rtl="0" algn="l">
+              <a:spcBef>
+                <a:spcPts val="0"/>
+              </a:spcBef>
+              <a:spcAft>
+                <a:spcPts val="0"/>
+              </a:spcAft>
+              <a:buNone/>
+            </a:pPr>
+            <a:r>
+              <a:t/>
+            </a:r>
+            <a:endParaRPr/>
+          </a:p>
+        </p:txBody>
+      </p:sp>
+    </p:spTree>
+  </p:cSld>
+  <p:clrMapOvr>
+    <a:masterClrMapping/>
+  </p:clrMapOvr>
+</p:notes>
+</file>
+
+<file path=ppt/notesSlides/notesSlide35.xml><?xml version="1.0" encoding="utf-8"?>
+<p:notes xmlns:a="http://schemas.openxmlformats.org/drawingml/2006/main" xmlns:r="http://schemas.openxmlformats.org/officeDocument/2006/relationships" xmlns:mc="http://schemas.openxmlformats.org/markup-compatibility/2006" xmlns:mv="urn:schemas-microsoft-com:mac:vml" xmlns:p="http://schemas.openxmlformats.org/presentationml/2006/main" xmlns:c="http://schemas.openxmlformats.org/drawingml/2006/chart" xmlns:dgm="http://schemas.openxmlformats.org/drawingml/2006/diagram" xmlns:o="urn:schemas-microsoft-com:office:office" xmlns:v="urn:schemas-microsoft-com:vml" xmlns:pvml="urn:schemas-microsoft-com:office:powerpoint" xmlns:com="http://schemas.openxmlformats.org/drawingml/2006/compatibility" xmlns:p14="http://schemas.microsoft.com/office/powerpoint/2010/main" xmlns:p15="http://schemas.microsoft.com/office/powerpoint/2012/main" xmlns:ahyp="http://schemas.microsoft.com/office/drawing/2018/hyperlinkcolor" showMasterPhAnim="0" showMasterSp="0">
+  <p:cSld>
+    <p:spTree>
+      <p:nvGrpSpPr>
+        <p:cNvPr id="262" name="Shape 262"/>
+        <p:cNvGrpSpPr/>
+        <p:nvPr/>
+      </p:nvGrpSpPr>
+      <p:grpSpPr>
+        <a:xfrm>
+          <a:off x="0" y="0"/>
+          <a:ext cx="0" cy="0"/>
+          <a:chOff x="0" y="0"/>
+          <a:chExt cx="0" cy="0"/>
+        </a:xfrm>
+      </p:grpSpPr>
+      <p:sp>
+        <p:nvSpPr>
+          <p:cNvPr id="263" name="Google Shape;263;gb1ff5d4e1a_0_34:notes"/>
+          <p:cNvSpPr/>
+          <p:nvPr>
+            <p:ph idx="2" type="sldImg"/>
+          </p:nvPr>
+        </p:nvSpPr>
+        <p:spPr>
+          <a:xfrm>
+            <a:off x="381300" y="685800"/>
+            <a:ext cx="6096000" cy="3429000"/>
+          </a:xfrm>
+          <a:custGeom>
+            <a:rect b="b" l="l" r="r" t="t"/>
+            <a:pathLst>
+              <a:path extrusionOk="0" h="120000" w="120000">
+                <a:moveTo>
+                  <a:pt x="0" y="0"/>
+                </a:moveTo>
+                <a:lnTo>
+                  <a:pt x="120000" y="0"/>
+                </a:lnTo>
+                <a:lnTo>
+                  <a:pt x="120000" y="120000"/>
+                </a:lnTo>
+                <a:lnTo>
+                  <a:pt x="0" y="120000"/>
+                </a:lnTo>
+                <a:close/>
+              </a:path>
+            </a:pathLst>
+          </a:custGeom>
+        </p:spPr>
+      </p:sp>
+      <p:sp>
+        <p:nvSpPr>
+          <p:cNvPr id="264" name="Google Shape;264;gb1ff5d4e1a_0_34:notes"/>
+          <p:cNvSpPr txBox="1"/>
+          <p:nvPr>
+            <p:ph idx="1" type="body"/>
+          </p:nvPr>
+        </p:nvSpPr>
+        <p:spPr>
+          <a:xfrm>
+            <a:off x="685800" y="4343400"/>
+            <a:ext cx="5486400" cy="4114800"/>
+          </a:xfrm>
+          <a:prstGeom prst="rect">
+            <a:avLst/>
+          </a:prstGeom>
+        </p:spPr>
+        <p:txBody>
+          <a:bodyPr anchorCtr="0" anchor="t" bIns="91425" lIns="91425" spcFirstLastPara="1" rIns="91425" wrap="square" tIns="91425">
+            <a:noAutofit/>
+          </a:bodyPr>
+          <a:lstStyle/>
+          <a:p>
+            <a:pPr indent="0" lvl="0" marL="0" rtl="0" algn="l">
+              <a:spcBef>
+                <a:spcPts val="0"/>
+              </a:spcBef>
+              <a:spcAft>
+                <a:spcPts val="0"/>
+              </a:spcAft>
+              <a:buNone/>
+            </a:pPr>
+            <a:r>
+              <a:t/>
+            </a:r>
+            <a:endParaRPr/>
+          </a:p>
+        </p:txBody>
+      </p:sp>
+    </p:spTree>
+  </p:cSld>
+  <p:clrMapOvr>
+    <a:masterClrMapping/>
+  </p:clrMapOvr>
+</p:notes>
+</file>
+
+<file path=ppt/notesSlides/notesSlide36.xml><?xml version="1.0" encoding="utf-8"?>
+<p:notes xmlns:a="http://schemas.openxmlformats.org/drawingml/2006/main" xmlns:r="http://schemas.openxmlformats.org/officeDocument/2006/relationships" xmlns:mc="http://schemas.openxmlformats.org/markup-compatibility/2006" xmlns:mv="urn:schemas-microsoft-com:mac:vml" xmlns:p="http://schemas.openxmlformats.org/presentationml/2006/main" xmlns:c="http://schemas.openxmlformats.org/drawingml/2006/chart" xmlns:dgm="http://schemas.openxmlformats.org/drawingml/2006/diagram" xmlns:o="urn:schemas-microsoft-com:office:office" xmlns:v="urn:schemas-microsoft-com:vml" xmlns:pvml="urn:schemas-microsoft-com:office:powerpoint" xmlns:com="http://schemas.openxmlformats.org/drawingml/2006/compatibility" xmlns:p14="http://schemas.microsoft.com/office/powerpoint/2010/main" xmlns:p15="http://schemas.microsoft.com/office/powerpoint/2012/main" xmlns:ahyp="http://schemas.microsoft.com/office/drawing/2018/hyperlinkcolor" showMasterPhAnim="0" showMasterSp="0">
+  <p:cSld>
+    <p:spTree>
+      <p:nvGrpSpPr>
+        <p:cNvPr id="267" name="Shape 267"/>
+        <p:cNvGrpSpPr/>
+        <p:nvPr/>
+      </p:nvGrpSpPr>
+      <p:grpSpPr>
+        <a:xfrm>
+          <a:off x="0" y="0"/>
+          <a:ext cx="0" cy="0"/>
+          <a:chOff x="0" y="0"/>
+          <a:chExt cx="0" cy="0"/>
+        </a:xfrm>
+      </p:grpSpPr>
+      <p:sp>
+        <p:nvSpPr>
+          <p:cNvPr id="268" name="Google Shape;268;gcfadc99df9_0_134:notes"/>
+          <p:cNvSpPr/>
+          <p:nvPr>
+            <p:ph idx="2" type="sldImg"/>
+          </p:nvPr>
+        </p:nvSpPr>
+        <p:spPr>
+          <a:xfrm>
+            <a:off x="381300" y="685800"/>
+            <a:ext cx="6096000" cy="3429000"/>
+          </a:xfrm>
+          <a:custGeom>
+            <a:rect b="b" l="l" r="r" t="t"/>
+            <a:pathLst>
+              <a:path extrusionOk="0" h="120000" w="120000">
+                <a:moveTo>
+                  <a:pt x="0" y="0"/>
+                </a:moveTo>
+                <a:lnTo>
+                  <a:pt x="120000" y="0"/>
+                </a:lnTo>
+                <a:lnTo>
+                  <a:pt x="120000" y="120000"/>
+                </a:lnTo>
+                <a:lnTo>
+                  <a:pt x="0" y="120000"/>
+                </a:lnTo>
+                <a:close/>
+              </a:path>
+            </a:pathLst>
+          </a:custGeom>
+        </p:spPr>
+      </p:sp>
+      <p:sp>
+        <p:nvSpPr>
+          <p:cNvPr id="269" name="Google Shape;269;gcfadc99df9_0_134:notes"/>
+          <p:cNvSpPr txBox="1"/>
+          <p:nvPr>
+            <p:ph idx="1" type="body"/>
+          </p:nvPr>
+        </p:nvSpPr>
+        <p:spPr>
+          <a:xfrm>
+            <a:off x="685800" y="4343400"/>
+            <a:ext cx="5486400" cy="4114800"/>
+          </a:xfrm>
+          <a:prstGeom prst="rect">
+            <a:avLst/>
+          </a:prstGeom>
+        </p:spPr>
+        <p:txBody>
+          <a:bodyPr anchorCtr="0" anchor="t" bIns="91425" lIns="91425" spcFirstLastPara="1" rIns="91425" wrap="square" tIns="91425">
+            <a:noAutofit/>
+          </a:bodyPr>
+          <a:lstStyle/>
+          <a:p>
+            <a:pPr indent="0" lvl="0" marL="0" rtl="0" algn="l">
+              <a:spcBef>
+                <a:spcPts val="0"/>
+              </a:spcBef>
+              <a:spcAft>
+                <a:spcPts val="0"/>
+              </a:spcAft>
+              <a:buNone/>
+            </a:pPr>
+            <a:r>
+              <a:t/>
+            </a:r>
+            <a:endParaRPr/>
+          </a:p>
+        </p:txBody>
+      </p:sp>
+    </p:spTree>
+  </p:cSld>
+  <p:clrMapOvr>
+    <a:masterClrMapping/>
+  </p:clrMapOvr>
+</p:notes>
+</file>
+
+<file path=ppt/notesSlides/notesSlide37.xml><?xml version="1.0" encoding="utf-8"?>
+<p:notes xmlns:a="http://schemas.openxmlformats.org/drawingml/2006/main" xmlns:r="http://schemas.openxmlformats.org/officeDocument/2006/relationships" xmlns:mc="http://schemas.openxmlformats.org/markup-compatibility/2006" xmlns:mv="urn:schemas-microsoft-com:mac:vml" xmlns:p="http://schemas.openxmlformats.org/presentationml/2006/main" xmlns:c="http://schemas.openxmlformats.org/drawingml/2006/chart" xmlns:dgm="http://schemas.openxmlformats.org/drawingml/2006/diagram" xmlns:o="urn:schemas-microsoft-com:office:office" xmlns:v="urn:schemas-microsoft-com:vml" xmlns:pvml="urn:schemas-microsoft-com:office:powerpoint" xmlns:com="http://schemas.openxmlformats.org/drawingml/2006/compatibility" xmlns:p14="http://schemas.microsoft.com/office/powerpoint/2010/main" xmlns:p15="http://schemas.microsoft.com/office/powerpoint/2012/main" xmlns:ahyp="http://schemas.microsoft.com/office/drawing/2018/hyperlinkcolor" showMasterPhAnim="0" showMasterSp="0">
+  <p:cSld>
+    <p:spTree>
+      <p:nvGrpSpPr>
+        <p:cNvPr id="273" name="Shape 273"/>
+        <p:cNvGrpSpPr/>
+        <p:nvPr/>
+      </p:nvGrpSpPr>
+      <p:grpSpPr>
+        <a:xfrm>
+          <a:off x="0" y="0"/>
+          <a:ext cx="0" cy="0"/>
+          <a:chOff x="0" y="0"/>
+          <a:chExt cx="0" cy="0"/>
+        </a:xfrm>
+      </p:grpSpPr>
+      <p:sp>
+        <p:nvSpPr>
+          <p:cNvPr id="274" name="Google Shape;274;g10537292928_0_56:notes"/>
+          <p:cNvSpPr/>
+          <p:nvPr>
+            <p:ph idx="2" type="sldImg"/>
+          </p:nvPr>
+        </p:nvSpPr>
+        <p:spPr>
+          <a:xfrm>
+            <a:off x="381300" y="685800"/>
+            <a:ext cx="6096000" cy="3429000"/>
+          </a:xfrm>
+          <a:custGeom>
+            <a:rect b="b" l="l" r="r" t="t"/>
+            <a:pathLst>
+              <a:path extrusionOk="0" h="120000" w="120000">
+                <a:moveTo>
+                  <a:pt x="0" y="0"/>
+                </a:moveTo>
+                <a:lnTo>
+                  <a:pt x="120000" y="0"/>
+                </a:lnTo>
+                <a:lnTo>
+                  <a:pt x="120000" y="120000"/>
+                </a:lnTo>
+                <a:lnTo>
+                  <a:pt x="0" y="120000"/>
+                </a:lnTo>
+                <a:close/>
+              </a:path>
+            </a:pathLst>
+          </a:custGeom>
+        </p:spPr>
+      </p:sp>
+      <p:sp>
+        <p:nvSpPr>
+          <p:cNvPr id="275" name="Google Shape;275;g10537292928_0_56:notes"/>
+          <p:cNvSpPr txBox="1"/>
+          <p:nvPr>
+            <p:ph idx="1" type="body"/>
+          </p:nvPr>
+        </p:nvSpPr>
+        <p:spPr>
+          <a:xfrm>
+            <a:off x="685800" y="4343400"/>
+            <a:ext cx="5486400" cy="4114800"/>
+          </a:xfrm>
+          <a:prstGeom prst="rect">
+            <a:avLst/>
+          </a:prstGeom>
+        </p:spPr>
+        <p:txBody>
+          <a:bodyPr anchorCtr="0" anchor="t" bIns="91425" lIns="91425" spcFirstLastPara="1" rIns="91425" wrap="square" tIns="91425">
+            <a:noAutofit/>
+          </a:bodyPr>
+          <a:lstStyle/>
+          <a:p>
+            <a:pPr indent="0" lvl="0" marL="0" rtl="0" algn="l">
+              <a:spcBef>
+                <a:spcPts val="0"/>
+              </a:spcBef>
+              <a:spcAft>
+                <a:spcPts val="0"/>
+              </a:spcAft>
+              <a:buNone/>
+            </a:pPr>
+            <a:r>
+              <a:t/>
+            </a:r>
+            <a:endParaRPr/>
+          </a:p>
+        </p:txBody>
+      </p:sp>
+    </p:spTree>
+  </p:cSld>
+  <p:clrMapOvr>
+    <a:masterClrMapping/>
+  </p:clrMapOvr>
+</p:notes>
+</file>
+
+<file path=ppt/notesSlides/notesSlide38.xml><?xml version="1.0" encoding="utf-8"?>
+<p:notes xmlns:a="http://schemas.openxmlformats.org/drawingml/2006/main" xmlns:r="http://schemas.openxmlformats.org/officeDocument/2006/relationships" xmlns:mc="http://schemas.openxmlformats.org/markup-compatibility/2006" xmlns:mv="urn:schemas-microsoft-com:mac:vml" xmlns:p="http://schemas.openxmlformats.org/presentationml/2006/main" xmlns:c="http://schemas.openxmlformats.org/drawingml/2006/chart" xmlns:dgm="http://schemas.openxmlformats.org/drawingml/2006/diagram" xmlns:o="urn:schemas-microsoft-com:office:office" xmlns:v="urn:schemas-microsoft-com:vml" xmlns:pvml="urn:schemas-microsoft-com:office:powerpoint" xmlns:com="http://schemas.openxmlformats.org/drawingml/2006/compatibility" xmlns:p14="http://schemas.microsoft.com/office/powerpoint/2010/main" xmlns:p15="http://schemas.microsoft.com/office/powerpoint/2012/main" xmlns:ahyp="http://schemas.microsoft.com/office/drawing/2018/hyperlinkcolor" showMasterPhAnim="0" showMasterSp="0">
+  <p:cSld>
+    <p:spTree>
+      <p:nvGrpSpPr>
+        <p:cNvPr id="279" name="Shape 279"/>
+        <p:cNvGrpSpPr/>
+        <p:nvPr/>
+      </p:nvGrpSpPr>
+      <p:grpSpPr>
+        <a:xfrm>
+          <a:off x="0" y="0"/>
+          <a:ext cx="0" cy="0"/>
+          <a:chOff x="0" y="0"/>
+          <a:chExt cx="0" cy="0"/>
+        </a:xfrm>
+      </p:grpSpPr>
+      <p:sp>
+        <p:nvSpPr>
+          <p:cNvPr id="280" name="Google Shape;280;g10537292928_0_62:notes"/>
+          <p:cNvSpPr/>
+          <p:nvPr>
+            <p:ph idx="2" type="sldImg"/>
+          </p:nvPr>
+        </p:nvSpPr>
+        <p:spPr>
+          <a:xfrm>
+            <a:off x="381300" y="685800"/>
+            <a:ext cx="6096000" cy="3429000"/>
+          </a:xfrm>
+          <a:custGeom>
+            <a:rect b="b" l="l" r="r" t="t"/>
+            <a:pathLst>
+              <a:path extrusionOk="0" h="120000" w="120000">
+                <a:moveTo>
+                  <a:pt x="0" y="0"/>
+                </a:moveTo>
+                <a:lnTo>
+                  <a:pt x="120000" y="0"/>
+                </a:lnTo>
+                <a:lnTo>
+                  <a:pt x="120000" y="120000"/>
+                </a:lnTo>
+                <a:lnTo>
+                  <a:pt x="0" y="120000"/>
+                </a:lnTo>
+                <a:close/>
+              </a:path>
+            </a:pathLst>
+          </a:custGeom>
+        </p:spPr>
+      </p:sp>
+      <p:sp>
+        <p:nvSpPr>
+          <p:cNvPr id="281" name="Google Shape;281;g10537292928_0_62:notes"/>
+          <p:cNvSpPr txBox="1"/>
+          <p:nvPr>
+            <p:ph idx="1" type="body"/>
+          </p:nvPr>
+        </p:nvSpPr>
+        <p:spPr>
+          <a:xfrm>
+            <a:off x="685800" y="4343400"/>
+            <a:ext cx="5486400" cy="4114800"/>
+          </a:xfrm>
+          <a:prstGeom prst="rect">
+            <a:avLst/>
+          </a:prstGeom>
+        </p:spPr>
+        <p:txBody>
+          <a:bodyPr anchorCtr="0" anchor="t" bIns="91425" lIns="91425" spcFirstLastPara="1" rIns="91425" wrap="square" tIns="91425">
+            <a:noAutofit/>
+          </a:bodyPr>
+          <a:lstStyle/>
+          <a:p>
+            <a:pPr indent="0" lvl="0" marL="0" rtl="0" algn="l">
+              <a:spcBef>
+                <a:spcPts val="0"/>
+              </a:spcBef>
+              <a:spcAft>
+                <a:spcPts val="0"/>
+              </a:spcAft>
+              <a:buNone/>
+            </a:pPr>
+            <a:r>
+              <a:t/>
+            </a:r>
+            <a:endParaRPr/>
+          </a:p>
+        </p:txBody>
+      </p:sp>
+    </p:spTree>
+  </p:cSld>
+  <p:clrMapOvr>
+    <a:masterClrMapping/>
+  </p:clrMapOvr>
+</p:notes>
+</file>
+
+<file path=ppt/notesSlides/notesSlide39.xml><?xml version="1.0" encoding="utf-8"?>
+<p:notes xmlns:a="http://schemas.openxmlformats.org/drawingml/2006/main" xmlns:r="http://schemas.openxmlformats.org/officeDocument/2006/relationships" xmlns:mc="http://schemas.openxmlformats.org/markup-compatibility/2006" xmlns:mv="urn:schemas-microsoft-com:mac:vml" xmlns:p="http://schemas.openxmlformats.org/presentationml/2006/main" xmlns:c="http://schemas.openxmlformats.org/drawingml/2006/chart" xmlns:dgm="http://schemas.openxmlformats.org/drawingml/2006/diagram" xmlns:o="urn:schemas-microsoft-com:office:office" xmlns:v="urn:schemas-microsoft-com:vml" xmlns:pvml="urn:schemas-microsoft-com:office:powerpoint" xmlns:com="http://schemas.openxmlformats.org/drawingml/2006/compatibility" xmlns:p14="http://schemas.microsoft.com/office/powerpoint/2010/main" xmlns:p15="http://schemas.microsoft.com/office/powerpoint/2012/main" xmlns:ahyp="http://schemas.microsoft.com/office/drawing/2018/hyperlinkcolor" showMasterPhAnim="0" showMasterSp="0">
+  <p:cSld>
+    <p:spTree>
+      <p:nvGrpSpPr>
+        <p:cNvPr id="285" name="Shape 285"/>
+        <p:cNvGrpSpPr/>
+        <p:nvPr/>
+      </p:nvGrpSpPr>
+      <p:grpSpPr>
+        <a:xfrm>
+          <a:off x="0" y="0"/>
+          <a:ext cx="0" cy="0"/>
+          <a:chOff x="0" y="0"/>
+          <a:chExt cx="0" cy="0"/>
+        </a:xfrm>
+      </p:grpSpPr>
+      <p:sp>
+        <p:nvSpPr>
+          <p:cNvPr id="286" name="Google Shape;286;g10537292928_0_67:notes"/>
+          <p:cNvSpPr/>
+          <p:nvPr>
+            <p:ph idx="2" type="sldImg"/>
+          </p:nvPr>
+        </p:nvSpPr>
+        <p:spPr>
+          <a:xfrm>
+            <a:off x="381300" y="685800"/>
+            <a:ext cx="6096000" cy="3429000"/>
+          </a:xfrm>
+          <a:custGeom>
+            <a:rect b="b" l="l" r="r" t="t"/>
+            <a:pathLst>
+              <a:path extrusionOk="0" h="120000" w="120000">
+                <a:moveTo>
+                  <a:pt x="0" y="0"/>
+                </a:moveTo>
+                <a:lnTo>
+                  <a:pt x="120000" y="0"/>
+                </a:lnTo>
+                <a:lnTo>
+                  <a:pt x="120000" y="120000"/>
+                </a:lnTo>
+                <a:lnTo>
+                  <a:pt x="0" y="120000"/>
+                </a:lnTo>
+                <a:close/>
+              </a:path>
+            </a:pathLst>
+          </a:custGeom>
+        </p:spPr>
+      </p:sp>
+      <p:sp>
+        <p:nvSpPr>
+          <p:cNvPr id="287" name="Google Shape;287;g10537292928_0_67:notes"/>
+          <p:cNvSpPr txBox="1"/>
+          <p:nvPr>
+            <p:ph idx="1" type="body"/>
+          </p:nvPr>
+        </p:nvSpPr>
+        <p:spPr>
+          <a:xfrm>
+            <a:off x="685800" y="4343400"/>
+            <a:ext cx="5486400" cy="4114800"/>
+          </a:xfrm>
+          <a:prstGeom prst="rect">
+            <a:avLst/>
+          </a:prstGeom>
+        </p:spPr>
+        <p:txBody>
+          <a:bodyPr anchorCtr="0" anchor="t" bIns="91425" lIns="91425" spcFirstLastPara="1" rIns="91425" wrap="square" tIns="91425">
+            <a:noAutofit/>
+          </a:bodyPr>
+          <a:lstStyle/>
+          <a:p>
+            <a:pPr indent="0" lvl="0" marL="0" rtl="0" algn="l">
+              <a:spcBef>
+                <a:spcPts val="0"/>
+              </a:spcBef>
+              <a:spcAft>
+                <a:spcPts val="0"/>
+              </a:spcAft>
+              <a:buNone/>
+            </a:pPr>
+            <a:r>
+              <a:t/>
+            </a:r>
+            <a:endParaRPr/>
+          </a:p>
+        </p:txBody>
+      </p:sp>
+    </p:spTree>
+  </p:cSld>
+  <p:clrMapOvr>
+    <a:masterClrMapping/>
+  </p:clrMapOvr>
+</p:notes>
+</file>
+
 <file path=ppt/notesSlides/notesSlide4.xml><?xml version="1.0" encoding="utf-8"?>
 <p:notes xmlns:a="http://schemas.openxmlformats.org/drawingml/2006/main" xmlns:r="http://schemas.openxmlformats.org/officeDocument/2006/relationships" xmlns:mc="http://schemas.openxmlformats.org/markup-compatibility/2006" xmlns:mv="urn:schemas-microsoft-com:mac:vml" xmlns:p="http://schemas.openxmlformats.org/presentationml/2006/main" xmlns:c="http://schemas.openxmlformats.org/drawingml/2006/chart" xmlns:dgm="http://schemas.openxmlformats.org/drawingml/2006/diagram" xmlns:o="urn:schemas-microsoft-com:office:office" xmlns:v="urn:schemas-microsoft-com:vml" xmlns:pvml="urn:schemas-microsoft-com:office:powerpoint" xmlns:com="http://schemas.openxmlformats.org/drawingml/2006/compatibility" xmlns:p14="http://schemas.microsoft.com/office/powerpoint/2010/main" xmlns:p15="http://schemas.microsoft.com/office/powerpoint/2012/main" xmlns:ahyp="http://schemas.microsoft.com/office/drawing/2018/hyperlinkcolor" showMasterPhAnim="0" showMasterSp="0">
   <p:cSld>
@@ -2506,7 +4406,7 @@
       </p:grpSpPr>
       <p:sp>
         <p:nvSpPr>
-          <p:cNvPr id="92" name="Google Shape;92;gb235be863f_0_5:notes"/>
+          <p:cNvPr id="92" name="Google Shape;92;gcfadc99df9_0_4:notes"/>
           <p:cNvSpPr/>
           <p:nvPr>
             <p:ph idx="2" type="sldImg"/>
@@ -2541,7 +4441,7 @@
       </p:sp>
       <p:sp>
         <p:nvSpPr>
-          <p:cNvPr id="93" name="Google Shape;93;gb235be863f_0_5:notes"/>
+          <p:cNvPr id="93" name="Google Shape;93;gcfadc99df9_0_4:notes"/>
           <p:cNvSpPr txBox="1"/>
           <p:nvPr>
             <p:ph idx="1" type="body"/>
@@ -2591,7 +4491,7 @@
   <p:cSld>
     <p:spTree>
       <p:nvGrpSpPr>
-        <p:cNvPr id="98" name="Shape 98"/>
+        <p:cNvPr id="97" name="Shape 97"/>
         <p:cNvGrpSpPr/>
         <p:nvPr/>
       </p:nvGrpSpPr>
@@ -2605,7 +4505,7 @@
       </p:grpSpPr>
       <p:sp>
         <p:nvSpPr>
-          <p:cNvPr id="99" name="Google Shape;99;gb235be863f_0_10:notes"/>
+          <p:cNvPr id="98" name="Google Shape;98;g1061c38fecf_0_4:notes"/>
           <p:cNvSpPr/>
           <p:nvPr>
             <p:ph idx="2" type="sldImg"/>
@@ -2640,7 +4540,7 @@
       </p:sp>
       <p:sp>
         <p:nvSpPr>
-          <p:cNvPr id="100" name="Google Shape;100;gb235be863f_0_10:notes"/>
+          <p:cNvPr id="99" name="Google Shape;99;g1061c38fecf_0_4:notes"/>
           <p:cNvSpPr txBox="1"/>
           <p:nvPr>
             <p:ph idx="1" type="body"/>
@@ -7444,7 +9344,7 @@
   <p:cSld>
     <p:spTree>
       <p:nvGrpSpPr>
-        <p:cNvPr id="109" name="Shape 109"/>
+        <p:cNvPr id="106" name="Shape 106"/>
         <p:cNvGrpSpPr/>
         <p:nvPr/>
       </p:nvGrpSpPr>
@@ -7458,7 +9358,7 @@
       </p:grpSpPr>
       <p:sp>
         <p:nvSpPr>
-          <p:cNvPr id="110" name="Google Shape;110;p22"/>
+          <p:cNvPr id="107" name="Google Shape;107;p22"/>
           <p:cNvSpPr txBox="1"/>
           <p:nvPr>
             <p:ph type="title"/>
@@ -7490,194 +9390,30 @@
             </a:pPr>
             <a:r>
               <a:rPr lang="ru"/>
-              <a:t>Магические методы.</a:t>
+              <a:t>Декораторы</a:t>
             </a:r>
             <a:endParaRPr/>
           </a:p>
         </p:txBody>
       </p:sp>
-      <p:sp>
-        <p:nvSpPr>
-          <p:cNvPr id="111" name="Google Shape;111;p22"/>
-          <p:cNvSpPr txBox="1"/>
-          <p:nvPr>
-            <p:ph idx="1" type="body"/>
-          </p:nvPr>
-        </p:nvSpPr>
-        <p:spPr>
-          <a:xfrm>
-            <a:off x="311700" y="1152475"/>
-            <a:ext cx="8520600" cy="2029800"/>
-          </a:xfrm>
-          <a:prstGeom prst="rect">
-            <a:avLst/>
-          </a:prstGeom>
-        </p:spPr>
-        <p:txBody>
-          <a:bodyPr anchorCtr="0" anchor="t" bIns="91425" lIns="91425" spcFirstLastPara="1" rIns="91425" wrap="square" tIns="91425">
-            <a:noAutofit/>
-          </a:bodyPr>
-          <a:lstStyle/>
-          <a:p>
-            <a:pPr indent="0" lvl="0" marL="0" rtl="0" algn="l">
-              <a:spcBef>
-                <a:spcPts val="0"/>
-              </a:spcBef>
-              <a:spcAft>
-                <a:spcPts val="0"/>
-              </a:spcAft>
-              <a:buNone/>
-            </a:pPr>
-            <a:r>
-              <a:rPr lang="ru">
-                <a:solidFill>
-                  <a:srgbClr val="333333"/>
-                </a:solidFill>
-                <a:highlight>
-                  <a:srgbClr val="FFFFFF"/>
-                </a:highlight>
-              </a:rPr>
-              <a:t>Магические методы - это подход в python к </a:t>
-            </a:r>
-            <a:r>
-              <a:rPr i="1" lang="ru">
-                <a:solidFill>
-                  <a:srgbClr val="333333"/>
-                </a:solidFill>
-                <a:highlight>
-                  <a:srgbClr val="FFFFFF"/>
-                </a:highlight>
-              </a:rPr>
-              <a:t>перегрузке операторов</a:t>
-            </a:r>
-            <a:r>
-              <a:rPr lang="ru">
-                <a:solidFill>
-                  <a:srgbClr val="333333"/>
-                </a:solidFill>
-                <a:highlight>
-                  <a:srgbClr val="FFFFFF"/>
-                </a:highlight>
-              </a:rPr>
-              <a:t>, позволяющий классам определять свое поведение в </a:t>
-            </a:r>
-            <a:r>
-              <a:rPr i="1" lang="ru">
-                <a:solidFill>
-                  <a:srgbClr val="333333"/>
-                </a:solidFill>
-                <a:highlight>
-                  <a:srgbClr val="FFFFFF"/>
-                </a:highlight>
-              </a:rPr>
-              <a:t>отношении операторов языка</a:t>
-            </a:r>
-            <a:r>
-              <a:rPr lang="ru">
-                <a:solidFill>
-                  <a:srgbClr val="333333"/>
-                </a:solidFill>
-                <a:highlight>
-                  <a:srgbClr val="FFFFFF"/>
-                </a:highlight>
-              </a:rPr>
-              <a:t>. Подобные методы добавляются в реализацию класса и должны называться определенным образом</a:t>
-            </a:r>
-            <a:endParaRPr>
-              <a:solidFill>
-                <a:srgbClr val="333333"/>
-              </a:solidFill>
-              <a:highlight>
-                <a:srgbClr val="FFFFFF"/>
-              </a:highlight>
-            </a:endParaRPr>
-          </a:p>
-          <a:p>
-            <a:pPr indent="0" lvl="0" marL="0" rtl="0" algn="ctr">
-              <a:spcBef>
-                <a:spcPts val="1600"/>
-              </a:spcBef>
-              <a:spcAft>
-                <a:spcPts val="0"/>
-              </a:spcAft>
-              <a:buNone/>
-            </a:pPr>
-            <a:r>
-              <a:rPr lang="ru">
-                <a:solidFill>
-                  <a:srgbClr val="333333"/>
-                </a:solidFill>
-                <a:highlight>
-                  <a:srgbClr val="FFFFFF"/>
-                </a:highlight>
-              </a:rPr>
-              <a:t>def __&lt;meth_name&gt;__(args</a:t>
-            </a:r>
-            <a:r>
-              <a:rPr lang="ru">
-                <a:solidFill>
-                  <a:srgbClr val="333333"/>
-                </a:solidFill>
-                <a:highlight>
-                  <a:srgbClr val="FFFFFF"/>
-                </a:highlight>
-              </a:rPr>
-              <a:t>...</a:t>
-            </a:r>
-            <a:r>
-              <a:rPr lang="ru">
-                <a:solidFill>
-                  <a:srgbClr val="333333"/>
-                </a:solidFill>
-                <a:highlight>
-                  <a:srgbClr val="FFFFFF"/>
-                </a:highlight>
-              </a:rPr>
-              <a:t>.):</a:t>
-            </a:r>
-            <a:endParaRPr>
-              <a:solidFill>
-                <a:srgbClr val="333333"/>
-              </a:solidFill>
-              <a:highlight>
-                <a:srgbClr val="FFFFFF"/>
-              </a:highlight>
-            </a:endParaRPr>
-          </a:p>
-          <a:p>
-            <a:pPr indent="0" lvl="0" marL="0" rtl="0" algn="ctr">
-              <a:spcBef>
-                <a:spcPts val="1600"/>
-              </a:spcBef>
-              <a:spcAft>
-                <a:spcPts val="1600"/>
-              </a:spcAft>
-              <a:buNone/>
-            </a:pPr>
-            <a:r>
-              <a:t/>
-            </a:r>
-            <a:endParaRPr>
-              <a:solidFill>
-                <a:srgbClr val="333333"/>
-              </a:solidFill>
-              <a:highlight>
-                <a:srgbClr val="FFFFFF"/>
-              </a:highlight>
-            </a:endParaRPr>
-          </a:p>
-        </p:txBody>
-      </p:sp>
-      <p:sp>
-        <p:nvSpPr>
-          <p:cNvPr id="112" name="Google Shape;112;p22"/>
-          <p:cNvSpPr txBox="1"/>
+      <p:pic>
+        <p:nvPicPr>
+          <p:cNvPr id="108" name="Google Shape;108;p22"/>
+          <p:cNvPicPr preferRelativeResize="0"/>
           <p:nvPr/>
-        </p:nvSpPr>
-        <p:spPr>
-          <a:xfrm>
-            <a:off x="311700" y="4096500"/>
-            <a:ext cx="8670900" cy="894600"/>
+        </p:nvPicPr>
+        <p:blipFill>
+          <a:blip r:embed="rId3">
+            <a:alphaModFix/>
+          </a:blip>
+          <a:stretch>
+            <a:fillRect/>
+          </a:stretch>
+        </p:blipFill>
+        <p:spPr>
+          <a:xfrm>
+            <a:off x="2024425" y="1103475"/>
+            <a:ext cx="5325231" cy="3820974"/>
           </a:xfrm>
           <a:prstGeom prst="rect">
             <a:avLst/>
@@ -7687,64 +9423,7 @@
             <a:noFill/>
           </a:ln>
         </p:spPr>
-        <p:txBody>
-          <a:bodyPr anchorCtr="0" anchor="t" bIns="91425" lIns="91425" spcFirstLastPara="1" rIns="91425" wrap="square" tIns="91425">
-            <a:noAutofit/>
-          </a:bodyPr>
-          <a:lstStyle/>
-          <a:p>
-            <a:pPr indent="0" lvl="0" marL="0" rtl="0" algn="l">
-              <a:lnSpc>
-                <a:spcPct val="115000"/>
-              </a:lnSpc>
-              <a:spcBef>
-                <a:spcPts val="0"/>
-              </a:spcBef>
-              <a:spcAft>
-                <a:spcPts val="1600"/>
-              </a:spcAft>
-              <a:buClr>
-                <a:schemeClr val="dk1"/>
-              </a:buClr>
-              <a:buSzPts val="1100"/>
-              <a:buFont typeface="Arial"/>
-              <a:buNone/>
-            </a:pPr>
-            <a:r>
-              <a:rPr lang="ru" sz="1800">
-                <a:solidFill>
-                  <a:schemeClr val="dk2"/>
-                </a:solidFill>
-              </a:rPr>
-              <a:t>Со всем списков методов и описанием можно ознакомиться в этой </a:t>
-            </a:r>
-            <a:r>
-              <a:rPr lang="ru" sz="1800" u="sng">
-                <a:solidFill>
-                  <a:schemeClr val="accent5"/>
-                </a:solidFill>
-                <a:hlinkClick r:id="rId3">
-                  <a:extLst>
-                    <a:ext uri="{A12FA001-AC4F-418D-AE19-62706E023703}">
-                      <ahyp:hlinkClr val="tx"/>
-                    </a:ext>
-                  </a:extLst>
-                </a:hlinkClick>
-              </a:rPr>
-              <a:t>статье</a:t>
-            </a:r>
-            <a:r>
-              <a:rPr lang="ru" sz="1800">
-                <a:solidFill>
-                  <a:schemeClr val="dk2"/>
-                </a:solidFill>
-              </a:rPr>
-              <a:t>.</a:t>
-            </a:r>
-            <a:endParaRPr/>
-          </a:p>
-        </p:txBody>
-      </p:sp>
+      </p:pic>
     </p:spTree>
   </p:cSld>
   <p:clrMapOvr>
@@ -7758,7 +9437,7 @@
   <p:cSld>
     <p:spTree>
       <p:nvGrpSpPr>
-        <p:cNvPr id="116" name="Shape 116"/>
+        <p:cNvPr id="112" name="Shape 112"/>
         <p:cNvGrpSpPr/>
         <p:nvPr/>
       </p:nvGrpSpPr>
@@ -7772,7 +9451,7 @@
       </p:grpSpPr>
       <p:sp>
         <p:nvSpPr>
-          <p:cNvPr id="117" name="Google Shape;117;p23"/>
+          <p:cNvPr id="113" name="Google Shape;113;p23"/>
           <p:cNvSpPr txBox="1"/>
           <p:nvPr>
             <p:ph type="title"/>
@@ -7809,40 +9488,88 @@
             </a:pPr>
             <a:r>
               <a:rPr lang="ru"/>
-              <a:t>Магические методы.</a:t>
+              <a:t>Typing</a:t>
             </a:r>
             <a:endParaRPr/>
           </a:p>
         </p:txBody>
       </p:sp>
-      <p:pic>
-        <p:nvPicPr>
-          <p:cNvPr id="118" name="Google Shape;118;p23"/>
-          <p:cNvPicPr preferRelativeResize="0"/>
-          <p:nvPr/>
-        </p:nvPicPr>
-        <p:blipFill>
-          <a:blip r:embed="rId3">
-            <a:alphaModFix/>
-          </a:blip>
-          <a:stretch>
-            <a:fillRect/>
-          </a:stretch>
-        </p:blipFill>
-        <p:spPr>
-          <a:xfrm>
-            <a:off x="2175474" y="1152475"/>
-            <a:ext cx="4404901" cy="3822100"/>
+      <p:sp>
+        <p:nvSpPr>
+          <p:cNvPr id="114" name="Google Shape;114;p23"/>
+          <p:cNvSpPr txBox="1"/>
+          <p:nvPr>
+            <p:ph idx="1" type="body"/>
+          </p:nvPr>
+        </p:nvSpPr>
+        <p:spPr>
+          <a:xfrm>
+            <a:off x="311700" y="1152475"/>
+            <a:ext cx="8520600" cy="3416400"/>
           </a:xfrm>
           <a:prstGeom prst="rect">
             <a:avLst/>
           </a:prstGeom>
-          <a:noFill/>
-          <a:ln>
-            <a:noFill/>
-          </a:ln>
-        </p:spPr>
-      </p:pic>
+        </p:spPr>
+        <p:txBody>
+          <a:bodyPr anchorCtr="0" anchor="t" bIns="91425" lIns="91425" spcFirstLastPara="1" rIns="91425" wrap="square" tIns="91425">
+            <a:noAutofit/>
+          </a:bodyPr>
+          <a:lstStyle/>
+          <a:p>
+            <a:pPr indent="0" lvl="0" marL="0" rtl="0" algn="l">
+              <a:spcBef>
+                <a:spcPts val="0"/>
+              </a:spcBef>
+              <a:spcAft>
+                <a:spcPts val="1600"/>
+              </a:spcAft>
+              <a:buNone/>
+            </a:pPr>
+            <a:r>
+              <a:rPr lang="ru"/>
+              <a:t>Появились в Python с версии 3.4. Возможность явно </a:t>
+            </a:r>
+            <a:r>
+              <a:rPr lang="ru"/>
+              <a:t>указывать</a:t>
+            </a:r>
+            <a:r>
+              <a:rPr lang="ru"/>
+              <a:t> типы данных на которые будет ссылаться переменная. Это не накладывает абсолютно никаких ограничений на динамическую типизацию, </a:t>
+            </a:r>
+            <a:r>
+              <a:rPr b="1" lang="ru"/>
+              <a:t>НО </a:t>
+            </a:r>
+            <a:r>
+              <a:rPr lang="ru"/>
+              <a:t>дает возможность как программисту так и статическому анализатору кода, предупреждать о </a:t>
+            </a:r>
+            <a:r>
+              <a:rPr lang="ru"/>
+              <a:t>несоответствии</a:t>
+            </a:r>
+            <a:r>
+              <a:rPr lang="ru"/>
+              <a:t> типов в </a:t>
+            </a:r>
+            <a:r>
+              <a:rPr lang="ru"/>
+              <a:t>случае</a:t>
+            </a:r>
+            <a:r>
+              <a:rPr lang="ru"/>
+              <a:t> если они </a:t>
+            </a:r>
+            <a:r>
+              <a:rPr lang="ru"/>
+              <a:t>встречаются.</a:t>
+            </a:r>
+            <a:endParaRPr/>
+          </a:p>
+        </p:txBody>
+      </p:sp>
     </p:spTree>
   </p:cSld>
   <p:clrMapOvr>
@@ -7856,7 +9583,7 @@
   <p:cSld>
     <p:spTree>
       <p:nvGrpSpPr>
-        <p:cNvPr id="122" name="Shape 122"/>
+        <p:cNvPr id="118" name="Shape 118"/>
         <p:cNvGrpSpPr/>
         <p:nvPr/>
       </p:nvGrpSpPr>
@@ -7870,7 +9597,7 @@
       </p:grpSpPr>
       <p:sp>
         <p:nvSpPr>
-          <p:cNvPr id="123" name="Google Shape;123;p24"/>
+          <p:cNvPr id="119" name="Google Shape;119;p24"/>
           <p:cNvSpPr txBox="1"/>
           <p:nvPr>
             <p:ph type="title"/>
@@ -7902,7 +9629,55 @@
             </a:pPr>
             <a:r>
               <a:rPr lang="ru"/>
-              <a:t>Магические методы.</a:t>
+              <a:t>Typing</a:t>
+            </a:r>
+            <a:endParaRPr/>
+          </a:p>
+        </p:txBody>
+      </p:sp>
+      <p:sp>
+        <p:nvSpPr>
+          <p:cNvPr id="120" name="Google Shape;120;p24"/>
+          <p:cNvSpPr txBox="1"/>
+          <p:nvPr>
+            <p:ph idx="1" type="body"/>
+          </p:nvPr>
+        </p:nvSpPr>
+        <p:spPr>
+          <a:xfrm>
+            <a:off x="311700" y="1152475"/>
+            <a:ext cx="8520600" cy="946800"/>
+          </a:xfrm>
+          <a:prstGeom prst="rect">
+            <a:avLst/>
+          </a:prstGeom>
+        </p:spPr>
+        <p:txBody>
+          <a:bodyPr anchorCtr="0" anchor="t" bIns="91425" lIns="91425" spcFirstLastPara="1" rIns="91425" wrap="square" tIns="91425">
+            <a:noAutofit/>
+          </a:bodyPr>
+          <a:lstStyle/>
+          <a:p>
+            <a:pPr indent="0" lvl="0" marL="0" rtl="0" algn="l">
+              <a:spcBef>
+                <a:spcPts val="0"/>
+              </a:spcBef>
+              <a:spcAft>
+                <a:spcPts val="1600"/>
+              </a:spcAft>
+              <a:buNone/>
+            </a:pPr>
+            <a:r>
+              <a:rPr lang="ru"/>
+              <a:t>Для того чтобы воспользоваться </a:t>
+            </a:r>
+            <a:r>
+              <a:rPr lang="ru"/>
+              <a:t>Тайпингами</a:t>
+            </a:r>
+            <a:r>
+              <a:rPr lang="ru"/>
+              <a:t> нужно импортировать пакет typing. Этот пакет содержит определение всех базовых типов.</a:t>
             </a:r>
             <a:endParaRPr/>
           </a:p>
@@ -7910,7 +9685,7 @@
       </p:sp>
       <p:pic>
         <p:nvPicPr>
-          <p:cNvPr id="124" name="Google Shape;124;p24"/>
+          <p:cNvPr id="121" name="Google Shape;121;p24"/>
           <p:cNvPicPr preferRelativeResize="0"/>
           <p:nvPr/>
         </p:nvPicPr>
@@ -7924,8 +9699,8 @@
         </p:blipFill>
         <p:spPr>
           <a:xfrm>
-            <a:off x="2632675" y="1241300"/>
-            <a:ext cx="3204900" cy="3820975"/>
+            <a:off x="2614613" y="2742400"/>
+            <a:ext cx="3914775" cy="457200"/>
           </a:xfrm>
           <a:prstGeom prst="rect">
             <a:avLst/>
@@ -7949,7 +9724,7 @@
   <p:cSld>
     <p:spTree>
       <p:nvGrpSpPr>
-        <p:cNvPr id="128" name="Shape 128"/>
+        <p:cNvPr id="125" name="Shape 125"/>
         <p:cNvGrpSpPr/>
         <p:nvPr/>
       </p:nvGrpSpPr>
@@ -7963,7 +9738,7 @@
       </p:grpSpPr>
       <p:sp>
         <p:nvSpPr>
-          <p:cNvPr id="129" name="Google Shape;129;p25"/>
+          <p:cNvPr id="126" name="Google Shape;126;p25"/>
           <p:cNvSpPr txBox="1"/>
           <p:nvPr>
             <p:ph type="title"/>
@@ -8000,7 +9775,7 @@
             </a:pPr>
             <a:r>
               <a:rPr lang="ru"/>
-              <a:t>Магические методы.</a:t>
+              <a:t>Typing</a:t>
             </a:r>
             <a:endParaRPr/>
           </a:p>
@@ -8008,7 +9783,7 @@
       </p:sp>
       <p:pic>
         <p:nvPicPr>
-          <p:cNvPr id="130" name="Google Shape;130;p25"/>
+          <p:cNvPr id="127" name="Google Shape;127;p25"/>
           <p:cNvPicPr preferRelativeResize="0"/>
           <p:nvPr/>
         </p:nvPicPr>
@@ -8022,8 +9797,8 @@
         </p:blipFill>
         <p:spPr>
           <a:xfrm>
-            <a:off x="2205725" y="1088800"/>
-            <a:ext cx="4515098" cy="3820976"/>
+            <a:off x="490525" y="1539675"/>
+            <a:ext cx="8162925" cy="1552575"/>
           </a:xfrm>
           <a:prstGeom prst="rect">
             <a:avLst/>
@@ -8047,7 +9822,7 @@
   <p:cSld>
     <p:spTree>
       <p:nvGrpSpPr>
-        <p:cNvPr id="134" name="Shape 134"/>
+        <p:cNvPr id="131" name="Shape 131"/>
         <p:cNvGrpSpPr/>
         <p:nvPr/>
       </p:nvGrpSpPr>
@@ -8061,7 +9836,7 @@
       </p:grpSpPr>
       <p:sp>
         <p:nvSpPr>
-          <p:cNvPr id="135" name="Google Shape;135;p26"/>
+          <p:cNvPr id="132" name="Google Shape;132;p26"/>
           <p:cNvSpPr txBox="1"/>
           <p:nvPr>
             <p:ph type="title"/>
@@ -8093,7 +9868,7 @@
             </a:pPr>
             <a:r>
               <a:rPr lang="ru"/>
-              <a:t>Функции первого класса.</a:t>
+              <a:t>Параллельное программирование в Python</a:t>
             </a:r>
             <a:endParaRPr/>
           </a:p>
@@ -8101,7 +9876,7 @@
       </p:sp>
       <p:sp>
         <p:nvSpPr>
-          <p:cNvPr id="136" name="Google Shape;136;p26"/>
+          <p:cNvPr id="133" name="Google Shape;133;p26"/>
           <p:cNvSpPr txBox="1"/>
           <p:nvPr>
             <p:ph idx="1" type="body"/>
@@ -8133,7 +9908,31 @@
             </a:pPr>
             <a:r>
               <a:rPr lang="ru"/>
-              <a:t>В информатике язык программирования имеет функции первого класса, если он рассматривает функции как объекты первого класса. В частности, это означает, что язык поддерживает передачу функций в качестве аргументов другим функциям, возврат их как результат других функций, присваивание их переменным или сохранение в структурах данных.</a:t>
+              <a:t>Параллельное программирование (параллельные вычисления) - парадигма программирование, которая </a:t>
+            </a:r>
+            <a:r>
+              <a:rPr lang="ru"/>
+              <a:t>подразумевает</a:t>
+            </a:r>
+            <a:r>
+              <a:rPr lang="ru"/>
+              <a:t> </a:t>
+            </a:r>
+            <a:r>
+              <a:rPr lang="ru"/>
+              <a:t>параллельную (одновременную)</a:t>
+            </a:r>
+            <a:r>
+              <a:rPr lang="ru"/>
+              <a:t> обработку данных в </a:t>
+            </a:r>
+            <a:r>
+              <a:rPr lang="ru"/>
+              <a:t>несколько</a:t>
+            </a:r>
+            <a:r>
+              <a:rPr lang="ru"/>
+              <a:t> независимых потоков.</a:t>
             </a:r>
             <a:endParaRPr/>
           </a:p>
@@ -8152,7 +9951,7 @@
   <p:cSld>
     <p:spTree>
       <p:nvGrpSpPr>
-        <p:cNvPr id="140" name="Shape 140"/>
+        <p:cNvPr id="137" name="Shape 137"/>
         <p:cNvGrpSpPr/>
         <p:nvPr/>
       </p:nvGrpSpPr>
@@ -8166,7 +9965,7 @@
       </p:grpSpPr>
       <p:sp>
         <p:nvSpPr>
-          <p:cNvPr id="141" name="Google Shape;141;p27"/>
+          <p:cNvPr id="138" name="Google Shape;138;p27"/>
           <p:cNvSpPr txBox="1"/>
           <p:nvPr>
             <p:ph type="title"/>
@@ -8198,68 +9997,82 @@
             </a:pPr>
             <a:r>
               <a:rPr lang="ru"/>
-              <a:t>Функции первого класса.</a:t>
+              <a:t>Параллельное программирование в Python</a:t>
             </a:r>
             <a:endParaRPr/>
           </a:p>
         </p:txBody>
       </p:sp>
-      <p:pic>
-        <p:nvPicPr>
-          <p:cNvPr id="142" name="Google Shape;142;p27"/>
-          <p:cNvPicPr preferRelativeResize="0"/>
-          <p:nvPr/>
-        </p:nvPicPr>
-        <p:blipFill>
-          <a:blip r:embed="rId3">
-            <a:alphaModFix/>
-          </a:blip>
-          <a:stretch>
-            <a:fillRect/>
-          </a:stretch>
-        </p:blipFill>
-        <p:spPr>
-          <a:xfrm>
-            <a:off x="216500" y="946525"/>
-            <a:ext cx="7077075" cy="2981325"/>
+      <p:sp>
+        <p:nvSpPr>
+          <p:cNvPr id="139" name="Google Shape;139;p27"/>
+          <p:cNvSpPr txBox="1"/>
+          <p:nvPr>
+            <p:ph idx="1" type="body"/>
+          </p:nvPr>
+        </p:nvSpPr>
+        <p:spPr>
+          <a:xfrm>
+            <a:off x="311700" y="1152475"/>
+            <a:ext cx="8520600" cy="3416400"/>
           </a:xfrm>
           <a:prstGeom prst="rect">
             <a:avLst/>
           </a:prstGeom>
-          <a:noFill/>
-          <a:ln>
-            <a:noFill/>
-          </a:ln>
-        </p:spPr>
-      </p:pic>
-      <p:pic>
-        <p:nvPicPr>
-          <p:cNvPr id="143" name="Google Shape;143;p27"/>
-          <p:cNvPicPr preferRelativeResize="0"/>
-          <p:nvPr/>
-        </p:nvPicPr>
-        <p:blipFill>
-          <a:blip r:embed="rId4">
-            <a:alphaModFix/>
-          </a:blip>
-          <a:stretch>
-            <a:fillRect/>
-          </a:stretch>
-        </p:blipFill>
-        <p:spPr>
-          <a:xfrm>
-            <a:off x="4879513" y="2715175"/>
-            <a:ext cx="4162425" cy="2286000"/>
-          </a:xfrm>
-          <a:prstGeom prst="rect">
-            <a:avLst/>
-          </a:prstGeom>
-          <a:noFill/>
-          <a:ln>
-            <a:noFill/>
-          </a:ln>
-        </p:spPr>
-      </p:pic>
+        </p:spPr>
+        <p:txBody>
+          <a:bodyPr anchorCtr="0" anchor="t" bIns="91425" lIns="91425" spcFirstLastPara="1" rIns="91425" wrap="square" tIns="91425">
+            <a:noAutofit/>
+          </a:bodyPr>
+          <a:lstStyle/>
+          <a:p>
+            <a:pPr indent="0" lvl="0" marL="0" rtl="0" algn="l">
+              <a:spcBef>
+                <a:spcPts val="0"/>
+              </a:spcBef>
+              <a:spcAft>
+                <a:spcPts val="1600"/>
+              </a:spcAft>
+              <a:buNone/>
+            </a:pPr>
+            <a:r>
+              <a:rPr lang="ru"/>
+              <a:t>В Python параллельные вычисления </a:t>
+            </a:r>
+            <a:r>
+              <a:rPr lang="ru"/>
+              <a:t>организованы</a:t>
+            </a:r>
+            <a:r>
+              <a:rPr lang="ru"/>
+              <a:t> за счет использование пакета </a:t>
+            </a:r>
+            <a:r>
+              <a:rPr lang="ru" u="sng">
+                <a:solidFill>
+                  <a:schemeClr val="hlink"/>
+                </a:solidFill>
+                <a:hlinkClick r:id="rId3"/>
+              </a:rPr>
+              <a:t>threading</a:t>
+            </a:r>
+            <a:r>
+              <a:rPr lang="ru"/>
+              <a:t> и </a:t>
+            </a:r>
+            <a:r>
+              <a:rPr lang="ru" u="sng">
+                <a:solidFill>
+                  <a:schemeClr val="hlink"/>
+                </a:solidFill>
+                <a:hlinkClick r:id="rId4"/>
+              </a:rPr>
+              <a:t>multiprocessing</a:t>
+            </a:r>
+            <a:endParaRPr/>
+          </a:p>
+        </p:txBody>
+      </p:sp>
     </p:spTree>
   </p:cSld>
   <p:clrMapOvr>
@@ -8273,7 +10086,7 @@
   <p:cSld>
     <p:spTree>
       <p:nvGrpSpPr>
-        <p:cNvPr id="147" name="Shape 147"/>
+        <p:cNvPr id="143" name="Shape 143"/>
         <p:cNvGrpSpPr/>
         <p:nvPr/>
       </p:nvGrpSpPr>
@@ -8287,7 +10100,7 @@
       </p:grpSpPr>
       <p:sp>
         <p:nvSpPr>
-          <p:cNvPr id="148" name="Google Shape;148;p28"/>
+          <p:cNvPr id="144" name="Google Shape;144;p28"/>
           <p:cNvSpPr txBox="1"/>
           <p:nvPr>
             <p:ph type="title"/>
@@ -8319,49 +10132,7 @@
             </a:pPr>
             <a:r>
               <a:rPr lang="ru"/>
-              <a:t>Lambda - функции</a:t>
-            </a:r>
-            <a:endParaRPr/>
-          </a:p>
-        </p:txBody>
-      </p:sp>
-      <p:sp>
-        <p:nvSpPr>
-          <p:cNvPr id="149" name="Google Shape;149;p28"/>
-          <p:cNvSpPr txBox="1"/>
-          <p:nvPr/>
-        </p:nvSpPr>
-        <p:spPr>
-          <a:xfrm>
-            <a:off x="406775" y="1250950"/>
-            <a:ext cx="8121900" cy="935100"/>
-          </a:xfrm>
-          <a:prstGeom prst="rect">
-            <a:avLst/>
-          </a:prstGeom>
-          <a:noFill/>
-          <a:ln>
-            <a:noFill/>
-          </a:ln>
-        </p:spPr>
-        <p:txBody>
-          <a:bodyPr anchorCtr="0" anchor="t" bIns="91425" lIns="91425" spcFirstLastPara="1" rIns="91425" wrap="square" tIns="91425">
-            <a:noAutofit/>
-          </a:bodyPr>
-          <a:lstStyle/>
-          <a:p>
-            <a:pPr indent="0" lvl="0" marL="0" rtl="0" algn="l">
-              <a:spcBef>
-                <a:spcPts val="0"/>
-              </a:spcBef>
-              <a:spcAft>
-                <a:spcPts val="0"/>
-              </a:spcAft>
-              <a:buNone/>
-            </a:pPr>
-            <a:r>
-              <a:rPr lang="ru"/>
-              <a:t>Lambda function -  однострочные анонимные функции</a:t>
+              <a:t>Потоки (ЦПУ)</a:t>
             </a:r>
             <a:endParaRPr/>
           </a:p>
@@ -8369,7 +10140,7 @@
       </p:sp>
       <p:pic>
         <p:nvPicPr>
-          <p:cNvPr id="150" name="Google Shape;150;p28"/>
+          <p:cNvPr id="145" name="Google Shape;145;p28"/>
           <p:cNvPicPr preferRelativeResize="0"/>
           <p:nvPr/>
         </p:nvPicPr>
@@ -8383,8 +10154,8 @@
         </p:blipFill>
         <p:spPr>
           <a:xfrm>
-            <a:off x="1423025" y="2114825"/>
-            <a:ext cx="4857750" cy="2447925"/>
+            <a:off x="5346650" y="1182225"/>
+            <a:ext cx="3200400" cy="3581400"/>
           </a:xfrm>
           <a:prstGeom prst="rect">
             <a:avLst/>
@@ -8395,6 +10166,72 @@
           </a:ln>
         </p:spPr>
       </p:pic>
+      <p:sp>
+        <p:nvSpPr>
+          <p:cNvPr id="146" name="Google Shape;146;p28"/>
+          <p:cNvSpPr txBox="1"/>
+          <p:nvPr/>
+        </p:nvSpPr>
+        <p:spPr>
+          <a:xfrm>
+            <a:off x="520500" y="1202650"/>
+            <a:ext cx="4416600" cy="1046700"/>
+          </a:xfrm>
+          <a:prstGeom prst="rect">
+            <a:avLst/>
+          </a:prstGeom>
+          <a:noFill/>
+          <a:ln>
+            <a:noFill/>
+          </a:ln>
+        </p:spPr>
+        <p:txBody>
+          <a:bodyPr anchorCtr="0" anchor="t" bIns="91425" lIns="91425" spcFirstLastPara="1" rIns="91425" wrap="square" tIns="91425">
+            <a:spAutoFit/>
+          </a:bodyPr>
+          <a:lstStyle/>
+          <a:p>
+            <a:pPr indent="0" lvl="0" marL="0" rtl="0" algn="l">
+              <a:spcBef>
+                <a:spcPts val="0"/>
+              </a:spcBef>
+              <a:spcAft>
+                <a:spcPts val="0"/>
+              </a:spcAft>
+              <a:buNone/>
+            </a:pPr>
+            <a:r>
+              <a:rPr lang="ru">
+                <a:solidFill>
+                  <a:srgbClr val="666666"/>
+                </a:solidFill>
+              </a:rPr>
+              <a:t>На уровне процессора потоком исполнения команд можно называть отдельное </a:t>
+            </a:r>
+            <a:r>
+              <a:rPr lang="ru">
+                <a:solidFill>
+                  <a:srgbClr val="666666"/>
+                </a:solidFill>
+              </a:rPr>
+              <a:t>независимое</a:t>
+            </a:r>
+            <a:r>
+              <a:rPr lang="ru">
+                <a:solidFill>
+                  <a:srgbClr val="666666"/>
+                </a:solidFill>
+              </a:rPr>
+              <a:t> ядро процессора. Это верно только относительно многоядерных ЦПУ.</a:t>
+            </a:r>
+            <a:endParaRPr>
+              <a:solidFill>
+                <a:srgbClr val="666666"/>
+              </a:solidFill>
+            </a:endParaRPr>
+          </a:p>
+        </p:txBody>
+      </p:sp>
     </p:spTree>
   </p:cSld>
   <p:clrMapOvr>
@@ -8408,7 +10245,7 @@
   <p:cSld>
     <p:spTree>
       <p:nvGrpSpPr>
-        <p:cNvPr id="154" name="Shape 154"/>
+        <p:cNvPr id="150" name="Shape 150"/>
         <p:cNvGrpSpPr/>
         <p:nvPr/>
       </p:nvGrpSpPr>
@@ -8422,7 +10259,7 @@
       </p:grpSpPr>
       <p:sp>
         <p:nvSpPr>
-          <p:cNvPr id="155" name="Google Shape;155;p29"/>
+          <p:cNvPr id="151" name="Google Shape;151;p29"/>
           <p:cNvSpPr txBox="1"/>
           <p:nvPr>
             <p:ph type="title"/>
@@ -8454,7 +10291,7 @@
             </a:pPr>
             <a:r>
               <a:rPr lang="ru"/>
-              <a:t>Замыкание</a:t>
+              <a:t>Потоки (OS)</a:t>
             </a:r>
             <a:endParaRPr/>
           </a:p>
@@ -8462,7 +10299,7 @@
       </p:sp>
       <p:pic>
         <p:nvPicPr>
-          <p:cNvPr id="156" name="Google Shape;156;p29"/>
+          <p:cNvPr id="152" name="Google Shape;152;p29"/>
           <p:cNvPicPr preferRelativeResize="0"/>
           <p:nvPr/>
         </p:nvPicPr>
@@ -8476,8 +10313,8 @@
         </p:blipFill>
         <p:spPr>
           <a:xfrm>
-            <a:off x="2541175" y="1149800"/>
-            <a:ext cx="3129620" cy="3820976"/>
+            <a:off x="6107700" y="1617500"/>
+            <a:ext cx="2095500" cy="1981200"/>
           </a:xfrm>
           <a:prstGeom prst="rect">
             <a:avLst/>
@@ -8488,6 +10325,148 @@
           </a:ln>
         </p:spPr>
       </p:pic>
+      <p:sp>
+        <p:nvSpPr>
+          <p:cNvPr id="153" name="Google Shape;153;p29"/>
+          <p:cNvSpPr txBox="1"/>
+          <p:nvPr/>
+        </p:nvSpPr>
+        <p:spPr>
+          <a:xfrm>
+            <a:off x="405375" y="1287475"/>
+            <a:ext cx="4416600" cy="2770500"/>
+          </a:xfrm>
+          <a:prstGeom prst="rect">
+            <a:avLst/>
+          </a:prstGeom>
+          <a:noFill/>
+          <a:ln>
+            <a:noFill/>
+          </a:ln>
+        </p:spPr>
+        <p:txBody>
+          <a:bodyPr anchorCtr="0" anchor="t" bIns="91425" lIns="91425" spcFirstLastPara="1" rIns="91425" wrap="square" tIns="91425">
+            <a:spAutoFit/>
+          </a:bodyPr>
+          <a:lstStyle/>
+          <a:p>
+            <a:pPr indent="0" lvl="0" marL="0" rtl="0" algn="l">
+              <a:spcBef>
+                <a:spcPts val="0"/>
+              </a:spcBef>
+              <a:spcAft>
+                <a:spcPts val="0"/>
+              </a:spcAft>
+              <a:buNone/>
+            </a:pPr>
+            <a:r>
+              <a:rPr lang="ru">
+                <a:solidFill>
+                  <a:srgbClr val="666666"/>
+                </a:solidFill>
+              </a:rPr>
+              <a:t>Относительно ядра операционной системы, все программы запускаются в отдельном процессе (Process), который однако может иметь как несколько дочерних процессов (подпроцесс), так и несколько потоков (Thread), которые выполняются “паралелльно”. </a:t>
+            </a:r>
+            <a:endParaRPr>
+              <a:solidFill>
+                <a:srgbClr val="666666"/>
+              </a:solidFill>
+            </a:endParaRPr>
+          </a:p>
+          <a:p>
+            <a:pPr indent="-317500" lvl="0" marL="457200" rtl="0" algn="l">
+              <a:spcBef>
+                <a:spcPts val="0"/>
+              </a:spcBef>
+              <a:spcAft>
+                <a:spcPts val="0"/>
+              </a:spcAft>
+              <a:buClr>
+                <a:srgbClr val="666666"/>
+              </a:buClr>
+              <a:buSzPts val="1400"/>
+              <a:buChar char="-"/>
+            </a:pPr>
+            <a:r>
+              <a:rPr lang="ru">
+                <a:solidFill>
+                  <a:srgbClr val="666666"/>
+                </a:solidFill>
+              </a:rPr>
+              <a:t>Количество</a:t>
+            </a:r>
+            <a:r>
+              <a:rPr lang="ru">
+                <a:solidFill>
+                  <a:srgbClr val="666666"/>
+                </a:solidFill>
+              </a:rPr>
+              <a:t> потоков может </a:t>
+            </a:r>
+            <a:r>
+              <a:rPr lang="ru">
+                <a:solidFill>
+                  <a:srgbClr val="666666"/>
+                </a:solidFill>
+              </a:rPr>
+              <a:t>сильно</a:t>
+            </a:r>
+            <a:r>
+              <a:rPr lang="ru">
+                <a:solidFill>
+                  <a:srgbClr val="666666"/>
+                </a:solidFill>
+              </a:rPr>
+              <a:t> отличаться от  </a:t>
+            </a:r>
+            <a:r>
+              <a:rPr lang="ru">
+                <a:solidFill>
+                  <a:srgbClr val="666666"/>
+                </a:solidFill>
+              </a:rPr>
+              <a:t>количества</a:t>
+            </a:r>
+            <a:r>
+              <a:rPr lang="ru">
+                <a:solidFill>
+                  <a:srgbClr val="666666"/>
+                </a:solidFill>
+              </a:rPr>
+              <a:t> ядер процессора. Как такое возможно</a:t>
+            </a:r>
+            <a:endParaRPr>
+              <a:solidFill>
+                <a:srgbClr val="666666"/>
+              </a:solidFill>
+            </a:endParaRPr>
+          </a:p>
+          <a:p>
+            <a:pPr indent="0" lvl="0" marL="0" rtl="0" algn="l">
+              <a:spcBef>
+                <a:spcPts val="0"/>
+              </a:spcBef>
+              <a:spcAft>
+                <a:spcPts val="0"/>
+              </a:spcAft>
+              <a:buNone/>
+            </a:pPr>
+            <a:r>
+              <a:rPr lang="ru">
+                <a:solidFill>
+                  <a:srgbClr val="666666"/>
+                </a:solidFill>
+              </a:rPr>
+              <a:t>Все дело в том, что потоки OS не тоже самое что ядро процессора. Жизненный цикл потока регулируется планировщиком задач OS</a:t>
+            </a:r>
+            <a:endParaRPr>
+              <a:solidFill>
+                <a:srgbClr val="666666"/>
+              </a:solidFill>
+            </a:endParaRPr>
+          </a:p>
+        </p:txBody>
+      </p:sp>
     </p:spTree>
   </p:cSld>
   <p:clrMapOvr>
@@ -8501,7 +10480,7 @@
   <p:cSld>
     <p:spTree>
       <p:nvGrpSpPr>
-        <p:cNvPr id="160" name="Shape 160"/>
+        <p:cNvPr id="157" name="Shape 157"/>
         <p:cNvGrpSpPr/>
         <p:nvPr/>
       </p:nvGrpSpPr>
@@ -8515,7 +10494,7 @@
       </p:grpSpPr>
       <p:sp>
         <p:nvSpPr>
-          <p:cNvPr id="161" name="Google Shape;161;p30"/>
+          <p:cNvPr id="158" name="Google Shape;158;p30"/>
           <p:cNvSpPr txBox="1"/>
           <p:nvPr>
             <p:ph type="title"/>
@@ -8547,134 +10526,40 @@
             </a:pPr>
             <a:r>
               <a:rPr lang="ru"/>
-              <a:t>Освобождение ресурсов - garbage collector.</a:t>
+              <a:t>Поток Python</a:t>
             </a:r>
             <a:endParaRPr/>
           </a:p>
         </p:txBody>
       </p:sp>
-      <p:sp>
-        <p:nvSpPr>
-          <p:cNvPr id="162" name="Google Shape;162;p30"/>
-          <p:cNvSpPr txBox="1"/>
-          <p:nvPr>
-            <p:ph idx="1" type="body"/>
-          </p:nvPr>
-        </p:nvSpPr>
-        <p:spPr>
-          <a:xfrm>
-            <a:off x="311700" y="1152475"/>
-            <a:ext cx="8520600" cy="3416400"/>
+      <p:pic>
+        <p:nvPicPr>
+          <p:cNvPr id="159" name="Google Shape;159;p30"/>
+          <p:cNvPicPr preferRelativeResize="0"/>
+          <p:nvPr/>
+        </p:nvPicPr>
+        <p:blipFill>
+          <a:blip r:embed="rId3">
+            <a:alphaModFix/>
+          </a:blip>
+          <a:stretch>
+            <a:fillRect/>
+          </a:stretch>
+        </p:blipFill>
+        <p:spPr>
+          <a:xfrm>
+            <a:off x="2175875" y="1164075"/>
+            <a:ext cx="4348006" cy="3820975"/>
           </a:xfrm>
           <a:prstGeom prst="rect">
             <a:avLst/>
           </a:prstGeom>
-        </p:spPr>
-        <p:txBody>
-          <a:bodyPr anchorCtr="0" anchor="t" bIns="91425" lIns="91425" spcFirstLastPara="1" rIns="91425" wrap="square" tIns="91425">
-            <a:noAutofit/>
-          </a:bodyPr>
-          <a:lstStyle/>
-          <a:p>
-            <a:pPr indent="0" lvl="0" marL="0" rtl="0" algn="l">
-              <a:spcBef>
-                <a:spcPts val="0"/>
-              </a:spcBef>
-              <a:spcAft>
-                <a:spcPts val="0"/>
-              </a:spcAft>
-              <a:buNone/>
-            </a:pPr>
-            <a:r>
-              <a:rPr lang="ru"/>
-              <a:t>В python реализован алгоритм сборки мусора, который удаляет объекты(</a:t>
-            </a:r>
-            <a:r>
-              <a:rPr lang="ru"/>
-              <a:t> освобождает память занятую этими объектами) из памяти. Такими образом вам не нужно заботиться об утечках памяти, до тех пор </a:t>
-            </a:r>
-            <a:r>
-              <a:rPr b="1" lang="ru"/>
-              <a:t>пока вы сами ее не сделаете. </a:t>
-            </a:r>
-            <a:endParaRPr b="1"/>
-          </a:p>
-          <a:p>
-            <a:pPr indent="0" lvl="0" marL="0" rtl="0" algn="l">
-              <a:spcBef>
-                <a:spcPts val="1600"/>
-              </a:spcBef>
-              <a:spcAft>
-                <a:spcPts val="0"/>
-              </a:spcAft>
-              <a:buNone/>
-            </a:pPr>
-            <a:r>
-              <a:t/>
-            </a:r>
-            <a:endParaRPr/>
-          </a:p>
-          <a:p>
-            <a:pPr indent="0" lvl="0" marL="0" rtl="0" algn="l">
-              <a:spcBef>
-                <a:spcPts val="1600"/>
-              </a:spcBef>
-              <a:spcAft>
-                <a:spcPts val="0"/>
-              </a:spcAft>
-              <a:buNone/>
-            </a:pPr>
-            <a:r>
-              <a:t/>
-            </a:r>
-            <a:endParaRPr/>
-          </a:p>
-          <a:p>
-            <a:pPr indent="0" lvl="0" marL="0" rtl="0" algn="l">
-              <a:spcBef>
-                <a:spcPts val="1600"/>
-              </a:spcBef>
-              <a:spcAft>
-                <a:spcPts val="0"/>
-              </a:spcAft>
-              <a:buNone/>
-            </a:pPr>
-            <a:r>
-              <a:t/>
-            </a:r>
-            <a:endParaRPr/>
-          </a:p>
-          <a:p>
-            <a:pPr indent="0" lvl="0" marL="0" rtl="0" algn="l">
-              <a:spcBef>
-                <a:spcPts val="1600"/>
-              </a:spcBef>
-              <a:spcAft>
-                <a:spcPts val="1600"/>
-              </a:spcAft>
-              <a:buNone/>
-            </a:pPr>
-            <a:r>
-              <a:rPr lang="ru"/>
-              <a:t>Об алгоритме можно почитать </a:t>
-            </a:r>
-            <a:r>
-              <a:rPr lang="ru" u="sng">
-                <a:solidFill>
-                  <a:schemeClr val="hlink"/>
-                </a:solidFill>
-                <a:hlinkClick r:id="rId3"/>
-              </a:rPr>
-              <a:t>здесь</a:t>
-            </a:r>
-            <a:r>
-              <a:rPr lang="ru"/>
-              <a:t> </a:t>
-            </a:r>
-            <a:endParaRPr/>
-          </a:p>
-        </p:txBody>
-      </p:sp>
+          <a:noFill/>
+          <a:ln>
+            <a:noFill/>
+          </a:ln>
+        </p:spPr>
+      </p:pic>
     </p:spTree>
   </p:cSld>
   <p:clrMapOvr>
@@ -8688,7 +10573,7 @@
   <p:cSld>
     <p:spTree>
       <p:nvGrpSpPr>
-        <p:cNvPr id="166" name="Shape 166"/>
+        <p:cNvPr id="163" name="Shape 163"/>
         <p:cNvGrpSpPr/>
         <p:nvPr/>
       </p:nvGrpSpPr>
@@ -8702,7 +10587,7 @@
       </p:grpSpPr>
       <p:sp>
         <p:nvSpPr>
-          <p:cNvPr id="167" name="Google Shape;167;p31"/>
+          <p:cNvPr id="164" name="Google Shape;164;p31"/>
           <p:cNvSpPr txBox="1"/>
           <p:nvPr>
             <p:ph type="title"/>
@@ -8730,16 +10615,11 @@
               <a:spcAft>
                 <a:spcPts val="0"/>
               </a:spcAft>
-              <a:buClr>
-                <a:schemeClr val="dk1"/>
-              </a:buClr>
-              <a:buSzPts val="1100"/>
-              <a:buFont typeface="Arial"/>
               <a:buNone/>
             </a:pPr>
             <a:r>
               <a:rPr lang="ru"/>
-              <a:t>Освобождение ресурсов - garbage collector.</a:t>
+              <a:t>Примитивы ПП</a:t>
             </a:r>
             <a:endParaRPr/>
           </a:p>
@@ -8747,7 +10627,7 @@
       </p:sp>
       <p:sp>
         <p:nvSpPr>
-          <p:cNvPr id="168" name="Google Shape;168;p31"/>
+          <p:cNvPr id="165" name="Google Shape;165;p31"/>
           <p:cNvSpPr txBox="1"/>
           <p:nvPr>
             <p:ph idx="1" type="body"/>
@@ -8768,91 +10648,96 @@
           </a:bodyPr>
           <a:lstStyle/>
           <a:p>
-            <a:pPr indent="0" lvl="0" marL="0" rtl="0" algn="l">
-              <a:spcBef>
-                <a:spcPts val="0"/>
-              </a:spcBef>
-              <a:spcAft>
-                <a:spcPts val="0"/>
-              </a:spcAft>
-              <a:buNone/>
+            <a:pPr indent="-342900" lvl="0" marL="457200" rtl="0" algn="l">
+              <a:spcBef>
+                <a:spcPts val="0"/>
+              </a:spcBef>
+              <a:spcAft>
+                <a:spcPts val="0"/>
+              </a:spcAft>
+              <a:buSzPts val="1800"/>
+              <a:buChar char="-"/>
             </a:pPr>
             <a:r>
               <a:rPr lang="ru"/>
-              <a:t>На </a:t>
-            </a:r>
+              <a:t>Потоки</a:t>
+            </a:r>
+            <a:endParaRPr/>
+          </a:p>
+          <a:p>
+            <a:pPr indent="-342900" lvl="0" marL="457200" rtl="0" algn="l">
+              <a:spcBef>
+                <a:spcPts val="0"/>
+              </a:spcBef>
+              <a:spcAft>
+                <a:spcPts val="0"/>
+              </a:spcAft>
+              <a:buSzPts val="1800"/>
+              <a:buChar char="-"/>
+            </a:pPr>
             <a:r>
               <a:rPr lang="ru"/>
-              <a:t>самом</a:t>
-            </a:r>
+              <a:t>Примитивы синхронизации</a:t>
+            </a:r>
+            <a:endParaRPr/>
+          </a:p>
+          <a:p>
+            <a:pPr indent="-317500" lvl="1" marL="914400" rtl="0" algn="l">
+              <a:spcBef>
+                <a:spcPts val="0"/>
+              </a:spcBef>
+              <a:spcAft>
+                <a:spcPts val="0"/>
+              </a:spcAft>
+              <a:buSzPts val="1400"/>
+              <a:buChar char="-"/>
+            </a:pPr>
             <a:r>
               <a:rPr lang="ru"/>
-              <a:t> деле алгоритма 2</a:t>
+              <a:t>блокировки/</a:t>
+            </a:r>
+            <a:r>
+              <a:rPr lang="ru"/>
+              <a:t>мьютексы</a:t>
             </a:r>
             <a:endParaRPr/>
           </a:p>
           <a:p>
-            <a:pPr indent="0" lvl="0" marL="0" rtl="0" algn="l">
-              <a:spcBef>
-                <a:spcPts val="1600"/>
-              </a:spcBef>
-              <a:spcAft>
-                <a:spcPts val="0"/>
-              </a:spcAft>
-              <a:buNone/>
+            <a:pPr indent="-317500" lvl="1" marL="914400" rtl="0" algn="l">
+              <a:spcBef>
+                <a:spcPts val="0"/>
+              </a:spcBef>
+              <a:spcAft>
+                <a:spcPts val="0"/>
+              </a:spcAft>
+              <a:buSzPts val="1400"/>
+              <a:buChar char="-"/>
             </a:pPr>
             <a:r>
               <a:rPr lang="ru"/>
-              <a:t>1. Подсчет ссылок</a:t>
+              <a:t>семафор</a:t>
             </a:r>
             <a:endParaRPr/>
           </a:p>
           <a:p>
-            <a:pPr indent="0" lvl="0" marL="0" rtl="0" algn="l">
-              <a:spcBef>
-                <a:spcPts val="1600"/>
-              </a:spcBef>
-              <a:spcAft>
-                <a:spcPts val="1600"/>
-              </a:spcAft>
-              <a:buNone/>
+            <a:pPr indent="-317500" lvl="1" marL="914400" rtl="0" algn="l">
+              <a:spcBef>
+                <a:spcPts val="0"/>
+              </a:spcBef>
+              <a:spcAft>
+                <a:spcPts val="0"/>
+              </a:spcAft>
+              <a:buSzPts val="1400"/>
+              <a:buChar char="-"/>
             </a:pPr>
             <a:r>
               <a:rPr lang="ru"/>
-              <a:t>2. Сканирование на наличее циклических ссылок</a:t>
+              <a:t>события</a:t>
             </a:r>
             <a:endParaRPr/>
           </a:p>
         </p:txBody>
       </p:sp>
-      <p:pic>
-        <p:nvPicPr>
-          <p:cNvPr id="169" name="Google Shape;169;p31"/>
-          <p:cNvPicPr preferRelativeResize="0"/>
-          <p:nvPr/>
-        </p:nvPicPr>
-        <p:blipFill>
-          <a:blip r:embed="rId3">
-            <a:alphaModFix/>
-          </a:blip>
-          <a:stretch>
-            <a:fillRect/>
-          </a:stretch>
-        </p:blipFill>
-        <p:spPr>
-          <a:xfrm>
-            <a:off x="5330650" y="2746563"/>
-            <a:ext cx="2914650" cy="1724025"/>
-          </a:xfrm>
-          <a:prstGeom prst="rect">
-            <a:avLst/>
-          </a:prstGeom>
-          <a:noFill/>
-          <a:ln>
-            <a:noFill/>
-          </a:ln>
-        </p:spPr>
-      </p:pic>
     </p:spTree>
   </p:cSld>
   <p:clrMapOvr>
@@ -8994,7 +10879,7 @@
   <p:cSld>
     <p:spTree>
       <p:nvGrpSpPr>
-        <p:cNvPr id="173" name="Shape 173"/>
+        <p:cNvPr id="169" name="Shape 169"/>
         <p:cNvGrpSpPr/>
         <p:nvPr/>
       </p:nvGrpSpPr>
@@ -9008,7 +10893,7 @@
       </p:grpSpPr>
       <p:sp>
         <p:nvSpPr>
-          <p:cNvPr id="174" name="Google Shape;174;p32"/>
+          <p:cNvPr id="170" name="Google Shape;170;p32"/>
           <p:cNvSpPr txBox="1"/>
           <p:nvPr>
             <p:ph type="title"/>
@@ -9016,7 +10901,7 @@
         </p:nvSpPr>
         <p:spPr>
           <a:xfrm>
-            <a:off x="311700" y="2162925"/>
+            <a:off x="311700" y="445025"/>
             <a:ext cx="8520600" cy="572700"/>
           </a:xfrm>
           <a:prstGeom prst="rect">
@@ -9040,12 +10925,1309 @@
             </a:pPr>
             <a:r>
               <a:rPr lang="ru"/>
-              <a:t>Спасибо за внимание!</a:t>
+              <a:t>Критическая секция</a:t>
             </a:r>
             <a:endParaRPr/>
           </a:p>
         </p:txBody>
       </p:sp>
+      <p:sp>
+        <p:nvSpPr>
+          <p:cNvPr id="171" name="Google Shape;171;p32"/>
+          <p:cNvSpPr txBox="1"/>
+          <p:nvPr>
+            <p:ph idx="1" type="body"/>
+          </p:nvPr>
+        </p:nvSpPr>
+        <p:spPr>
+          <a:xfrm>
+            <a:off x="311700" y="1152475"/>
+            <a:ext cx="8520600" cy="3416400"/>
+          </a:xfrm>
+          <a:prstGeom prst="rect">
+            <a:avLst/>
+          </a:prstGeom>
+        </p:spPr>
+        <p:txBody>
+          <a:bodyPr anchorCtr="0" anchor="t" bIns="91425" lIns="91425" spcFirstLastPara="1" rIns="91425" wrap="square" tIns="91425">
+            <a:noAutofit/>
+          </a:bodyPr>
+          <a:lstStyle/>
+          <a:p>
+            <a:pPr indent="0" lvl="0" marL="0" rtl="0" algn="l">
+              <a:spcBef>
+                <a:spcPts val="0"/>
+              </a:spcBef>
+              <a:spcAft>
+                <a:spcPts val="1600"/>
+              </a:spcAft>
+              <a:buNone/>
+            </a:pPr>
+            <a:r>
+              <a:rPr lang="ru"/>
+              <a:t>Критической</a:t>
+            </a:r>
+            <a:r>
+              <a:rPr lang="ru"/>
+              <a:t> секцией программы называют то </a:t>
+            </a:r>
+            <a:r>
+              <a:rPr lang="ru"/>
+              <a:t>место программы</a:t>
+            </a:r>
+            <a:r>
+              <a:rPr lang="ru"/>
+              <a:t>, в котором потенциально несколько потоков могут менять </a:t>
+            </a:r>
+            <a:r>
+              <a:rPr lang="ru"/>
+              <a:t>одни</a:t>
+            </a:r>
+            <a:r>
+              <a:rPr lang="ru"/>
+              <a:t> и </a:t>
+            </a:r>
+            <a:r>
+              <a:rPr lang="ru"/>
+              <a:t>те же</a:t>
+            </a:r>
+            <a:r>
+              <a:rPr lang="ru"/>
+              <a:t> данные.</a:t>
+            </a:r>
+            <a:endParaRPr/>
+          </a:p>
+        </p:txBody>
+      </p:sp>
+      <p:sp>
+        <p:nvSpPr>
+          <p:cNvPr id="172" name="Google Shape;172;p32"/>
+          <p:cNvSpPr/>
+          <p:nvPr/>
+        </p:nvSpPr>
+        <p:spPr>
+          <a:xfrm>
+            <a:off x="3901025" y="2268925"/>
+            <a:ext cx="671100" cy="2223300"/>
+          </a:xfrm>
+          <a:prstGeom prst="rect">
+            <a:avLst/>
+          </a:prstGeom>
+          <a:solidFill>
+            <a:schemeClr val="lt2"/>
+          </a:solidFill>
+          <a:ln cap="flat" cmpd="sng" w="9525">
+            <a:solidFill>
+              <a:schemeClr val="dk2"/>
+            </a:solidFill>
+            <a:prstDash val="solid"/>
+            <a:round/>
+            <a:headEnd len="sm" w="sm" type="none"/>
+            <a:tailEnd len="sm" w="sm" type="none"/>
+          </a:ln>
+        </p:spPr>
+        <p:txBody>
+          <a:bodyPr anchorCtr="0" anchor="ctr" bIns="91425" lIns="91425" spcFirstLastPara="1" rIns="91425" wrap="square" tIns="91425">
+            <a:noAutofit/>
+          </a:bodyPr>
+          <a:lstStyle/>
+          <a:p>
+            <a:pPr indent="0" lvl="0" marL="0" rtl="0" algn="l">
+              <a:spcBef>
+                <a:spcPts val="0"/>
+              </a:spcBef>
+              <a:spcAft>
+                <a:spcPts val="0"/>
+              </a:spcAft>
+              <a:buNone/>
+            </a:pPr>
+            <a:r>
+              <a:t/>
+            </a:r>
+            <a:endParaRPr/>
+          </a:p>
+        </p:txBody>
+      </p:sp>
+      <p:sp>
+        <p:nvSpPr>
+          <p:cNvPr id="173" name="Google Shape;173;p32"/>
+          <p:cNvSpPr/>
+          <p:nvPr/>
+        </p:nvSpPr>
+        <p:spPr>
+          <a:xfrm>
+            <a:off x="3901025" y="3092850"/>
+            <a:ext cx="671100" cy="455100"/>
+          </a:xfrm>
+          <a:prstGeom prst="rect">
+            <a:avLst/>
+          </a:prstGeom>
+          <a:solidFill>
+            <a:schemeClr val="lt2"/>
+          </a:solidFill>
+          <a:ln cap="flat" cmpd="sng" w="9525">
+            <a:solidFill>
+              <a:schemeClr val="dk2"/>
+            </a:solidFill>
+            <a:prstDash val="solid"/>
+            <a:round/>
+            <a:headEnd len="sm" w="sm" type="none"/>
+            <a:tailEnd len="sm" w="sm" type="none"/>
+          </a:ln>
+        </p:spPr>
+        <p:txBody>
+          <a:bodyPr anchorCtr="0" anchor="ctr" bIns="91425" lIns="91425" spcFirstLastPara="1" rIns="91425" wrap="square" tIns="91425">
+            <a:noAutofit/>
+          </a:bodyPr>
+          <a:lstStyle/>
+          <a:p>
+            <a:pPr indent="0" lvl="0" marL="0" rtl="0" algn="l">
+              <a:spcBef>
+                <a:spcPts val="0"/>
+              </a:spcBef>
+              <a:spcAft>
+                <a:spcPts val="0"/>
+              </a:spcAft>
+              <a:buNone/>
+            </a:pPr>
+            <a:r>
+              <a:rPr lang="ru"/>
+              <a:t>1111000011</a:t>
+            </a:r>
+            <a:endParaRPr/>
+          </a:p>
+        </p:txBody>
+      </p:sp>
+      <p:sp>
+        <p:nvSpPr>
+          <p:cNvPr id="174" name="Google Shape;174;p32"/>
+          <p:cNvSpPr/>
+          <p:nvPr/>
+        </p:nvSpPr>
+        <p:spPr>
+          <a:xfrm>
+            <a:off x="1689725" y="2956900"/>
+            <a:ext cx="1042038" cy="727002"/>
+          </a:xfrm>
+          <a:prstGeom prst="flowChartDocument">
+            <a:avLst/>
+          </a:prstGeom>
+          <a:solidFill>
+            <a:schemeClr val="lt2"/>
+          </a:solidFill>
+          <a:ln cap="flat" cmpd="sng" w="9525">
+            <a:solidFill>
+              <a:schemeClr val="dk2"/>
+            </a:solidFill>
+            <a:prstDash val="solid"/>
+            <a:round/>
+            <a:headEnd len="sm" w="sm" type="none"/>
+            <a:tailEnd len="sm" w="sm" type="none"/>
+          </a:ln>
+        </p:spPr>
+        <p:txBody>
+          <a:bodyPr anchorCtr="0" anchor="ctr" bIns="91425" lIns="91425" spcFirstLastPara="1" rIns="91425" wrap="square" tIns="91425">
+            <a:noAutofit/>
+          </a:bodyPr>
+          <a:lstStyle/>
+          <a:p>
+            <a:pPr indent="0" lvl="0" marL="0" rtl="0" algn="l">
+              <a:spcBef>
+                <a:spcPts val="0"/>
+              </a:spcBef>
+              <a:spcAft>
+                <a:spcPts val="0"/>
+              </a:spcAft>
+              <a:buNone/>
+            </a:pPr>
+            <a:r>
+              <a:rPr lang="ru"/>
+              <a:t>Thread 1</a:t>
+            </a:r>
+            <a:endParaRPr/>
+          </a:p>
+        </p:txBody>
+      </p:sp>
+      <p:sp>
+        <p:nvSpPr>
+          <p:cNvPr id="175" name="Google Shape;175;p32"/>
+          <p:cNvSpPr/>
+          <p:nvPr/>
+        </p:nvSpPr>
+        <p:spPr>
+          <a:xfrm>
+            <a:off x="5741375" y="2956900"/>
+            <a:ext cx="1042038" cy="727002"/>
+          </a:xfrm>
+          <a:prstGeom prst="flowChartDocument">
+            <a:avLst/>
+          </a:prstGeom>
+          <a:solidFill>
+            <a:schemeClr val="lt2"/>
+          </a:solidFill>
+          <a:ln cap="flat" cmpd="sng" w="9525">
+            <a:solidFill>
+              <a:schemeClr val="dk2"/>
+            </a:solidFill>
+            <a:prstDash val="solid"/>
+            <a:round/>
+            <a:headEnd len="sm" w="sm" type="none"/>
+            <a:tailEnd len="sm" w="sm" type="none"/>
+          </a:ln>
+        </p:spPr>
+        <p:txBody>
+          <a:bodyPr anchorCtr="0" anchor="ctr" bIns="91425" lIns="91425" spcFirstLastPara="1" rIns="91425" wrap="square" tIns="91425">
+            <a:noAutofit/>
+          </a:bodyPr>
+          <a:lstStyle/>
+          <a:p>
+            <a:pPr indent="0" lvl="0" marL="0" rtl="0" algn="l">
+              <a:spcBef>
+                <a:spcPts val="0"/>
+              </a:spcBef>
+              <a:spcAft>
+                <a:spcPts val="0"/>
+              </a:spcAft>
+              <a:buNone/>
+            </a:pPr>
+            <a:r>
+              <a:rPr lang="ru"/>
+              <a:t>Thread 2</a:t>
+            </a:r>
+            <a:endParaRPr/>
+          </a:p>
+        </p:txBody>
+      </p:sp>
+      <p:cxnSp>
+        <p:nvCxnSpPr>
+          <p:cNvPr id="176" name="Google Shape;176;p32"/>
+          <p:cNvCxnSpPr>
+            <a:endCxn id="173" idx="1"/>
+          </p:cNvCxnSpPr>
+          <p:nvPr/>
+        </p:nvCxnSpPr>
+        <p:spPr>
+          <a:xfrm>
+            <a:off x="2731625" y="3320400"/>
+            <a:ext cx="1169400" cy="0"/>
+          </a:xfrm>
+          <a:prstGeom prst="straightConnector1">
+            <a:avLst/>
+          </a:prstGeom>
+          <a:noFill/>
+          <a:ln cap="flat" cmpd="sng" w="9525">
+            <a:solidFill>
+              <a:schemeClr val="dk2"/>
+            </a:solidFill>
+            <a:prstDash val="solid"/>
+            <a:round/>
+            <a:headEnd len="med" w="med" type="none"/>
+            <a:tailEnd len="med" w="med" type="triangle"/>
+          </a:ln>
+        </p:spPr>
+      </p:cxnSp>
+      <p:cxnSp>
+        <p:nvCxnSpPr>
+          <p:cNvPr id="177" name="Google Shape;177;p32"/>
+          <p:cNvCxnSpPr>
+            <a:stCxn id="175" idx="1"/>
+            <a:endCxn id="173" idx="3"/>
+          </p:cNvCxnSpPr>
+          <p:nvPr/>
+        </p:nvCxnSpPr>
+        <p:spPr>
+          <a:xfrm rot="10800000">
+            <a:off x="4571975" y="3320401"/>
+            <a:ext cx="1169400" cy="0"/>
+          </a:xfrm>
+          <a:prstGeom prst="straightConnector1">
+            <a:avLst/>
+          </a:prstGeom>
+          <a:noFill/>
+          <a:ln cap="flat" cmpd="sng" w="9525">
+            <a:solidFill>
+              <a:schemeClr val="dk2"/>
+            </a:solidFill>
+            <a:prstDash val="solid"/>
+            <a:round/>
+            <a:headEnd len="med" w="med" type="none"/>
+            <a:tailEnd len="med" w="med" type="triangle"/>
+          </a:ln>
+        </p:spPr>
+      </p:cxnSp>
+    </p:spTree>
+  </p:cSld>
+  <p:clrMapOvr>
+    <a:masterClrMapping/>
+  </p:clrMapOvr>
+</p:sld>
+</file>
+
+<file path=ppt/slides/slide21.xml><?xml version="1.0" encoding="utf-8"?>
+<p:sld xmlns:a="http://schemas.openxmlformats.org/drawingml/2006/main" xmlns:r="http://schemas.openxmlformats.org/officeDocument/2006/relationships" xmlns:mc="http://schemas.openxmlformats.org/markup-compatibility/2006" xmlns:mv="urn:schemas-microsoft-com:mac:vml" xmlns:p="http://schemas.openxmlformats.org/presentationml/2006/main" xmlns:c="http://schemas.openxmlformats.org/drawingml/2006/chart" xmlns:dgm="http://schemas.openxmlformats.org/drawingml/2006/diagram" xmlns:o="urn:schemas-microsoft-com:office:office" xmlns:v="urn:schemas-microsoft-com:vml" xmlns:pvml="urn:schemas-microsoft-com:office:powerpoint" xmlns:com="http://schemas.openxmlformats.org/drawingml/2006/compatibility" xmlns:p14="http://schemas.microsoft.com/office/powerpoint/2010/main" xmlns:p15="http://schemas.microsoft.com/office/powerpoint/2012/main" xmlns:ahyp="http://schemas.microsoft.com/office/drawing/2018/hyperlinkcolor">
+  <p:cSld>
+    <p:spTree>
+      <p:nvGrpSpPr>
+        <p:cNvPr id="181" name="Shape 181"/>
+        <p:cNvGrpSpPr/>
+        <p:nvPr/>
+      </p:nvGrpSpPr>
+      <p:grpSpPr>
+        <a:xfrm>
+          <a:off x="0" y="0"/>
+          <a:ext cx="0" cy="0"/>
+          <a:chOff x="0" y="0"/>
+          <a:chExt cx="0" cy="0"/>
+        </a:xfrm>
+      </p:grpSpPr>
+      <p:sp>
+        <p:nvSpPr>
+          <p:cNvPr id="182" name="Google Shape;182;p33"/>
+          <p:cNvSpPr txBox="1"/>
+          <p:nvPr>
+            <p:ph type="title"/>
+          </p:nvPr>
+        </p:nvSpPr>
+        <p:spPr>
+          <a:xfrm>
+            <a:off x="311700" y="445025"/>
+            <a:ext cx="8520600" cy="572700"/>
+          </a:xfrm>
+          <a:prstGeom prst="rect">
+            <a:avLst/>
+          </a:prstGeom>
+        </p:spPr>
+        <p:txBody>
+          <a:bodyPr anchorCtr="0" anchor="t" bIns="91425" lIns="91425" spcFirstLastPara="1" rIns="91425" wrap="square" tIns="91425">
+            <a:noAutofit/>
+          </a:bodyPr>
+          <a:lstStyle/>
+          <a:p>
+            <a:pPr indent="0" lvl="0" marL="0" rtl="0" algn="l">
+              <a:spcBef>
+                <a:spcPts val="0"/>
+              </a:spcBef>
+              <a:spcAft>
+                <a:spcPts val="0"/>
+              </a:spcAft>
+              <a:buNone/>
+            </a:pPr>
+            <a:r>
+              <a:rPr lang="ru"/>
+              <a:t>Синхронизация и состояние гонки</a:t>
+            </a:r>
+            <a:endParaRPr/>
+          </a:p>
+        </p:txBody>
+      </p:sp>
+      <p:sp>
+        <p:nvSpPr>
+          <p:cNvPr id="183" name="Google Shape;183;p33"/>
+          <p:cNvSpPr txBox="1"/>
+          <p:nvPr>
+            <p:ph idx="1" type="body"/>
+          </p:nvPr>
+        </p:nvSpPr>
+        <p:spPr>
+          <a:xfrm>
+            <a:off x="311700" y="1152475"/>
+            <a:ext cx="8520600" cy="3416400"/>
+          </a:xfrm>
+          <a:prstGeom prst="rect">
+            <a:avLst/>
+          </a:prstGeom>
+        </p:spPr>
+        <p:txBody>
+          <a:bodyPr anchorCtr="0" anchor="t" bIns="91425" lIns="91425" spcFirstLastPara="1" rIns="91425" wrap="square" tIns="91425">
+            <a:noAutofit/>
+          </a:bodyPr>
+          <a:lstStyle/>
+          <a:p>
+            <a:pPr indent="0" lvl="0" marL="0" rtl="0" algn="l">
+              <a:spcBef>
+                <a:spcPts val="0"/>
+              </a:spcBef>
+              <a:spcAft>
+                <a:spcPts val="1600"/>
+              </a:spcAft>
+              <a:buNone/>
+            </a:pPr>
+            <a:r>
+              <a:rPr lang="ru"/>
+              <a:t>В случае если два или несколько выполняющихся потоков одновременно обращаются к одном и тому же участку памяти как на чтение/запись, можно столкнуться с неопределенным поведением программы. Чтобы </a:t>
+            </a:r>
+            <a:r>
+              <a:rPr lang="ru"/>
+              <a:t>предотвратить</a:t>
+            </a:r>
+            <a:r>
+              <a:rPr lang="ru"/>
+              <a:t> такие ситуации используется специальные примитивы такие как блокировки, мьютексы, семафоры.</a:t>
+            </a:r>
+            <a:endParaRPr/>
+          </a:p>
+        </p:txBody>
+      </p:sp>
+    </p:spTree>
+  </p:cSld>
+  <p:clrMapOvr>
+    <a:masterClrMapping/>
+  </p:clrMapOvr>
+</p:sld>
+</file>
+
+<file path=ppt/slides/slide22.xml><?xml version="1.0" encoding="utf-8"?>
+<p:sld xmlns:a="http://schemas.openxmlformats.org/drawingml/2006/main" xmlns:r="http://schemas.openxmlformats.org/officeDocument/2006/relationships" xmlns:mc="http://schemas.openxmlformats.org/markup-compatibility/2006" xmlns:mv="urn:schemas-microsoft-com:mac:vml" xmlns:p="http://schemas.openxmlformats.org/presentationml/2006/main" xmlns:c="http://schemas.openxmlformats.org/drawingml/2006/chart" xmlns:dgm="http://schemas.openxmlformats.org/drawingml/2006/diagram" xmlns:o="urn:schemas-microsoft-com:office:office" xmlns:v="urn:schemas-microsoft-com:vml" xmlns:pvml="urn:schemas-microsoft-com:office:powerpoint" xmlns:com="http://schemas.openxmlformats.org/drawingml/2006/compatibility" xmlns:p14="http://schemas.microsoft.com/office/powerpoint/2010/main" xmlns:p15="http://schemas.microsoft.com/office/powerpoint/2012/main" xmlns:ahyp="http://schemas.microsoft.com/office/drawing/2018/hyperlinkcolor">
+  <p:cSld>
+    <p:spTree>
+      <p:nvGrpSpPr>
+        <p:cNvPr id="187" name="Shape 187"/>
+        <p:cNvGrpSpPr/>
+        <p:nvPr/>
+      </p:nvGrpSpPr>
+      <p:grpSpPr>
+        <a:xfrm>
+          <a:off x="0" y="0"/>
+          <a:ext cx="0" cy="0"/>
+          <a:chOff x="0" y="0"/>
+          <a:chExt cx="0" cy="0"/>
+        </a:xfrm>
+      </p:grpSpPr>
+      <p:sp>
+        <p:nvSpPr>
+          <p:cNvPr id="188" name="Google Shape;188;p34"/>
+          <p:cNvSpPr txBox="1"/>
+          <p:nvPr>
+            <p:ph type="title"/>
+          </p:nvPr>
+        </p:nvSpPr>
+        <p:spPr>
+          <a:xfrm>
+            <a:off x="311700" y="445025"/>
+            <a:ext cx="8520600" cy="572700"/>
+          </a:xfrm>
+          <a:prstGeom prst="rect">
+            <a:avLst/>
+          </a:prstGeom>
+        </p:spPr>
+        <p:txBody>
+          <a:bodyPr anchorCtr="0" anchor="t" bIns="91425" lIns="91425" spcFirstLastPara="1" rIns="91425" wrap="square" tIns="91425">
+            <a:noAutofit/>
+          </a:bodyPr>
+          <a:lstStyle/>
+          <a:p>
+            <a:pPr indent="0" lvl="0" marL="0" rtl="0" algn="l">
+              <a:spcBef>
+                <a:spcPts val="0"/>
+              </a:spcBef>
+              <a:spcAft>
+                <a:spcPts val="0"/>
+              </a:spcAft>
+              <a:buNone/>
+            </a:pPr>
+            <a:r>
+              <a:rPr lang="ru"/>
+              <a:t>Блокировки</a:t>
+            </a:r>
+            <a:endParaRPr/>
+          </a:p>
+        </p:txBody>
+      </p:sp>
+      <p:sp>
+        <p:nvSpPr>
+          <p:cNvPr id="189" name="Google Shape;189;p34"/>
+          <p:cNvSpPr txBox="1"/>
+          <p:nvPr>
+            <p:ph idx="1" type="body"/>
+          </p:nvPr>
+        </p:nvSpPr>
+        <p:spPr>
+          <a:xfrm>
+            <a:off x="311700" y="1152475"/>
+            <a:ext cx="8520600" cy="3416400"/>
+          </a:xfrm>
+          <a:prstGeom prst="rect">
+            <a:avLst/>
+          </a:prstGeom>
+        </p:spPr>
+        <p:txBody>
+          <a:bodyPr anchorCtr="0" anchor="t" bIns="91425" lIns="91425" spcFirstLastPara="1" rIns="91425" wrap="square" tIns="91425">
+            <a:noAutofit/>
+          </a:bodyPr>
+          <a:lstStyle/>
+          <a:p>
+            <a:pPr indent="0" lvl="0" marL="0" rtl="0" algn="l">
+              <a:spcBef>
+                <a:spcPts val="0"/>
+              </a:spcBef>
+              <a:spcAft>
+                <a:spcPts val="1600"/>
+              </a:spcAft>
+              <a:buNone/>
+            </a:pPr>
+            <a:r>
+              <a:rPr lang="ru"/>
+              <a:t>Блокировка -</a:t>
+            </a:r>
+            <a:r>
+              <a:rPr lang="ru"/>
+              <a:t> предотвращение одновременного </a:t>
+            </a:r>
+            <a:r>
+              <a:rPr lang="ru"/>
+              <a:t>выполнения</a:t>
+            </a:r>
+            <a:r>
+              <a:rPr lang="ru"/>
+              <a:t> одного куска кода несколькими потоками. Получается что блокировка гарантирует вам, что только один поток выполняет работу после блокировки, другие выстраиваются в очередь и ждут, когда блокировка освободиться для </a:t>
+            </a:r>
+            <a:r>
+              <a:rPr lang="ru"/>
+              <a:t>захвата.</a:t>
+            </a:r>
+            <a:endParaRPr/>
+          </a:p>
+        </p:txBody>
+      </p:sp>
+    </p:spTree>
+  </p:cSld>
+  <p:clrMapOvr>
+    <a:masterClrMapping/>
+  </p:clrMapOvr>
+</p:sld>
+</file>
+
+<file path=ppt/slides/slide23.xml><?xml version="1.0" encoding="utf-8"?>
+<p:sld xmlns:a="http://schemas.openxmlformats.org/drawingml/2006/main" xmlns:r="http://schemas.openxmlformats.org/officeDocument/2006/relationships" xmlns:mc="http://schemas.openxmlformats.org/markup-compatibility/2006" xmlns:mv="urn:schemas-microsoft-com:mac:vml" xmlns:p="http://schemas.openxmlformats.org/presentationml/2006/main" xmlns:c="http://schemas.openxmlformats.org/drawingml/2006/chart" xmlns:dgm="http://schemas.openxmlformats.org/drawingml/2006/diagram" xmlns:o="urn:schemas-microsoft-com:office:office" xmlns:v="urn:schemas-microsoft-com:vml" xmlns:pvml="urn:schemas-microsoft-com:office:powerpoint" xmlns:com="http://schemas.openxmlformats.org/drawingml/2006/compatibility" xmlns:p14="http://schemas.microsoft.com/office/powerpoint/2010/main" xmlns:p15="http://schemas.microsoft.com/office/powerpoint/2012/main" xmlns:ahyp="http://schemas.microsoft.com/office/drawing/2018/hyperlinkcolor">
+  <p:cSld>
+    <p:spTree>
+      <p:nvGrpSpPr>
+        <p:cNvPr id="193" name="Shape 193"/>
+        <p:cNvGrpSpPr/>
+        <p:nvPr/>
+      </p:nvGrpSpPr>
+      <p:grpSpPr>
+        <a:xfrm>
+          <a:off x="0" y="0"/>
+          <a:ext cx="0" cy="0"/>
+          <a:chOff x="0" y="0"/>
+          <a:chExt cx="0" cy="0"/>
+        </a:xfrm>
+      </p:grpSpPr>
+      <p:sp>
+        <p:nvSpPr>
+          <p:cNvPr id="194" name="Google Shape;194;p35"/>
+          <p:cNvSpPr txBox="1"/>
+          <p:nvPr>
+            <p:ph type="title"/>
+          </p:nvPr>
+        </p:nvSpPr>
+        <p:spPr>
+          <a:xfrm>
+            <a:off x="311700" y="445025"/>
+            <a:ext cx="8520600" cy="572700"/>
+          </a:xfrm>
+          <a:prstGeom prst="rect">
+            <a:avLst/>
+          </a:prstGeom>
+        </p:spPr>
+        <p:txBody>
+          <a:bodyPr anchorCtr="0" anchor="t" bIns="91425" lIns="91425" spcFirstLastPara="1" rIns="91425" wrap="square" tIns="91425">
+            <a:noAutofit/>
+          </a:bodyPr>
+          <a:lstStyle/>
+          <a:p>
+            <a:pPr indent="0" lvl="0" marL="0" rtl="0" algn="l">
+              <a:spcBef>
+                <a:spcPts val="0"/>
+              </a:spcBef>
+              <a:spcAft>
+                <a:spcPts val="0"/>
+              </a:spcAft>
+              <a:buClr>
+                <a:schemeClr val="dk1"/>
+              </a:buClr>
+              <a:buSzPts val="1100"/>
+              <a:buFont typeface="Arial"/>
+              <a:buNone/>
+            </a:pPr>
+            <a:r>
+              <a:rPr lang="ru"/>
+              <a:t>Блокировки</a:t>
+            </a:r>
+            <a:endParaRPr/>
+          </a:p>
+        </p:txBody>
+      </p:sp>
+      <p:pic>
+        <p:nvPicPr>
+          <p:cNvPr id="195" name="Google Shape;195;p35"/>
+          <p:cNvPicPr preferRelativeResize="0"/>
+          <p:nvPr/>
+        </p:nvPicPr>
+        <p:blipFill>
+          <a:blip r:embed="rId3">
+            <a:alphaModFix/>
+          </a:blip>
+          <a:stretch>
+            <a:fillRect/>
+          </a:stretch>
+        </p:blipFill>
+        <p:spPr>
+          <a:xfrm>
+            <a:off x="1733600" y="1061075"/>
+            <a:ext cx="4154956" cy="3820974"/>
+          </a:xfrm>
+          <a:prstGeom prst="rect">
+            <a:avLst/>
+          </a:prstGeom>
+          <a:noFill/>
+          <a:ln>
+            <a:noFill/>
+          </a:ln>
+        </p:spPr>
+      </p:pic>
+    </p:spTree>
+  </p:cSld>
+  <p:clrMapOvr>
+    <a:masterClrMapping/>
+  </p:clrMapOvr>
+</p:sld>
+</file>
+
+<file path=ppt/slides/slide24.xml><?xml version="1.0" encoding="utf-8"?>
+<p:sld xmlns:a="http://schemas.openxmlformats.org/drawingml/2006/main" xmlns:r="http://schemas.openxmlformats.org/officeDocument/2006/relationships" xmlns:mc="http://schemas.openxmlformats.org/markup-compatibility/2006" xmlns:mv="urn:schemas-microsoft-com:mac:vml" xmlns:p="http://schemas.openxmlformats.org/presentationml/2006/main" xmlns:c="http://schemas.openxmlformats.org/drawingml/2006/chart" xmlns:dgm="http://schemas.openxmlformats.org/drawingml/2006/diagram" xmlns:o="urn:schemas-microsoft-com:office:office" xmlns:v="urn:schemas-microsoft-com:vml" xmlns:pvml="urn:schemas-microsoft-com:office:powerpoint" xmlns:com="http://schemas.openxmlformats.org/drawingml/2006/compatibility" xmlns:p14="http://schemas.microsoft.com/office/powerpoint/2010/main" xmlns:p15="http://schemas.microsoft.com/office/powerpoint/2012/main" xmlns:ahyp="http://schemas.microsoft.com/office/drawing/2018/hyperlinkcolor">
+  <p:cSld>
+    <p:spTree>
+      <p:nvGrpSpPr>
+        <p:cNvPr id="199" name="Shape 199"/>
+        <p:cNvGrpSpPr/>
+        <p:nvPr/>
+      </p:nvGrpSpPr>
+      <p:grpSpPr>
+        <a:xfrm>
+          <a:off x="0" y="0"/>
+          <a:ext cx="0" cy="0"/>
+          <a:chOff x="0" y="0"/>
+          <a:chExt cx="0" cy="0"/>
+        </a:xfrm>
+      </p:grpSpPr>
+      <p:sp>
+        <p:nvSpPr>
+          <p:cNvPr id="200" name="Google Shape;200;p36"/>
+          <p:cNvSpPr txBox="1"/>
+          <p:nvPr>
+            <p:ph type="title"/>
+          </p:nvPr>
+        </p:nvSpPr>
+        <p:spPr>
+          <a:xfrm>
+            <a:off x="311700" y="445025"/>
+            <a:ext cx="8520600" cy="572700"/>
+          </a:xfrm>
+          <a:prstGeom prst="rect">
+            <a:avLst/>
+          </a:prstGeom>
+        </p:spPr>
+        <p:txBody>
+          <a:bodyPr anchorCtr="0" anchor="t" bIns="91425" lIns="91425" spcFirstLastPara="1" rIns="91425" wrap="square" tIns="91425">
+            <a:noAutofit/>
+          </a:bodyPr>
+          <a:lstStyle/>
+          <a:p>
+            <a:pPr indent="0" lvl="0" marL="0" rtl="0" algn="l">
+              <a:spcBef>
+                <a:spcPts val="0"/>
+              </a:spcBef>
+              <a:spcAft>
+                <a:spcPts val="0"/>
+              </a:spcAft>
+              <a:buClr>
+                <a:schemeClr val="dk1"/>
+              </a:buClr>
+              <a:buSzPts val="1100"/>
+              <a:buFont typeface="Arial"/>
+              <a:buNone/>
+            </a:pPr>
+            <a:r>
+              <a:rPr lang="ru"/>
+              <a:t>Блокировки</a:t>
+            </a:r>
+            <a:endParaRPr/>
+          </a:p>
+        </p:txBody>
+      </p:sp>
+      <p:pic>
+        <p:nvPicPr>
+          <p:cNvPr id="201" name="Google Shape;201;p36"/>
+          <p:cNvPicPr preferRelativeResize="0"/>
+          <p:nvPr/>
+        </p:nvPicPr>
+        <p:blipFill>
+          <a:blip r:embed="rId3">
+            <a:alphaModFix/>
+          </a:blip>
+          <a:stretch>
+            <a:fillRect/>
+          </a:stretch>
+        </p:blipFill>
+        <p:spPr>
+          <a:xfrm>
+            <a:off x="2145575" y="1187350"/>
+            <a:ext cx="3899381" cy="3820975"/>
+          </a:xfrm>
+          <a:prstGeom prst="rect">
+            <a:avLst/>
+          </a:prstGeom>
+          <a:noFill/>
+          <a:ln>
+            <a:noFill/>
+          </a:ln>
+        </p:spPr>
+      </p:pic>
+    </p:spTree>
+  </p:cSld>
+  <p:clrMapOvr>
+    <a:masterClrMapping/>
+  </p:clrMapOvr>
+</p:sld>
+</file>
+
+<file path=ppt/slides/slide25.xml><?xml version="1.0" encoding="utf-8"?>
+<p:sld xmlns:a="http://schemas.openxmlformats.org/drawingml/2006/main" xmlns:r="http://schemas.openxmlformats.org/officeDocument/2006/relationships" xmlns:mc="http://schemas.openxmlformats.org/markup-compatibility/2006" xmlns:mv="urn:schemas-microsoft-com:mac:vml" xmlns:p="http://schemas.openxmlformats.org/presentationml/2006/main" xmlns:c="http://schemas.openxmlformats.org/drawingml/2006/chart" xmlns:dgm="http://schemas.openxmlformats.org/drawingml/2006/diagram" xmlns:o="urn:schemas-microsoft-com:office:office" xmlns:v="urn:schemas-microsoft-com:vml" xmlns:pvml="urn:schemas-microsoft-com:office:powerpoint" xmlns:com="http://schemas.openxmlformats.org/drawingml/2006/compatibility" xmlns:p14="http://schemas.microsoft.com/office/powerpoint/2010/main" xmlns:p15="http://schemas.microsoft.com/office/powerpoint/2012/main" xmlns:ahyp="http://schemas.microsoft.com/office/drawing/2018/hyperlinkcolor">
+  <p:cSld>
+    <p:spTree>
+      <p:nvGrpSpPr>
+        <p:cNvPr id="205" name="Shape 205"/>
+        <p:cNvGrpSpPr/>
+        <p:nvPr/>
+      </p:nvGrpSpPr>
+      <p:grpSpPr>
+        <a:xfrm>
+          <a:off x="0" y="0"/>
+          <a:ext cx="0" cy="0"/>
+          <a:chOff x="0" y="0"/>
+          <a:chExt cx="0" cy="0"/>
+        </a:xfrm>
+      </p:grpSpPr>
+      <p:sp>
+        <p:nvSpPr>
+          <p:cNvPr id="206" name="Google Shape;206;p37"/>
+          <p:cNvSpPr txBox="1"/>
+          <p:nvPr>
+            <p:ph type="title"/>
+          </p:nvPr>
+        </p:nvSpPr>
+        <p:spPr>
+          <a:xfrm>
+            <a:off x="311700" y="445025"/>
+            <a:ext cx="8520600" cy="572700"/>
+          </a:xfrm>
+          <a:prstGeom prst="rect">
+            <a:avLst/>
+          </a:prstGeom>
+        </p:spPr>
+        <p:txBody>
+          <a:bodyPr anchorCtr="0" anchor="t" bIns="91425" lIns="91425" spcFirstLastPara="1" rIns="91425" wrap="square" tIns="91425">
+            <a:noAutofit/>
+          </a:bodyPr>
+          <a:lstStyle/>
+          <a:p>
+            <a:pPr indent="0" lvl="0" marL="0" rtl="0" algn="l">
+              <a:spcBef>
+                <a:spcPts val="0"/>
+              </a:spcBef>
+              <a:spcAft>
+                <a:spcPts val="0"/>
+              </a:spcAft>
+              <a:buNone/>
+            </a:pPr>
+            <a:r>
+              <a:rPr lang="ru"/>
+              <a:t>Процесс</a:t>
+            </a:r>
+            <a:endParaRPr/>
+          </a:p>
+        </p:txBody>
+      </p:sp>
+      <p:sp>
+        <p:nvSpPr>
+          <p:cNvPr id="207" name="Google Shape;207;p37"/>
+          <p:cNvSpPr txBox="1"/>
+          <p:nvPr>
+            <p:ph idx="1" type="body"/>
+          </p:nvPr>
+        </p:nvSpPr>
+        <p:spPr>
+          <a:xfrm>
+            <a:off x="311700" y="1152475"/>
+            <a:ext cx="8520600" cy="3416400"/>
+          </a:xfrm>
+          <a:prstGeom prst="rect">
+            <a:avLst/>
+          </a:prstGeom>
+        </p:spPr>
+        <p:txBody>
+          <a:bodyPr anchorCtr="0" anchor="t" bIns="91425" lIns="91425" spcFirstLastPara="1" rIns="91425" wrap="square" tIns="91425">
+            <a:noAutofit/>
+          </a:bodyPr>
+          <a:lstStyle/>
+          <a:p>
+            <a:pPr indent="0" lvl="0" marL="0" rtl="0" algn="l">
+              <a:spcBef>
+                <a:spcPts val="0"/>
+              </a:spcBef>
+              <a:spcAft>
+                <a:spcPts val="1600"/>
+              </a:spcAft>
+              <a:buNone/>
+            </a:pPr>
+            <a:r>
+              <a:rPr lang="ru"/>
+              <a:t>Процесс - более ресурсоемкая сущность в сравнение с потоком, обладает своим адресным пространством и не может разделять его. Работает независимо от других процессов, регулируется только планировщиком задач операционной системы. </a:t>
+            </a:r>
+            <a:endParaRPr/>
+          </a:p>
+        </p:txBody>
+      </p:sp>
+    </p:spTree>
+  </p:cSld>
+  <p:clrMapOvr>
+    <a:masterClrMapping/>
+  </p:clrMapOvr>
+</p:sld>
+</file>
+
+<file path=ppt/slides/slide26.xml><?xml version="1.0" encoding="utf-8"?>
+<p:sld xmlns:a="http://schemas.openxmlformats.org/drawingml/2006/main" xmlns:r="http://schemas.openxmlformats.org/officeDocument/2006/relationships" xmlns:mc="http://schemas.openxmlformats.org/markup-compatibility/2006" xmlns:mv="urn:schemas-microsoft-com:mac:vml" xmlns:p="http://schemas.openxmlformats.org/presentationml/2006/main" xmlns:c="http://schemas.openxmlformats.org/drawingml/2006/chart" xmlns:dgm="http://schemas.openxmlformats.org/drawingml/2006/diagram" xmlns:o="urn:schemas-microsoft-com:office:office" xmlns:v="urn:schemas-microsoft-com:vml" xmlns:pvml="urn:schemas-microsoft-com:office:powerpoint" xmlns:com="http://schemas.openxmlformats.org/drawingml/2006/compatibility" xmlns:p14="http://schemas.microsoft.com/office/powerpoint/2010/main" xmlns:p15="http://schemas.microsoft.com/office/powerpoint/2012/main" xmlns:ahyp="http://schemas.microsoft.com/office/drawing/2018/hyperlinkcolor">
+  <p:cSld>
+    <p:spTree>
+      <p:nvGrpSpPr>
+        <p:cNvPr id="211" name="Shape 211"/>
+        <p:cNvGrpSpPr/>
+        <p:nvPr/>
+      </p:nvGrpSpPr>
+      <p:grpSpPr>
+        <a:xfrm>
+          <a:off x="0" y="0"/>
+          <a:ext cx="0" cy="0"/>
+          <a:chOff x="0" y="0"/>
+          <a:chExt cx="0" cy="0"/>
+        </a:xfrm>
+      </p:grpSpPr>
+      <p:sp>
+        <p:nvSpPr>
+          <p:cNvPr id="212" name="Google Shape;212;p38"/>
+          <p:cNvSpPr txBox="1"/>
+          <p:nvPr>
+            <p:ph type="title"/>
+          </p:nvPr>
+        </p:nvSpPr>
+        <p:spPr>
+          <a:xfrm>
+            <a:off x="311700" y="445025"/>
+            <a:ext cx="8520600" cy="572700"/>
+          </a:xfrm>
+          <a:prstGeom prst="rect">
+            <a:avLst/>
+          </a:prstGeom>
+        </p:spPr>
+        <p:txBody>
+          <a:bodyPr anchorCtr="0" anchor="t" bIns="91425" lIns="91425" spcFirstLastPara="1" rIns="91425" wrap="square" tIns="91425">
+            <a:noAutofit/>
+          </a:bodyPr>
+          <a:lstStyle/>
+          <a:p>
+            <a:pPr indent="0" lvl="0" marL="0" rtl="0" algn="l">
+              <a:spcBef>
+                <a:spcPts val="0"/>
+              </a:spcBef>
+              <a:spcAft>
+                <a:spcPts val="0"/>
+              </a:spcAft>
+              <a:buNone/>
+            </a:pPr>
+            <a:r>
+              <a:rPr lang="ru"/>
+              <a:t>Процесс</a:t>
+            </a:r>
+            <a:endParaRPr/>
+          </a:p>
+        </p:txBody>
+      </p:sp>
+      <p:pic>
+        <p:nvPicPr>
+          <p:cNvPr id="213" name="Google Shape;213;p38"/>
+          <p:cNvPicPr preferRelativeResize="0"/>
+          <p:nvPr/>
+        </p:nvPicPr>
+        <p:blipFill>
+          <a:blip r:embed="rId3">
+            <a:alphaModFix/>
+          </a:blip>
+          <a:stretch>
+            <a:fillRect/>
+          </a:stretch>
+        </p:blipFill>
+        <p:spPr>
+          <a:xfrm>
+            <a:off x="2097125" y="1164075"/>
+            <a:ext cx="5003003" cy="3820975"/>
+          </a:xfrm>
+          <a:prstGeom prst="rect">
+            <a:avLst/>
+          </a:prstGeom>
+          <a:noFill/>
+          <a:ln>
+            <a:noFill/>
+          </a:ln>
+        </p:spPr>
+      </p:pic>
+    </p:spTree>
+  </p:cSld>
+  <p:clrMapOvr>
+    <a:masterClrMapping/>
+  </p:clrMapOvr>
+</p:sld>
+</file>
+
+<file path=ppt/slides/slide27.xml><?xml version="1.0" encoding="utf-8"?>
+<p:sld xmlns:a="http://schemas.openxmlformats.org/drawingml/2006/main" xmlns:r="http://schemas.openxmlformats.org/officeDocument/2006/relationships" xmlns:mc="http://schemas.openxmlformats.org/markup-compatibility/2006" xmlns:mv="urn:schemas-microsoft-com:mac:vml" xmlns:p="http://schemas.openxmlformats.org/presentationml/2006/main" xmlns:c="http://schemas.openxmlformats.org/drawingml/2006/chart" xmlns:dgm="http://schemas.openxmlformats.org/drawingml/2006/diagram" xmlns:o="urn:schemas-microsoft-com:office:office" xmlns:v="urn:schemas-microsoft-com:vml" xmlns:pvml="urn:schemas-microsoft-com:office:powerpoint" xmlns:com="http://schemas.openxmlformats.org/drawingml/2006/compatibility" xmlns:p14="http://schemas.microsoft.com/office/powerpoint/2010/main" xmlns:p15="http://schemas.microsoft.com/office/powerpoint/2012/main" xmlns:ahyp="http://schemas.microsoft.com/office/drawing/2018/hyperlinkcolor">
+  <p:cSld>
+    <p:spTree>
+      <p:nvGrpSpPr>
+        <p:cNvPr id="217" name="Shape 217"/>
+        <p:cNvGrpSpPr/>
+        <p:nvPr/>
+      </p:nvGrpSpPr>
+      <p:grpSpPr>
+        <a:xfrm>
+          <a:off x="0" y="0"/>
+          <a:ext cx="0" cy="0"/>
+          <a:chOff x="0" y="0"/>
+          <a:chExt cx="0" cy="0"/>
+        </a:xfrm>
+      </p:grpSpPr>
+      <p:sp>
+        <p:nvSpPr>
+          <p:cNvPr id="218" name="Google Shape;218;p39"/>
+          <p:cNvSpPr txBox="1"/>
+          <p:nvPr>
+            <p:ph type="title"/>
+          </p:nvPr>
+        </p:nvSpPr>
+        <p:spPr>
+          <a:xfrm>
+            <a:off x="311700" y="445025"/>
+            <a:ext cx="8520600" cy="572700"/>
+          </a:xfrm>
+          <a:prstGeom prst="rect">
+            <a:avLst/>
+          </a:prstGeom>
+        </p:spPr>
+        <p:txBody>
+          <a:bodyPr anchorCtr="0" anchor="t" bIns="91425" lIns="91425" spcFirstLastPara="1" rIns="91425" wrap="square" tIns="91425">
+            <a:noAutofit/>
+          </a:bodyPr>
+          <a:lstStyle/>
+          <a:p>
+            <a:pPr indent="0" lvl="0" marL="0" rtl="0" algn="l">
+              <a:spcBef>
+                <a:spcPts val="0"/>
+              </a:spcBef>
+              <a:spcAft>
+                <a:spcPts val="0"/>
+              </a:spcAft>
+              <a:buNone/>
+            </a:pPr>
+            <a:r>
+              <a:rPr lang="ru"/>
+              <a:t>GIL</a:t>
+            </a:r>
+            <a:endParaRPr/>
+          </a:p>
+        </p:txBody>
+      </p:sp>
+      <p:sp>
+        <p:nvSpPr>
+          <p:cNvPr id="219" name="Google Shape;219;p39"/>
+          <p:cNvSpPr txBox="1"/>
+          <p:nvPr>
+            <p:ph idx="1" type="body"/>
+          </p:nvPr>
+        </p:nvSpPr>
+        <p:spPr>
+          <a:xfrm>
+            <a:off x="311700" y="1152475"/>
+            <a:ext cx="8520600" cy="3416400"/>
+          </a:xfrm>
+          <a:prstGeom prst="rect">
+            <a:avLst/>
+          </a:prstGeom>
+        </p:spPr>
+        <p:txBody>
+          <a:bodyPr anchorCtr="0" anchor="t" bIns="91425" lIns="91425" spcFirstLastPara="1" rIns="91425" wrap="square" tIns="91425">
+            <a:noAutofit/>
+          </a:bodyPr>
+          <a:lstStyle/>
+          <a:p>
+            <a:pPr indent="-387350" lvl="0" marL="457200" rtl="0" algn="l">
+              <a:spcBef>
+                <a:spcPts val="0"/>
+              </a:spcBef>
+              <a:spcAft>
+                <a:spcPts val="0"/>
+              </a:spcAft>
+              <a:buSzPts val="2500"/>
+              <a:buChar char="●"/>
+            </a:pPr>
+            <a:r>
+              <a:rPr lang="ru" sz="2500"/>
+              <a:t>Ч</a:t>
+            </a:r>
+            <a:r>
+              <a:rPr lang="ru" sz="2500"/>
+              <a:t>то такое GIL?</a:t>
+            </a:r>
+            <a:endParaRPr sz="2500"/>
+          </a:p>
+          <a:p>
+            <a:pPr indent="-387350" lvl="0" marL="457200" rtl="0" algn="l">
+              <a:spcBef>
+                <a:spcPts val="0"/>
+              </a:spcBef>
+              <a:spcAft>
+                <a:spcPts val="0"/>
+              </a:spcAft>
+              <a:buSzPts val="2500"/>
+              <a:buChar char="●"/>
+            </a:pPr>
+            <a:r>
+              <a:rPr lang="ru" sz="2500"/>
+              <a:t>Зачем он нужен?</a:t>
+            </a:r>
+            <a:endParaRPr sz="2500"/>
+          </a:p>
+        </p:txBody>
+      </p:sp>
+    </p:spTree>
+  </p:cSld>
+  <p:clrMapOvr>
+    <a:masterClrMapping/>
+  </p:clrMapOvr>
+</p:sld>
+</file>
+
+<file path=ppt/slides/slide28.xml><?xml version="1.0" encoding="utf-8"?>
+<p:sld xmlns:a="http://schemas.openxmlformats.org/drawingml/2006/main" xmlns:r="http://schemas.openxmlformats.org/officeDocument/2006/relationships" xmlns:mc="http://schemas.openxmlformats.org/markup-compatibility/2006" xmlns:mv="urn:schemas-microsoft-com:mac:vml" xmlns:p="http://schemas.openxmlformats.org/presentationml/2006/main" xmlns:c="http://schemas.openxmlformats.org/drawingml/2006/chart" xmlns:dgm="http://schemas.openxmlformats.org/drawingml/2006/diagram" xmlns:o="urn:schemas-microsoft-com:office:office" xmlns:v="urn:schemas-microsoft-com:vml" xmlns:pvml="urn:schemas-microsoft-com:office:powerpoint" xmlns:com="http://schemas.openxmlformats.org/drawingml/2006/compatibility" xmlns:p14="http://schemas.microsoft.com/office/powerpoint/2010/main" xmlns:p15="http://schemas.microsoft.com/office/powerpoint/2012/main" xmlns:ahyp="http://schemas.microsoft.com/office/drawing/2018/hyperlinkcolor">
+  <p:cSld>
+    <p:spTree>
+      <p:nvGrpSpPr>
+        <p:cNvPr id="223" name="Shape 223"/>
+        <p:cNvGrpSpPr/>
+        <p:nvPr/>
+      </p:nvGrpSpPr>
+      <p:grpSpPr>
+        <a:xfrm>
+          <a:off x="0" y="0"/>
+          <a:ext cx="0" cy="0"/>
+          <a:chOff x="0" y="0"/>
+          <a:chExt cx="0" cy="0"/>
+        </a:xfrm>
+      </p:grpSpPr>
+      <p:sp>
+        <p:nvSpPr>
+          <p:cNvPr id="224" name="Google Shape;224;p40"/>
+          <p:cNvSpPr txBox="1"/>
+          <p:nvPr>
+            <p:ph type="title"/>
+          </p:nvPr>
+        </p:nvSpPr>
+        <p:spPr>
+          <a:xfrm>
+            <a:off x="311700" y="445025"/>
+            <a:ext cx="8520600" cy="572700"/>
+          </a:xfrm>
+          <a:prstGeom prst="rect">
+            <a:avLst/>
+          </a:prstGeom>
+        </p:spPr>
+        <p:txBody>
+          <a:bodyPr anchorCtr="0" anchor="t" bIns="91425" lIns="91425" spcFirstLastPara="1" rIns="91425" wrap="square" tIns="91425">
+            <a:noAutofit/>
+          </a:bodyPr>
+          <a:lstStyle/>
+          <a:p>
+            <a:pPr indent="0" lvl="0" marL="0" rtl="0" algn="l">
+              <a:spcBef>
+                <a:spcPts val="0"/>
+              </a:spcBef>
+              <a:spcAft>
+                <a:spcPts val="0"/>
+              </a:spcAft>
+              <a:buNone/>
+            </a:pPr>
+            <a:r>
+              <a:rPr lang="ru"/>
+              <a:t>GIL</a:t>
+            </a:r>
+            <a:endParaRPr/>
+          </a:p>
+        </p:txBody>
+      </p:sp>
+      <p:sp>
+        <p:nvSpPr>
+          <p:cNvPr id="225" name="Google Shape;225;p40"/>
+          <p:cNvSpPr txBox="1"/>
+          <p:nvPr>
+            <p:ph idx="1" type="body"/>
+          </p:nvPr>
+        </p:nvSpPr>
+        <p:spPr>
+          <a:xfrm>
+            <a:off x="311700" y="1152475"/>
+            <a:ext cx="8520600" cy="3416400"/>
+          </a:xfrm>
+          <a:prstGeom prst="rect">
+            <a:avLst/>
+          </a:prstGeom>
+        </p:spPr>
+        <p:txBody>
+          <a:bodyPr anchorCtr="0" anchor="t" bIns="91425" lIns="91425" spcFirstLastPara="1" rIns="91425" wrap="square" tIns="91425">
+            <a:noAutofit/>
+          </a:bodyPr>
+          <a:lstStyle/>
+          <a:p>
+            <a:pPr indent="0" lvl="0" marL="0" rtl="0" algn="just">
+              <a:spcBef>
+                <a:spcPts val="0"/>
+              </a:spcBef>
+              <a:spcAft>
+                <a:spcPts val="1600"/>
+              </a:spcAft>
+              <a:buNone/>
+            </a:pPr>
+            <a:r>
+              <a:rPr b="1" lang="ru" sz="2200"/>
+              <a:t>GIL</a:t>
+            </a:r>
+            <a:r>
+              <a:rPr lang="ru" sz="2200"/>
+              <a:t> - global interpreter lock, глобальная объект предотвращающий одновременное </a:t>
+            </a:r>
+            <a:r>
+              <a:rPr lang="ru" sz="2200"/>
+              <a:t>исполнение</a:t>
+            </a:r>
+            <a:r>
+              <a:rPr lang="ru" sz="2200"/>
+              <a:t> кода в двух или нескольких потоках. То есть в каждый момент времени  </a:t>
+            </a:r>
+            <a:r>
+              <a:rPr lang="ru" sz="2200"/>
+              <a:t>выполняется </a:t>
+            </a:r>
+            <a:r>
+              <a:rPr lang="ru" sz="2200"/>
+              <a:t>только один поток.</a:t>
+            </a:r>
+            <a:endParaRPr sz="2200"/>
+          </a:p>
+        </p:txBody>
+      </p:sp>
+    </p:spTree>
+  </p:cSld>
+  <p:clrMapOvr>
+    <a:masterClrMapping/>
+  </p:clrMapOvr>
+</p:sld>
+</file>
+
+<file path=ppt/slides/slide29.xml><?xml version="1.0" encoding="utf-8"?>
+<p:sld xmlns:a="http://schemas.openxmlformats.org/drawingml/2006/main" xmlns:r="http://schemas.openxmlformats.org/officeDocument/2006/relationships" xmlns:mc="http://schemas.openxmlformats.org/markup-compatibility/2006" xmlns:mv="urn:schemas-microsoft-com:mac:vml" xmlns:p="http://schemas.openxmlformats.org/presentationml/2006/main" xmlns:c="http://schemas.openxmlformats.org/drawingml/2006/chart" xmlns:dgm="http://schemas.openxmlformats.org/drawingml/2006/diagram" xmlns:o="urn:schemas-microsoft-com:office:office" xmlns:v="urn:schemas-microsoft-com:vml" xmlns:pvml="urn:schemas-microsoft-com:office:powerpoint" xmlns:com="http://schemas.openxmlformats.org/drawingml/2006/compatibility" xmlns:p14="http://schemas.microsoft.com/office/powerpoint/2010/main" xmlns:p15="http://schemas.microsoft.com/office/powerpoint/2012/main" xmlns:ahyp="http://schemas.microsoft.com/office/drawing/2018/hyperlinkcolor">
+  <p:cSld>
+    <p:spTree>
+      <p:nvGrpSpPr>
+        <p:cNvPr id="229" name="Shape 229"/>
+        <p:cNvGrpSpPr/>
+        <p:nvPr/>
+      </p:nvGrpSpPr>
+      <p:grpSpPr>
+        <a:xfrm>
+          <a:off x="0" y="0"/>
+          <a:ext cx="0" cy="0"/>
+          <a:chOff x="0" y="0"/>
+          <a:chExt cx="0" cy="0"/>
+        </a:xfrm>
+      </p:grpSpPr>
+      <p:sp>
+        <p:nvSpPr>
+          <p:cNvPr id="230" name="Google Shape;230;p41"/>
+          <p:cNvSpPr txBox="1"/>
+          <p:nvPr>
+            <p:ph type="title"/>
+          </p:nvPr>
+        </p:nvSpPr>
+        <p:spPr>
+          <a:xfrm>
+            <a:off x="311700" y="445025"/>
+            <a:ext cx="8520600" cy="572700"/>
+          </a:xfrm>
+          <a:prstGeom prst="rect">
+            <a:avLst/>
+          </a:prstGeom>
+        </p:spPr>
+        <p:txBody>
+          <a:bodyPr anchorCtr="0" anchor="t" bIns="91425" lIns="91425" spcFirstLastPara="1" rIns="91425" wrap="square" tIns="91425">
+            <a:noAutofit/>
+          </a:bodyPr>
+          <a:lstStyle/>
+          <a:p>
+            <a:pPr indent="0" lvl="0" marL="0" rtl="0" algn="l">
+              <a:spcBef>
+                <a:spcPts val="0"/>
+              </a:spcBef>
+              <a:spcAft>
+                <a:spcPts val="0"/>
+              </a:spcAft>
+              <a:buNone/>
+            </a:pPr>
+            <a:r>
+              <a:rPr lang="ru"/>
+              <a:t>GIL</a:t>
+            </a:r>
+            <a:endParaRPr/>
+          </a:p>
+        </p:txBody>
+      </p:sp>
+      <p:pic>
+        <p:nvPicPr>
+          <p:cNvPr id="231" name="Google Shape;231;p41"/>
+          <p:cNvPicPr preferRelativeResize="0"/>
+          <p:nvPr/>
+        </p:nvPicPr>
+        <p:blipFill>
+          <a:blip r:embed="rId3">
+            <a:alphaModFix/>
+          </a:blip>
+          <a:stretch>
+            <a:fillRect/>
+          </a:stretch>
+        </p:blipFill>
+        <p:spPr>
+          <a:xfrm>
+            <a:off x="152400" y="1170125"/>
+            <a:ext cx="8839201" cy="2730255"/>
+          </a:xfrm>
+          <a:prstGeom prst="rect">
+            <a:avLst/>
+          </a:prstGeom>
+          <a:noFill/>
+          <a:ln>
+            <a:noFill/>
+          </a:ln>
+        </p:spPr>
+      </p:pic>
     </p:spTree>
   </p:cSld>
   <p:clrMapOvr>
@@ -9226,6 +12408,2856 @@
 </p:sld>
 </file>
 
+<file path=ppt/slides/slide30.xml><?xml version="1.0" encoding="utf-8"?>
+<p:sld xmlns:a="http://schemas.openxmlformats.org/drawingml/2006/main" xmlns:r="http://schemas.openxmlformats.org/officeDocument/2006/relationships" xmlns:mc="http://schemas.openxmlformats.org/markup-compatibility/2006" xmlns:mv="urn:schemas-microsoft-com:mac:vml" xmlns:p="http://schemas.openxmlformats.org/presentationml/2006/main" xmlns:c="http://schemas.openxmlformats.org/drawingml/2006/chart" xmlns:dgm="http://schemas.openxmlformats.org/drawingml/2006/diagram" xmlns:o="urn:schemas-microsoft-com:office:office" xmlns:v="urn:schemas-microsoft-com:vml" xmlns:pvml="urn:schemas-microsoft-com:office:powerpoint" xmlns:com="http://schemas.openxmlformats.org/drawingml/2006/compatibility" xmlns:p14="http://schemas.microsoft.com/office/powerpoint/2010/main" xmlns:p15="http://schemas.microsoft.com/office/powerpoint/2012/main" xmlns:ahyp="http://schemas.microsoft.com/office/drawing/2018/hyperlinkcolor">
+  <p:cSld>
+    <p:spTree>
+      <p:nvGrpSpPr>
+        <p:cNvPr id="235" name="Shape 235"/>
+        <p:cNvGrpSpPr/>
+        <p:nvPr/>
+      </p:nvGrpSpPr>
+      <p:grpSpPr>
+        <a:xfrm>
+          <a:off x="0" y="0"/>
+          <a:ext cx="0" cy="0"/>
+          <a:chOff x="0" y="0"/>
+          <a:chExt cx="0" cy="0"/>
+        </a:xfrm>
+      </p:grpSpPr>
+      <p:sp>
+        <p:nvSpPr>
+          <p:cNvPr id="236" name="Google Shape;236;p42"/>
+          <p:cNvSpPr txBox="1"/>
+          <p:nvPr>
+            <p:ph type="title"/>
+          </p:nvPr>
+        </p:nvSpPr>
+        <p:spPr>
+          <a:xfrm>
+            <a:off x="311700" y="445025"/>
+            <a:ext cx="8520600" cy="572700"/>
+          </a:xfrm>
+          <a:prstGeom prst="rect">
+            <a:avLst/>
+          </a:prstGeom>
+        </p:spPr>
+        <p:txBody>
+          <a:bodyPr anchorCtr="0" anchor="t" bIns="91425" lIns="91425" spcFirstLastPara="1" rIns="91425" wrap="square" tIns="91425">
+            <a:noAutofit/>
+          </a:bodyPr>
+          <a:lstStyle/>
+          <a:p>
+            <a:pPr indent="0" lvl="0" marL="0" rtl="0" algn="l">
+              <a:spcBef>
+                <a:spcPts val="0"/>
+              </a:spcBef>
+              <a:spcAft>
+                <a:spcPts val="0"/>
+              </a:spcAft>
+              <a:buNone/>
+            </a:pPr>
+            <a:r>
+              <a:rPr lang="ru"/>
+              <a:t>GIL</a:t>
+            </a:r>
+            <a:endParaRPr/>
+          </a:p>
+        </p:txBody>
+      </p:sp>
+      <p:sp>
+        <p:nvSpPr>
+          <p:cNvPr id="237" name="Google Shape;237;p42"/>
+          <p:cNvSpPr txBox="1"/>
+          <p:nvPr>
+            <p:ph idx="1" type="body"/>
+          </p:nvPr>
+        </p:nvSpPr>
+        <p:spPr>
+          <a:xfrm>
+            <a:off x="311700" y="1152475"/>
+            <a:ext cx="8520600" cy="3416400"/>
+          </a:xfrm>
+          <a:prstGeom prst="rect">
+            <a:avLst/>
+          </a:prstGeom>
+        </p:spPr>
+        <p:txBody>
+          <a:bodyPr anchorCtr="0" anchor="t" bIns="91425" lIns="91425" spcFirstLastPara="1" rIns="91425" wrap="square" tIns="91425">
+            <a:noAutofit/>
+          </a:bodyPr>
+          <a:lstStyle/>
+          <a:p>
+            <a:pPr indent="0" lvl="0" marL="0" rtl="0" algn="l">
+              <a:spcBef>
+                <a:spcPts val="0"/>
+              </a:spcBef>
+              <a:spcAft>
+                <a:spcPts val="0"/>
+              </a:spcAft>
+              <a:buNone/>
+            </a:pPr>
+            <a:r>
+              <a:rPr lang="ru"/>
+              <a:t>Зачем он нужен!?</a:t>
+            </a:r>
+            <a:endParaRPr/>
+          </a:p>
+          <a:p>
+            <a:pPr indent="-342900" lvl="0" marL="457200" rtl="0" algn="l">
+              <a:spcBef>
+                <a:spcPts val="1600"/>
+              </a:spcBef>
+              <a:spcAft>
+                <a:spcPts val="0"/>
+              </a:spcAft>
+              <a:buSzPts val="1800"/>
+              <a:buChar char="-"/>
+            </a:pPr>
+            <a:r>
+              <a:rPr lang="ru"/>
+              <a:t>Проблема</a:t>
+            </a:r>
+            <a:r>
+              <a:rPr lang="ru"/>
+              <a:t> с системой управления памятью</a:t>
+            </a:r>
+            <a:endParaRPr/>
+          </a:p>
+          <a:p>
+            <a:pPr indent="0" lvl="0" marL="0" rtl="0" algn="l">
+              <a:spcBef>
+                <a:spcPts val="1600"/>
+              </a:spcBef>
+              <a:spcAft>
+                <a:spcPts val="1600"/>
+              </a:spcAft>
+              <a:buNone/>
+            </a:pPr>
+            <a:r>
+              <a:rPr lang="ru"/>
+              <a:t>Несколько потоков могут менять состояние объекта одновременно, что может привести к </a:t>
+            </a:r>
+            <a:r>
+              <a:rPr lang="ru"/>
+              <a:t>некорректному</a:t>
+            </a:r>
+            <a:r>
+              <a:rPr lang="ru"/>
+              <a:t> поведению интерпретатора.</a:t>
+            </a:r>
+            <a:endParaRPr/>
+          </a:p>
+        </p:txBody>
+      </p:sp>
+    </p:spTree>
+  </p:cSld>
+  <p:clrMapOvr>
+    <a:masterClrMapping/>
+  </p:clrMapOvr>
+</p:sld>
+</file>
+
+<file path=ppt/slides/slide31.xml><?xml version="1.0" encoding="utf-8"?>
+<p:sld xmlns:a="http://schemas.openxmlformats.org/drawingml/2006/main" xmlns:r="http://schemas.openxmlformats.org/officeDocument/2006/relationships" xmlns:mc="http://schemas.openxmlformats.org/markup-compatibility/2006" xmlns:mv="urn:schemas-microsoft-com:mac:vml" xmlns:p="http://schemas.openxmlformats.org/presentationml/2006/main" xmlns:c="http://schemas.openxmlformats.org/drawingml/2006/chart" xmlns:dgm="http://schemas.openxmlformats.org/drawingml/2006/diagram" xmlns:o="urn:schemas-microsoft-com:office:office" xmlns:v="urn:schemas-microsoft-com:vml" xmlns:pvml="urn:schemas-microsoft-com:office:powerpoint" xmlns:com="http://schemas.openxmlformats.org/drawingml/2006/compatibility" xmlns:p14="http://schemas.microsoft.com/office/powerpoint/2010/main" xmlns:p15="http://schemas.microsoft.com/office/powerpoint/2012/main" xmlns:ahyp="http://schemas.microsoft.com/office/drawing/2018/hyperlinkcolor">
+  <p:cSld>
+    <p:spTree>
+      <p:nvGrpSpPr>
+        <p:cNvPr id="241" name="Shape 241"/>
+        <p:cNvGrpSpPr/>
+        <p:nvPr/>
+      </p:nvGrpSpPr>
+      <p:grpSpPr>
+        <a:xfrm>
+          <a:off x="0" y="0"/>
+          <a:ext cx="0" cy="0"/>
+          <a:chOff x="0" y="0"/>
+          <a:chExt cx="0" cy="0"/>
+        </a:xfrm>
+      </p:grpSpPr>
+      <p:sp>
+        <p:nvSpPr>
+          <p:cNvPr id="242" name="Google Shape;242;p43"/>
+          <p:cNvSpPr txBox="1"/>
+          <p:nvPr>
+            <p:ph type="title"/>
+          </p:nvPr>
+        </p:nvSpPr>
+        <p:spPr>
+          <a:xfrm>
+            <a:off x="311700" y="445025"/>
+            <a:ext cx="8520600" cy="572700"/>
+          </a:xfrm>
+          <a:prstGeom prst="rect">
+            <a:avLst/>
+          </a:prstGeom>
+        </p:spPr>
+        <p:txBody>
+          <a:bodyPr anchorCtr="0" anchor="t" bIns="91425" lIns="91425" spcFirstLastPara="1" rIns="91425" wrap="square" tIns="91425">
+            <a:noAutofit/>
+          </a:bodyPr>
+          <a:lstStyle/>
+          <a:p>
+            <a:pPr indent="0" lvl="0" marL="0" rtl="0" algn="l">
+              <a:spcBef>
+                <a:spcPts val="0"/>
+              </a:spcBef>
+              <a:spcAft>
+                <a:spcPts val="0"/>
+              </a:spcAft>
+              <a:buNone/>
+            </a:pPr>
+            <a:r>
+              <a:rPr lang="ru"/>
+              <a:t>CPU-bound операции</a:t>
+            </a:r>
+            <a:endParaRPr/>
+          </a:p>
+        </p:txBody>
+      </p:sp>
+      <p:sp>
+        <p:nvSpPr>
+          <p:cNvPr id="243" name="Google Shape;243;p43"/>
+          <p:cNvSpPr txBox="1"/>
+          <p:nvPr>
+            <p:ph idx="1" type="body"/>
+          </p:nvPr>
+        </p:nvSpPr>
+        <p:spPr>
+          <a:xfrm>
+            <a:off x="311700" y="1152475"/>
+            <a:ext cx="8520600" cy="3416400"/>
+          </a:xfrm>
+          <a:prstGeom prst="rect">
+            <a:avLst/>
+          </a:prstGeom>
+        </p:spPr>
+        <p:txBody>
+          <a:bodyPr anchorCtr="0" anchor="t" bIns="91425" lIns="91425" spcFirstLastPara="1" rIns="91425" wrap="square" tIns="91425">
+            <a:noAutofit/>
+          </a:bodyPr>
+          <a:lstStyle/>
+          <a:p>
+            <a:pPr indent="0" lvl="0" marL="0" rtl="0" algn="l">
+              <a:spcBef>
+                <a:spcPts val="0"/>
+              </a:spcBef>
+              <a:spcAft>
+                <a:spcPts val="0"/>
+              </a:spcAft>
+              <a:buNone/>
+            </a:pPr>
+            <a:r>
+              <a:rPr lang="ru"/>
+              <a:t>Вычислительные задачи требующие активного использования CPU - называются CPU-bound. Например</a:t>
+            </a:r>
+            <a:endParaRPr/>
+          </a:p>
+          <a:p>
+            <a:pPr indent="-342900" lvl="0" marL="457200" rtl="0" algn="l">
+              <a:spcBef>
+                <a:spcPts val="1600"/>
+              </a:spcBef>
+              <a:spcAft>
+                <a:spcPts val="0"/>
+              </a:spcAft>
+              <a:buSzPts val="1800"/>
+              <a:buChar char="-"/>
+            </a:pPr>
+            <a:r>
+              <a:rPr lang="ru"/>
+              <a:t>умножение матриц</a:t>
+            </a:r>
+            <a:endParaRPr/>
+          </a:p>
+          <a:p>
+            <a:pPr indent="-342900" lvl="0" marL="457200" rtl="0" algn="l">
+              <a:spcBef>
+                <a:spcPts val="0"/>
+              </a:spcBef>
+              <a:spcAft>
+                <a:spcPts val="0"/>
+              </a:spcAft>
+              <a:buSzPts val="1800"/>
+              <a:buChar char="-"/>
+            </a:pPr>
+            <a:r>
+              <a:rPr lang="ru"/>
+              <a:t>обработка</a:t>
+            </a:r>
+            <a:r>
+              <a:rPr lang="ru"/>
+              <a:t> изображений</a:t>
+            </a:r>
+            <a:endParaRPr/>
+          </a:p>
+          <a:p>
+            <a:pPr indent="-342900" lvl="0" marL="457200" rtl="0" algn="l">
+              <a:spcBef>
+                <a:spcPts val="0"/>
+              </a:spcBef>
+              <a:spcAft>
+                <a:spcPts val="0"/>
+              </a:spcAft>
+              <a:buSzPts val="1800"/>
+              <a:buChar char="-"/>
+            </a:pPr>
+            <a:r>
+              <a:rPr lang="ru"/>
+              <a:t>…</a:t>
+            </a:r>
+            <a:endParaRPr/>
+          </a:p>
+          <a:p>
+            <a:pPr indent="0" lvl="0" marL="0" rtl="0" algn="l">
+              <a:spcBef>
+                <a:spcPts val="1600"/>
+              </a:spcBef>
+              <a:spcAft>
+                <a:spcPts val="1600"/>
+              </a:spcAft>
+              <a:buNone/>
+            </a:pPr>
+            <a:r>
+              <a:rPr lang="ru"/>
+              <a:t>На такие операции, при условии, что они могут быть </a:t>
+            </a:r>
+            <a:r>
+              <a:rPr lang="ru"/>
+              <a:t>распараллелен</a:t>
+            </a:r>
+            <a:r>
+              <a:rPr lang="ru"/>
+              <a:t> очень сильно влияет GIL</a:t>
+            </a:r>
+            <a:endParaRPr/>
+          </a:p>
+        </p:txBody>
+      </p:sp>
+    </p:spTree>
+  </p:cSld>
+  <p:clrMapOvr>
+    <a:masterClrMapping/>
+  </p:clrMapOvr>
+</p:sld>
+</file>
+
+<file path=ppt/slides/slide32.xml><?xml version="1.0" encoding="utf-8"?>
+<p:sld xmlns:a="http://schemas.openxmlformats.org/drawingml/2006/main" xmlns:r="http://schemas.openxmlformats.org/officeDocument/2006/relationships" xmlns:mc="http://schemas.openxmlformats.org/markup-compatibility/2006" xmlns:mv="urn:schemas-microsoft-com:mac:vml" xmlns:p="http://schemas.openxmlformats.org/presentationml/2006/main" xmlns:c="http://schemas.openxmlformats.org/drawingml/2006/chart" xmlns:dgm="http://schemas.openxmlformats.org/drawingml/2006/diagram" xmlns:o="urn:schemas-microsoft-com:office:office" xmlns:v="urn:schemas-microsoft-com:vml" xmlns:pvml="urn:schemas-microsoft-com:office:powerpoint" xmlns:com="http://schemas.openxmlformats.org/drawingml/2006/compatibility" xmlns:p14="http://schemas.microsoft.com/office/powerpoint/2010/main" xmlns:p15="http://schemas.microsoft.com/office/powerpoint/2012/main" xmlns:ahyp="http://schemas.microsoft.com/office/drawing/2018/hyperlinkcolor">
+  <p:cSld>
+    <p:spTree>
+      <p:nvGrpSpPr>
+        <p:cNvPr id="247" name="Shape 247"/>
+        <p:cNvGrpSpPr/>
+        <p:nvPr/>
+      </p:nvGrpSpPr>
+      <p:grpSpPr>
+        <a:xfrm>
+          <a:off x="0" y="0"/>
+          <a:ext cx="0" cy="0"/>
+          <a:chOff x="0" y="0"/>
+          <a:chExt cx="0" cy="0"/>
+        </a:xfrm>
+      </p:grpSpPr>
+      <p:sp>
+        <p:nvSpPr>
+          <p:cNvPr id="248" name="Google Shape;248;p44"/>
+          <p:cNvSpPr txBox="1"/>
+          <p:nvPr>
+            <p:ph type="title"/>
+          </p:nvPr>
+        </p:nvSpPr>
+        <p:spPr>
+          <a:xfrm>
+            <a:off x="311700" y="445025"/>
+            <a:ext cx="8520600" cy="572700"/>
+          </a:xfrm>
+          <a:prstGeom prst="rect">
+            <a:avLst/>
+          </a:prstGeom>
+        </p:spPr>
+        <p:txBody>
+          <a:bodyPr anchorCtr="0" anchor="t" bIns="91425" lIns="91425" spcFirstLastPara="1" rIns="91425" wrap="square" tIns="91425">
+            <a:noAutofit/>
+          </a:bodyPr>
+          <a:lstStyle/>
+          <a:p>
+            <a:pPr indent="0" lvl="0" marL="0" rtl="0" algn="l">
+              <a:spcBef>
+                <a:spcPts val="0"/>
+              </a:spcBef>
+              <a:spcAft>
+                <a:spcPts val="0"/>
+              </a:spcAft>
+              <a:buNone/>
+            </a:pPr>
+            <a:r>
+              <a:rPr lang="ru"/>
+              <a:t>CPU-bound операции</a:t>
+            </a:r>
+            <a:endParaRPr/>
+          </a:p>
+        </p:txBody>
+      </p:sp>
+      <p:pic>
+        <p:nvPicPr>
+          <p:cNvPr id="249" name="Google Shape;249;p44"/>
+          <p:cNvPicPr preferRelativeResize="0"/>
+          <p:nvPr/>
+        </p:nvPicPr>
+        <p:blipFill>
+          <a:blip r:embed="rId3">
+            <a:alphaModFix/>
+          </a:blip>
+          <a:stretch>
+            <a:fillRect/>
+          </a:stretch>
+        </p:blipFill>
+        <p:spPr>
+          <a:xfrm>
+            <a:off x="1776025" y="1017725"/>
+            <a:ext cx="5319148" cy="3820974"/>
+          </a:xfrm>
+          <a:prstGeom prst="rect">
+            <a:avLst/>
+          </a:prstGeom>
+          <a:noFill/>
+          <a:ln>
+            <a:noFill/>
+          </a:ln>
+        </p:spPr>
+      </p:pic>
+    </p:spTree>
+  </p:cSld>
+  <p:clrMapOvr>
+    <a:masterClrMapping/>
+  </p:clrMapOvr>
+</p:sld>
+</file>
+
+<file path=ppt/slides/slide33.xml><?xml version="1.0" encoding="utf-8"?>
+<p:sld xmlns:a="http://schemas.openxmlformats.org/drawingml/2006/main" xmlns:r="http://schemas.openxmlformats.org/officeDocument/2006/relationships" xmlns:mc="http://schemas.openxmlformats.org/markup-compatibility/2006" xmlns:mv="urn:schemas-microsoft-com:mac:vml" xmlns:p="http://schemas.openxmlformats.org/presentationml/2006/main" xmlns:c="http://schemas.openxmlformats.org/drawingml/2006/chart" xmlns:dgm="http://schemas.openxmlformats.org/drawingml/2006/diagram" xmlns:o="urn:schemas-microsoft-com:office:office" xmlns:v="urn:schemas-microsoft-com:vml" xmlns:pvml="urn:schemas-microsoft-com:office:powerpoint" xmlns:com="http://schemas.openxmlformats.org/drawingml/2006/compatibility" xmlns:p14="http://schemas.microsoft.com/office/powerpoint/2010/main" xmlns:p15="http://schemas.microsoft.com/office/powerpoint/2012/main" xmlns:ahyp="http://schemas.microsoft.com/office/drawing/2018/hyperlinkcolor">
+  <p:cSld>
+    <p:spTree>
+      <p:nvGrpSpPr>
+        <p:cNvPr id="253" name="Shape 253"/>
+        <p:cNvGrpSpPr/>
+        <p:nvPr/>
+      </p:nvGrpSpPr>
+      <p:grpSpPr>
+        <a:xfrm>
+          <a:off x="0" y="0"/>
+          <a:ext cx="0" cy="0"/>
+          <a:chOff x="0" y="0"/>
+          <a:chExt cx="0" cy="0"/>
+        </a:xfrm>
+      </p:grpSpPr>
+      <p:sp>
+        <p:nvSpPr>
+          <p:cNvPr id="254" name="Google Shape;254;p45"/>
+          <p:cNvSpPr txBox="1"/>
+          <p:nvPr>
+            <p:ph type="title"/>
+          </p:nvPr>
+        </p:nvSpPr>
+        <p:spPr>
+          <a:xfrm>
+            <a:off x="311700" y="445025"/>
+            <a:ext cx="8520600" cy="572700"/>
+          </a:xfrm>
+          <a:prstGeom prst="rect">
+            <a:avLst/>
+          </a:prstGeom>
+        </p:spPr>
+        <p:txBody>
+          <a:bodyPr anchorCtr="0" anchor="t" bIns="91425" lIns="91425" spcFirstLastPara="1" rIns="91425" wrap="square" tIns="91425">
+            <a:noAutofit/>
+          </a:bodyPr>
+          <a:lstStyle/>
+          <a:p>
+            <a:pPr indent="0" lvl="0" marL="0" rtl="0" algn="l">
+              <a:spcBef>
+                <a:spcPts val="0"/>
+              </a:spcBef>
+              <a:spcAft>
+                <a:spcPts val="0"/>
+              </a:spcAft>
+              <a:buNone/>
+            </a:pPr>
+            <a:r>
+              <a:rPr lang="ru"/>
+              <a:t>IO-bound операции</a:t>
+            </a:r>
+            <a:endParaRPr/>
+          </a:p>
+        </p:txBody>
+      </p:sp>
+      <p:sp>
+        <p:nvSpPr>
+          <p:cNvPr id="255" name="Google Shape;255;p45"/>
+          <p:cNvSpPr txBox="1"/>
+          <p:nvPr>
+            <p:ph idx="1" type="body"/>
+          </p:nvPr>
+        </p:nvSpPr>
+        <p:spPr>
+          <a:xfrm>
+            <a:off x="311700" y="1152475"/>
+            <a:ext cx="8520600" cy="3416400"/>
+          </a:xfrm>
+          <a:prstGeom prst="rect">
+            <a:avLst/>
+          </a:prstGeom>
+        </p:spPr>
+        <p:txBody>
+          <a:bodyPr anchorCtr="0" anchor="t" bIns="91425" lIns="91425" spcFirstLastPara="1" rIns="91425" wrap="square" tIns="91425">
+            <a:noAutofit/>
+          </a:bodyPr>
+          <a:lstStyle/>
+          <a:p>
+            <a:pPr indent="0" lvl="0" marL="0" rtl="0" algn="l">
+              <a:spcBef>
+                <a:spcPts val="0"/>
+              </a:spcBef>
+              <a:spcAft>
+                <a:spcPts val="0"/>
+              </a:spcAft>
+              <a:buNone/>
+            </a:pPr>
+            <a:r>
+              <a:rPr lang="ru"/>
+              <a:t>Операции требующие ввода вывода данных из сторонних источников называются IO-bound</a:t>
+            </a:r>
+            <a:endParaRPr/>
+          </a:p>
+          <a:p>
+            <a:pPr indent="-342900" lvl="0" marL="457200" rtl="0" algn="l">
+              <a:spcBef>
+                <a:spcPts val="1600"/>
+              </a:spcBef>
+              <a:spcAft>
+                <a:spcPts val="0"/>
+              </a:spcAft>
+              <a:buSzPts val="1800"/>
+              <a:buChar char="-"/>
+            </a:pPr>
+            <a:r>
+              <a:rPr lang="ru"/>
+              <a:t>сетевое общение с источниками данных</a:t>
+            </a:r>
+            <a:endParaRPr/>
+          </a:p>
+          <a:p>
+            <a:pPr indent="-342900" lvl="0" marL="457200" rtl="0" algn="l">
+              <a:spcBef>
+                <a:spcPts val="0"/>
+              </a:spcBef>
+              <a:spcAft>
+                <a:spcPts val="0"/>
+              </a:spcAft>
+              <a:buSzPts val="1800"/>
+              <a:buChar char="-"/>
+            </a:pPr>
+            <a:r>
+              <a:rPr lang="ru"/>
+              <a:t>общение с другими системами OS</a:t>
+            </a:r>
+            <a:endParaRPr/>
+          </a:p>
+        </p:txBody>
+      </p:sp>
+    </p:spTree>
+  </p:cSld>
+  <p:clrMapOvr>
+    <a:masterClrMapping/>
+  </p:clrMapOvr>
+</p:sld>
+</file>
+
+<file path=ppt/slides/slide34.xml><?xml version="1.0" encoding="utf-8"?>
+<p:sld xmlns:a="http://schemas.openxmlformats.org/drawingml/2006/main" xmlns:r="http://schemas.openxmlformats.org/officeDocument/2006/relationships" xmlns:mc="http://schemas.openxmlformats.org/markup-compatibility/2006" xmlns:mv="urn:schemas-microsoft-com:mac:vml" xmlns:p="http://schemas.openxmlformats.org/presentationml/2006/main" xmlns:c="http://schemas.openxmlformats.org/drawingml/2006/chart" xmlns:dgm="http://schemas.openxmlformats.org/drawingml/2006/diagram" xmlns:o="urn:schemas-microsoft-com:office:office" xmlns:v="urn:schemas-microsoft-com:vml" xmlns:pvml="urn:schemas-microsoft-com:office:powerpoint" xmlns:com="http://schemas.openxmlformats.org/drawingml/2006/compatibility" xmlns:p14="http://schemas.microsoft.com/office/powerpoint/2010/main" xmlns:p15="http://schemas.microsoft.com/office/powerpoint/2012/main" xmlns:ahyp="http://schemas.microsoft.com/office/drawing/2018/hyperlinkcolor">
+  <p:cSld>
+    <p:spTree>
+      <p:nvGrpSpPr>
+        <p:cNvPr id="259" name="Shape 259"/>
+        <p:cNvGrpSpPr/>
+        <p:nvPr/>
+      </p:nvGrpSpPr>
+      <p:grpSpPr>
+        <a:xfrm>
+          <a:off x="0" y="0"/>
+          <a:ext cx="0" cy="0"/>
+          <a:chOff x="0" y="0"/>
+          <a:chExt cx="0" cy="0"/>
+        </a:xfrm>
+      </p:grpSpPr>
+      <p:sp>
+        <p:nvSpPr>
+          <p:cNvPr id="260" name="Google Shape;260;p46"/>
+          <p:cNvSpPr txBox="1"/>
+          <p:nvPr>
+            <p:ph type="title"/>
+          </p:nvPr>
+        </p:nvSpPr>
+        <p:spPr>
+          <a:xfrm>
+            <a:off x="311700" y="445025"/>
+            <a:ext cx="8520600" cy="572700"/>
+          </a:xfrm>
+          <a:prstGeom prst="rect">
+            <a:avLst/>
+          </a:prstGeom>
+        </p:spPr>
+        <p:txBody>
+          <a:bodyPr anchorCtr="0" anchor="t" bIns="91425" lIns="91425" spcFirstLastPara="1" rIns="91425" wrap="square" tIns="91425">
+            <a:noAutofit/>
+          </a:bodyPr>
+          <a:lstStyle/>
+          <a:p>
+            <a:pPr indent="0" lvl="0" marL="0" rtl="0" algn="l">
+              <a:spcBef>
+                <a:spcPts val="0"/>
+              </a:spcBef>
+              <a:spcAft>
+                <a:spcPts val="0"/>
+              </a:spcAft>
+              <a:buNone/>
+            </a:pPr>
+            <a:r>
+              <a:rPr lang="ru"/>
+              <a:t>Библиотеки</a:t>
+            </a:r>
+            <a:endParaRPr/>
+          </a:p>
+        </p:txBody>
+      </p:sp>
+      <p:sp>
+        <p:nvSpPr>
+          <p:cNvPr id="261" name="Google Shape;261;p46"/>
+          <p:cNvSpPr txBox="1"/>
+          <p:nvPr>
+            <p:ph idx="1" type="body"/>
+          </p:nvPr>
+        </p:nvSpPr>
+        <p:spPr>
+          <a:xfrm>
+            <a:off x="311700" y="1152475"/>
+            <a:ext cx="8520600" cy="3416400"/>
+          </a:xfrm>
+          <a:prstGeom prst="rect">
+            <a:avLst/>
+          </a:prstGeom>
+        </p:spPr>
+        <p:txBody>
+          <a:bodyPr anchorCtr="0" anchor="t" bIns="91425" lIns="91425" spcFirstLastPara="1" rIns="91425" wrap="square" tIns="91425">
+            <a:noAutofit/>
+          </a:bodyPr>
+          <a:lstStyle/>
+          <a:p>
+            <a:pPr indent="-342900" lvl="0" marL="457200" rtl="0" algn="l">
+              <a:spcBef>
+                <a:spcPts val="0"/>
+              </a:spcBef>
+              <a:spcAft>
+                <a:spcPts val="0"/>
+              </a:spcAft>
+              <a:buSzPts val="1800"/>
+              <a:buChar char="-"/>
+            </a:pPr>
+            <a:r>
+              <a:rPr lang="ru"/>
+              <a:t>ml/ds </a:t>
+            </a:r>
+            <a:endParaRPr/>
+          </a:p>
+          <a:p>
+            <a:pPr indent="-317500" lvl="1" marL="914400" rtl="0" algn="l">
+              <a:spcBef>
+                <a:spcPts val="0"/>
+              </a:spcBef>
+              <a:spcAft>
+                <a:spcPts val="0"/>
+              </a:spcAft>
+              <a:buSzPts val="1400"/>
+              <a:buChar char="-"/>
+            </a:pPr>
+            <a:r>
+              <a:rPr lang="ru" u="sng">
+                <a:solidFill>
+                  <a:schemeClr val="hlink"/>
+                </a:solidFill>
+                <a:hlinkClick r:id="rId3"/>
+              </a:rPr>
+              <a:t>scikit-learn</a:t>
+            </a:r>
+            <a:endParaRPr/>
+          </a:p>
+          <a:p>
+            <a:pPr indent="-317500" lvl="1" marL="914400" rtl="0" algn="l">
+              <a:spcBef>
+                <a:spcPts val="0"/>
+              </a:spcBef>
+              <a:spcAft>
+                <a:spcPts val="0"/>
+              </a:spcAft>
+              <a:buSzPts val="1400"/>
+              <a:buChar char="-"/>
+            </a:pPr>
+            <a:r>
+              <a:rPr lang="ru" u="sng">
+                <a:solidFill>
+                  <a:schemeClr val="hlink"/>
+                </a:solidFill>
+                <a:hlinkClick r:id="rId4"/>
+              </a:rPr>
+              <a:t>keras</a:t>
+            </a:r>
+            <a:endParaRPr/>
+          </a:p>
+          <a:p>
+            <a:pPr indent="-317500" lvl="1" marL="914400" rtl="0" algn="l">
+              <a:spcBef>
+                <a:spcPts val="0"/>
+              </a:spcBef>
+              <a:spcAft>
+                <a:spcPts val="0"/>
+              </a:spcAft>
+              <a:buSzPts val="1400"/>
+              <a:buChar char="-"/>
+            </a:pPr>
+            <a:r>
+              <a:rPr lang="ru"/>
+              <a:t>...</a:t>
+            </a:r>
+            <a:endParaRPr/>
+          </a:p>
+          <a:p>
+            <a:pPr indent="-342900" lvl="0" marL="457200" rtl="0" algn="l">
+              <a:spcBef>
+                <a:spcPts val="0"/>
+              </a:spcBef>
+              <a:spcAft>
+                <a:spcPts val="0"/>
+              </a:spcAft>
+              <a:buSzPts val="1800"/>
+              <a:buChar char="-"/>
+            </a:pPr>
+            <a:r>
+              <a:rPr lang="ru"/>
+              <a:t>science</a:t>
+            </a:r>
+            <a:endParaRPr/>
+          </a:p>
+          <a:p>
+            <a:pPr indent="-317500" lvl="1" marL="914400" rtl="0" algn="l">
+              <a:spcBef>
+                <a:spcPts val="0"/>
+              </a:spcBef>
+              <a:spcAft>
+                <a:spcPts val="0"/>
+              </a:spcAft>
+              <a:buSzPts val="1400"/>
+              <a:buChar char="-"/>
+            </a:pPr>
+            <a:r>
+              <a:rPr lang="ru" u="sng">
+                <a:solidFill>
+                  <a:schemeClr val="hlink"/>
+                </a:solidFill>
+                <a:hlinkClick r:id="rId5"/>
+              </a:rPr>
+              <a:t>scipy</a:t>
+            </a:r>
+            <a:endParaRPr/>
+          </a:p>
+          <a:p>
+            <a:pPr indent="-317500" lvl="1" marL="914400" rtl="0" algn="l">
+              <a:spcBef>
+                <a:spcPts val="0"/>
+              </a:spcBef>
+              <a:spcAft>
+                <a:spcPts val="0"/>
+              </a:spcAft>
+              <a:buSzPts val="1400"/>
+              <a:buChar char="-"/>
+            </a:pPr>
+            <a:r>
+              <a:rPr lang="ru" u="sng">
+                <a:solidFill>
+                  <a:schemeClr val="hlink"/>
+                </a:solidFill>
+                <a:hlinkClick r:id="rId6"/>
+              </a:rPr>
+              <a:t>numpy</a:t>
+            </a:r>
+            <a:endParaRPr/>
+          </a:p>
+          <a:p>
+            <a:pPr indent="-317500" lvl="1" marL="914400" rtl="0" algn="l">
+              <a:spcBef>
+                <a:spcPts val="0"/>
+              </a:spcBef>
+              <a:spcAft>
+                <a:spcPts val="0"/>
+              </a:spcAft>
+              <a:buSzPts val="1400"/>
+              <a:buChar char="-"/>
+            </a:pPr>
+            <a:r>
+              <a:rPr lang="ru"/>
+              <a:t>...</a:t>
+            </a:r>
+            <a:endParaRPr/>
+          </a:p>
+          <a:p>
+            <a:pPr indent="-342900" lvl="0" marL="457200" rtl="0" algn="l">
+              <a:spcBef>
+                <a:spcPts val="0"/>
+              </a:spcBef>
+              <a:spcAft>
+                <a:spcPts val="0"/>
+              </a:spcAft>
+              <a:buSzPts val="1800"/>
+              <a:buChar char="-"/>
+            </a:pPr>
+            <a:r>
+              <a:rPr lang="ru"/>
+              <a:t>визуализация данных</a:t>
+            </a:r>
+            <a:endParaRPr/>
+          </a:p>
+          <a:p>
+            <a:pPr indent="-317500" lvl="1" marL="914400" rtl="0" algn="l">
+              <a:spcBef>
+                <a:spcPts val="0"/>
+              </a:spcBef>
+              <a:spcAft>
+                <a:spcPts val="0"/>
+              </a:spcAft>
+              <a:buSzPts val="1400"/>
+              <a:buChar char="-"/>
+            </a:pPr>
+            <a:r>
+              <a:rPr lang="ru" u="sng">
+                <a:solidFill>
+                  <a:schemeClr val="hlink"/>
+                </a:solidFill>
+                <a:hlinkClick r:id="rId7"/>
+              </a:rPr>
+              <a:t>matplotlib</a:t>
+            </a:r>
+            <a:endParaRPr/>
+          </a:p>
+          <a:p>
+            <a:pPr indent="-317500" lvl="1" marL="914400" rtl="0" algn="l">
+              <a:spcBef>
+                <a:spcPts val="0"/>
+              </a:spcBef>
+              <a:spcAft>
+                <a:spcPts val="0"/>
+              </a:spcAft>
+              <a:buSzPts val="1400"/>
+              <a:buChar char="-"/>
+            </a:pPr>
+            <a:r>
+              <a:rPr lang="ru" u="sng">
+                <a:solidFill>
+                  <a:schemeClr val="hlink"/>
+                </a:solidFill>
+                <a:hlinkClick r:id="rId8"/>
+              </a:rPr>
+              <a:t>pandas</a:t>
+            </a:r>
+            <a:endParaRPr/>
+          </a:p>
+          <a:p>
+            <a:pPr indent="-317500" lvl="1" marL="914400" rtl="0" algn="l">
+              <a:spcBef>
+                <a:spcPts val="0"/>
+              </a:spcBef>
+              <a:spcAft>
+                <a:spcPts val="0"/>
+              </a:spcAft>
+              <a:buSzPts val="1400"/>
+              <a:buChar char="-"/>
+            </a:pPr>
+            <a:r>
+              <a:rPr lang="ru"/>
+              <a:t>...</a:t>
+            </a:r>
+            <a:endParaRPr/>
+          </a:p>
+        </p:txBody>
+      </p:sp>
+    </p:spTree>
+  </p:cSld>
+  <p:clrMapOvr>
+    <a:masterClrMapping/>
+  </p:clrMapOvr>
+</p:sld>
+</file>
+
+<file path=ppt/slides/slide35.xml><?xml version="1.0" encoding="utf-8"?>
+<p:sld xmlns:a="http://schemas.openxmlformats.org/drawingml/2006/main" xmlns:r="http://schemas.openxmlformats.org/officeDocument/2006/relationships" xmlns:mc="http://schemas.openxmlformats.org/markup-compatibility/2006" xmlns:mv="urn:schemas-microsoft-com:mac:vml" xmlns:p="http://schemas.openxmlformats.org/presentationml/2006/main" xmlns:c="http://schemas.openxmlformats.org/drawingml/2006/chart" xmlns:dgm="http://schemas.openxmlformats.org/drawingml/2006/diagram" xmlns:o="urn:schemas-microsoft-com:office:office" xmlns:v="urn:schemas-microsoft-com:vml" xmlns:pvml="urn:schemas-microsoft-com:office:powerpoint" xmlns:com="http://schemas.openxmlformats.org/drawingml/2006/compatibility" xmlns:p14="http://schemas.microsoft.com/office/powerpoint/2010/main" xmlns:p15="http://schemas.microsoft.com/office/powerpoint/2012/main" xmlns:ahyp="http://schemas.microsoft.com/office/drawing/2018/hyperlinkcolor">
+  <p:cSld>
+    <p:spTree>
+      <p:nvGrpSpPr>
+        <p:cNvPr id="265" name="Shape 265"/>
+        <p:cNvGrpSpPr/>
+        <p:nvPr/>
+      </p:nvGrpSpPr>
+      <p:grpSpPr>
+        <a:xfrm>
+          <a:off x="0" y="0"/>
+          <a:ext cx="0" cy="0"/>
+          <a:chOff x="0" y="0"/>
+          <a:chExt cx="0" cy="0"/>
+        </a:xfrm>
+      </p:grpSpPr>
+      <p:sp>
+        <p:nvSpPr>
+          <p:cNvPr id="266" name="Google Shape;266;p47"/>
+          <p:cNvSpPr txBox="1"/>
+          <p:nvPr>
+            <p:ph type="title"/>
+          </p:nvPr>
+        </p:nvSpPr>
+        <p:spPr>
+          <a:xfrm>
+            <a:off x="311700" y="2162925"/>
+            <a:ext cx="8520600" cy="572700"/>
+          </a:xfrm>
+          <a:prstGeom prst="rect">
+            <a:avLst/>
+          </a:prstGeom>
+        </p:spPr>
+        <p:txBody>
+          <a:bodyPr anchorCtr="0" anchor="t" bIns="91425" lIns="91425" spcFirstLastPara="1" rIns="91425" wrap="square" tIns="91425">
+            <a:noAutofit/>
+          </a:bodyPr>
+          <a:lstStyle/>
+          <a:p>
+            <a:pPr indent="0" lvl="0" marL="0" rtl="0" algn="l">
+              <a:spcBef>
+                <a:spcPts val="0"/>
+              </a:spcBef>
+              <a:spcAft>
+                <a:spcPts val="0"/>
+              </a:spcAft>
+              <a:buNone/>
+            </a:pPr>
+            <a:r>
+              <a:rPr lang="ru"/>
+              <a:t>Спасибо за внимание!</a:t>
+            </a:r>
+            <a:endParaRPr/>
+          </a:p>
+        </p:txBody>
+      </p:sp>
+    </p:spTree>
+  </p:cSld>
+  <p:clrMapOvr>
+    <a:masterClrMapping/>
+  </p:clrMapOvr>
+</p:sld>
+</file>
+
+<file path=ppt/slides/slide36.xml><?xml version="1.0" encoding="utf-8"?>
+<p:sld xmlns:a="http://schemas.openxmlformats.org/drawingml/2006/main" xmlns:r="http://schemas.openxmlformats.org/officeDocument/2006/relationships" xmlns:mc="http://schemas.openxmlformats.org/markup-compatibility/2006" xmlns:mv="urn:schemas-microsoft-com:mac:vml" xmlns:p="http://schemas.openxmlformats.org/presentationml/2006/main" xmlns:c="http://schemas.openxmlformats.org/drawingml/2006/chart" xmlns:dgm="http://schemas.openxmlformats.org/drawingml/2006/diagram" xmlns:o="urn:schemas-microsoft-com:office:office" xmlns:v="urn:schemas-microsoft-com:vml" xmlns:pvml="urn:schemas-microsoft-com:office:powerpoint" xmlns:com="http://schemas.openxmlformats.org/drawingml/2006/compatibility" xmlns:p14="http://schemas.microsoft.com/office/powerpoint/2010/main" xmlns:p15="http://schemas.microsoft.com/office/powerpoint/2012/main" xmlns:ahyp="http://schemas.microsoft.com/office/drawing/2018/hyperlinkcolor">
+  <p:cSld>
+    <p:spTree>
+      <p:nvGrpSpPr>
+        <p:cNvPr id="270" name="Shape 270"/>
+        <p:cNvGrpSpPr/>
+        <p:nvPr/>
+      </p:nvGrpSpPr>
+      <p:grpSpPr>
+        <a:xfrm>
+          <a:off x="0" y="0"/>
+          <a:ext cx="0" cy="0"/>
+          <a:chOff x="0" y="0"/>
+          <a:chExt cx="0" cy="0"/>
+        </a:xfrm>
+      </p:grpSpPr>
+      <p:sp>
+        <p:nvSpPr>
+          <p:cNvPr id="271" name="Google Shape;271;p48"/>
+          <p:cNvSpPr txBox="1"/>
+          <p:nvPr>
+            <p:ph type="title"/>
+          </p:nvPr>
+        </p:nvSpPr>
+        <p:spPr>
+          <a:xfrm>
+            <a:off x="311700" y="445025"/>
+            <a:ext cx="8520600" cy="572700"/>
+          </a:xfrm>
+          <a:prstGeom prst="rect">
+            <a:avLst/>
+          </a:prstGeom>
+        </p:spPr>
+        <p:txBody>
+          <a:bodyPr anchorCtr="0" anchor="t" bIns="91425" lIns="91425" spcFirstLastPara="1" rIns="91425" wrap="square" tIns="91425">
+            <a:noAutofit/>
+          </a:bodyPr>
+          <a:lstStyle/>
+          <a:p>
+            <a:pPr indent="0" lvl="0" marL="0" rtl="0" algn="l">
+              <a:spcBef>
+                <a:spcPts val="0"/>
+              </a:spcBef>
+              <a:spcAft>
+                <a:spcPts val="0"/>
+              </a:spcAft>
+              <a:buNone/>
+            </a:pPr>
+            <a:r>
+              <a:rPr lang="ru"/>
+              <a:t>Lab 4</a:t>
+            </a:r>
+            <a:endParaRPr/>
+          </a:p>
+        </p:txBody>
+      </p:sp>
+      <p:sp>
+        <p:nvSpPr>
+          <p:cNvPr id="272" name="Google Shape;272;p48"/>
+          <p:cNvSpPr txBox="1"/>
+          <p:nvPr>
+            <p:ph idx="1" type="body"/>
+          </p:nvPr>
+        </p:nvSpPr>
+        <p:spPr>
+          <a:xfrm>
+            <a:off x="311700" y="1152475"/>
+            <a:ext cx="8520600" cy="3416400"/>
+          </a:xfrm>
+          <a:prstGeom prst="rect">
+            <a:avLst/>
+          </a:prstGeom>
+        </p:spPr>
+        <p:txBody>
+          <a:bodyPr anchorCtr="0" anchor="t" bIns="91425" lIns="91425" spcFirstLastPara="1" rIns="91425" wrap="square" tIns="91425">
+            <a:noAutofit/>
+          </a:bodyPr>
+          <a:lstStyle/>
+          <a:p>
+            <a:pPr indent="0" lvl="0" marL="0" rtl="0" algn="l">
+              <a:spcBef>
+                <a:spcPts val="0"/>
+              </a:spcBef>
+              <a:spcAft>
+                <a:spcPts val="1600"/>
+              </a:spcAft>
+              <a:buNone/>
+            </a:pPr>
+            <a:r>
+              <a:rPr lang="ru" sz="1200">
+                <a:solidFill>
+                  <a:srgbClr val="24292F"/>
+                </a:solidFill>
+                <a:highlight>
+                  <a:srgbClr val="FFFFFF"/>
+                </a:highlight>
+              </a:rPr>
+              <a:t>Написать калькулятор </a:t>
+            </a:r>
+            <a:r>
+              <a:rPr lang="ru" sz="1200">
+                <a:solidFill>
+                  <a:srgbClr val="24292F"/>
+                </a:solidFill>
+                <a:highlight>
+                  <a:srgbClr val="FFFFFF"/>
+                </a:highlight>
+              </a:rPr>
+              <a:t>выполняющий</a:t>
+            </a:r>
+            <a:r>
+              <a:rPr lang="ru" sz="1200">
+                <a:solidFill>
+                  <a:srgbClr val="24292F"/>
+                </a:solidFill>
+                <a:highlight>
+                  <a:srgbClr val="FFFFFF"/>
+                </a:highlight>
+              </a:rPr>
+              <a:t> команды арифметических операций используя классы и стандартные библиотеки python. Калькулятор должен уметь исполнять команды, выводить ошибки о неверных значениях операндов, необъявленных переменных, неизвестных командах итп.</a:t>
+            </a:r>
+            <a:endParaRPr/>
+          </a:p>
+        </p:txBody>
+      </p:sp>
+    </p:spTree>
+  </p:cSld>
+  <p:clrMapOvr>
+    <a:masterClrMapping/>
+  </p:clrMapOvr>
+</p:sld>
+</file>
+
+<file path=ppt/slides/slide37.xml><?xml version="1.0" encoding="utf-8"?>
+<p:sld xmlns:a="http://schemas.openxmlformats.org/drawingml/2006/main" xmlns:r="http://schemas.openxmlformats.org/officeDocument/2006/relationships" xmlns:mc="http://schemas.openxmlformats.org/markup-compatibility/2006" xmlns:mv="urn:schemas-microsoft-com:mac:vml" xmlns:p="http://schemas.openxmlformats.org/presentationml/2006/main" xmlns:c="http://schemas.openxmlformats.org/drawingml/2006/chart" xmlns:dgm="http://schemas.openxmlformats.org/drawingml/2006/diagram" xmlns:o="urn:schemas-microsoft-com:office:office" xmlns:v="urn:schemas-microsoft-com:vml" xmlns:pvml="urn:schemas-microsoft-com:office:powerpoint" xmlns:com="http://schemas.openxmlformats.org/drawingml/2006/compatibility" xmlns:p14="http://schemas.microsoft.com/office/powerpoint/2010/main" xmlns:p15="http://schemas.microsoft.com/office/powerpoint/2012/main" xmlns:ahyp="http://schemas.microsoft.com/office/drawing/2018/hyperlinkcolor">
+  <p:cSld>
+    <p:spTree>
+      <p:nvGrpSpPr>
+        <p:cNvPr id="276" name="Shape 276"/>
+        <p:cNvGrpSpPr/>
+        <p:nvPr/>
+      </p:nvGrpSpPr>
+      <p:grpSpPr>
+        <a:xfrm>
+          <a:off x="0" y="0"/>
+          <a:ext cx="0" cy="0"/>
+          <a:chOff x="0" y="0"/>
+          <a:chExt cx="0" cy="0"/>
+        </a:xfrm>
+      </p:grpSpPr>
+      <p:sp>
+        <p:nvSpPr>
+          <p:cNvPr id="277" name="Google Shape;277;p49"/>
+          <p:cNvSpPr txBox="1"/>
+          <p:nvPr>
+            <p:ph type="title"/>
+          </p:nvPr>
+        </p:nvSpPr>
+        <p:spPr>
+          <a:xfrm>
+            <a:off x="311700" y="445025"/>
+            <a:ext cx="8520600" cy="572700"/>
+          </a:xfrm>
+          <a:prstGeom prst="rect">
+            <a:avLst/>
+          </a:prstGeom>
+        </p:spPr>
+        <p:txBody>
+          <a:bodyPr anchorCtr="0" anchor="t" bIns="91425" lIns="91425" spcFirstLastPara="1" rIns="91425" wrap="square" tIns="91425">
+            <a:noAutofit/>
+          </a:bodyPr>
+          <a:lstStyle/>
+          <a:p>
+            <a:pPr indent="0" lvl="0" marL="0" rtl="0" algn="l">
+              <a:spcBef>
+                <a:spcPts val="0"/>
+              </a:spcBef>
+              <a:spcAft>
+                <a:spcPts val="0"/>
+              </a:spcAft>
+              <a:buNone/>
+            </a:pPr>
+            <a:r>
+              <a:rPr lang="ru"/>
+              <a:t>Lab 4 (на 3)</a:t>
+            </a:r>
+            <a:endParaRPr/>
+          </a:p>
+        </p:txBody>
+      </p:sp>
+      <p:sp>
+        <p:nvSpPr>
+          <p:cNvPr id="278" name="Google Shape;278;p49"/>
+          <p:cNvSpPr txBox="1"/>
+          <p:nvPr>
+            <p:ph idx="1" type="body"/>
+          </p:nvPr>
+        </p:nvSpPr>
+        <p:spPr>
+          <a:xfrm>
+            <a:off x="311700" y="904100"/>
+            <a:ext cx="8520600" cy="3416400"/>
+          </a:xfrm>
+          <a:prstGeom prst="rect">
+            <a:avLst/>
+          </a:prstGeom>
+        </p:spPr>
+        <p:txBody>
+          <a:bodyPr anchorCtr="0" anchor="t" bIns="91425" lIns="91425" spcFirstLastPara="1" rIns="91425" wrap="square" tIns="91425">
+            <a:noAutofit/>
+          </a:bodyPr>
+          <a:lstStyle/>
+          <a:p>
+            <a:pPr indent="0" lvl="0" marL="0" rtl="0" algn="l">
+              <a:spcBef>
+                <a:spcPts val="0"/>
+              </a:spcBef>
+              <a:spcAft>
+                <a:spcPts val="0"/>
+              </a:spcAft>
+              <a:buClr>
+                <a:schemeClr val="dk1"/>
+              </a:buClr>
+              <a:buSzPts val="1100"/>
+              <a:buFont typeface="Arial"/>
+              <a:buNone/>
+            </a:pPr>
+            <a:r>
+              <a:rPr lang="ru" sz="1400">
+                <a:solidFill>
+                  <a:srgbClr val="666666"/>
+                </a:solidFill>
+                <a:highlight>
+                  <a:srgbClr val="FFFFFF"/>
+                </a:highlight>
+              </a:rPr>
+              <a:t>Р</a:t>
+            </a:r>
+            <a:r>
+              <a:rPr lang="ru" sz="1400">
+                <a:solidFill>
+                  <a:srgbClr val="666666"/>
+                </a:solidFill>
+                <a:highlight>
+                  <a:srgbClr val="FFFFFF"/>
+                </a:highlight>
+              </a:rPr>
+              <a:t>еализовать простой набор арифметических команд (сложение, вычитание, умножение, деление) с целыми числами и числами с плавающей точкой:</a:t>
+            </a:r>
+            <a:endParaRPr sz="1400">
+              <a:solidFill>
+                <a:srgbClr val="666666"/>
+              </a:solidFill>
+              <a:highlight>
+                <a:srgbClr val="FFFFFF"/>
+              </a:highlight>
+            </a:endParaRPr>
+          </a:p>
+          <a:p>
+            <a:pPr indent="-317500" lvl="0" marL="457200" rtl="0" algn="l">
+              <a:spcBef>
+                <a:spcPts val="1200"/>
+              </a:spcBef>
+              <a:spcAft>
+                <a:spcPts val="0"/>
+              </a:spcAft>
+              <a:buClr>
+                <a:srgbClr val="666666"/>
+              </a:buClr>
+              <a:buSzPts val="1400"/>
+              <a:buChar char="●"/>
+            </a:pPr>
+            <a:r>
+              <a:rPr lang="ru" sz="1400">
+                <a:solidFill>
+                  <a:srgbClr val="666666"/>
+                </a:solidFill>
+                <a:highlight>
+                  <a:srgbClr val="FFFFFF"/>
+                </a:highlight>
+                <a:latin typeface="Consolas"/>
+                <a:ea typeface="Consolas"/>
+                <a:cs typeface="Consolas"/>
+                <a:sym typeface="Consolas"/>
+              </a:rPr>
+              <a:t>ADD operand1 operand2</a:t>
+            </a:r>
+            <a:r>
+              <a:rPr lang="ru" sz="1400">
+                <a:solidFill>
+                  <a:srgbClr val="666666"/>
+                </a:solidFill>
+                <a:highlight>
+                  <a:srgbClr val="FFFFFF"/>
+                </a:highlight>
+              </a:rPr>
+              <a:t> --- </a:t>
+            </a:r>
+            <a:r>
+              <a:rPr lang="ru" sz="1400">
+                <a:solidFill>
+                  <a:srgbClr val="666666"/>
+                </a:solidFill>
+                <a:highlight>
+                  <a:srgbClr val="FFFFFF"/>
+                </a:highlight>
+                <a:latin typeface="Consolas"/>
+                <a:ea typeface="Consolas"/>
+                <a:cs typeface="Consolas"/>
+                <a:sym typeface="Consolas"/>
+              </a:rPr>
+              <a:t>operand1 + operand2</a:t>
+            </a:r>
+            <a:endParaRPr sz="1400">
+              <a:solidFill>
+                <a:srgbClr val="666666"/>
+              </a:solidFill>
+              <a:highlight>
+                <a:srgbClr val="FFFFFF"/>
+              </a:highlight>
+              <a:latin typeface="Consolas"/>
+              <a:ea typeface="Consolas"/>
+              <a:cs typeface="Consolas"/>
+              <a:sym typeface="Consolas"/>
+            </a:endParaRPr>
+          </a:p>
+          <a:p>
+            <a:pPr indent="-317500" lvl="0" marL="457200" rtl="0" algn="l">
+              <a:spcBef>
+                <a:spcPts val="0"/>
+              </a:spcBef>
+              <a:spcAft>
+                <a:spcPts val="0"/>
+              </a:spcAft>
+              <a:buClr>
+                <a:srgbClr val="666666"/>
+              </a:buClr>
+              <a:buSzPts val="1400"/>
+              <a:buChar char="●"/>
+            </a:pPr>
+            <a:r>
+              <a:rPr lang="ru" sz="1400">
+                <a:solidFill>
+                  <a:srgbClr val="666666"/>
+                </a:solidFill>
+                <a:highlight>
+                  <a:srgbClr val="FFFFFF"/>
+                </a:highlight>
+                <a:latin typeface="Consolas"/>
+                <a:ea typeface="Consolas"/>
+                <a:cs typeface="Consolas"/>
+                <a:sym typeface="Consolas"/>
+              </a:rPr>
+              <a:t>SUB operand1 operand2</a:t>
+            </a:r>
+            <a:r>
+              <a:rPr lang="ru" sz="1400">
+                <a:solidFill>
+                  <a:srgbClr val="666666"/>
+                </a:solidFill>
+                <a:highlight>
+                  <a:srgbClr val="FFFFFF"/>
+                </a:highlight>
+              </a:rPr>
+              <a:t> --- </a:t>
+            </a:r>
+            <a:r>
+              <a:rPr lang="ru" sz="1400">
+                <a:solidFill>
+                  <a:srgbClr val="666666"/>
+                </a:solidFill>
+                <a:highlight>
+                  <a:srgbClr val="FFFFFF"/>
+                </a:highlight>
+                <a:latin typeface="Consolas"/>
+                <a:ea typeface="Consolas"/>
+                <a:cs typeface="Consolas"/>
+                <a:sym typeface="Consolas"/>
+              </a:rPr>
+              <a:t>operand1 - operand2</a:t>
+            </a:r>
+            <a:endParaRPr sz="1400">
+              <a:solidFill>
+                <a:srgbClr val="666666"/>
+              </a:solidFill>
+              <a:highlight>
+                <a:srgbClr val="FFFFFF"/>
+              </a:highlight>
+              <a:latin typeface="Consolas"/>
+              <a:ea typeface="Consolas"/>
+              <a:cs typeface="Consolas"/>
+              <a:sym typeface="Consolas"/>
+            </a:endParaRPr>
+          </a:p>
+          <a:p>
+            <a:pPr indent="-317500" lvl="0" marL="457200" rtl="0" algn="l">
+              <a:spcBef>
+                <a:spcPts val="0"/>
+              </a:spcBef>
+              <a:spcAft>
+                <a:spcPts val="0"/>
+              </a:spcAft>
+              <a:buClr>
+                <a:srgbClr val="666666"/>
+              </a:buClr>
+              <a:buSzPts val="1400"/>
+              <a:buChar char="●"/>
+            </a:pPr>
+            <a:r>
+              <a:rPr lang="ru" sz="1400">
+                <a:solidFill>
+                  <a:srgbClr val="666666"/>
+                </a:solidFill>
+                <a:highlight>
+                  <a:srgbClr val="FFFFFF"/>
+                </a:highlight>
+                <a:latin typeface="Consolas"/>
+                <a:ea typeface="Consolas"/>
+                <a:cs typeface="Consolas"/>
+                <a:sym typeface="Consolas"/>
+              </a:rPr>
+              <a:t>MUL operand1 operand2</a:t>
+            </a:r>
+            <a:r>
+              <a:rPr lang="ru" sz="1400">
+                <a:solidFill>
+                  <a:srgbClr val="666666"/>
+                </a:solidFill>
+                <a:highlight>
+                  <a:srgbClr val="FFFFFF"/>
+                </a:highlight>
+              </a:rPr>
+              <a:t> --- </a:t>
+            </a:r>
+            <a:r>
+              <a:rPr lang="ru" sz="1400">
+                <a:solidFill>
+                  <a:srgbClr val="666666"/>
+                </a:solidFill>
+                <a:highlight>
+                  <a:srgbClr val="FFFFFF"/>
+                </a:highlight>
+                <a:latin typeface="Consolas"/>
+                <a:ea typeface="Consolas"/>
+                <a:cs typeface="Consolas"/>
+                <a:sym typeface="Consolas"/>
+              </a:rPr>
+              <a:t>operand1 * operand2</a:t>
+            </a:r>
+            <a:endParaRPr sz="1400">
+              <a:solidFill>
+                <a:srgbClr val="666666"/>
+              </a:solidFill>
+              <a:highlight>
+                <a:srgbClr val="FFFFFF"/>
+              </a:highlight>
+              <a:latin typeface="Consolas"/>
+              <a:ea typeface="Consolas"/>
+              <a:cs typeface="Consolas"/>
+              <a:sym typeface="Consolas"/>
+            </a:endParaRPr>
+          </a:p>
+          <a:p>
+            <a:pPr indent="-317500" lvl="0" marL="457200" rtl="0" algn="l">
+              <a:spcBef>
+                <a:spcPts val="0"/>
+              </a:spcBef>
+              <a:spcAft>
+                <a:spcPts val="0"/>
+              </a:spcAft>
+              <a:buClr>
+                <a:srgbClr val="666666"/>
+              </a:buClr>
+              <a:buSzPts val="1400"/>
+              <a:buChar char="●"/>
+            </a:pPr>
+            <a:r>
+              <a:rPr lang="ru" sz="1400">
+                <a:solidFill>
+                  <a:srgbClr val="666666"/>
+                </a:solidFill>
+                <a:highlight>
+                  <a:srgbClr val="FFFFFF"/>
+                </a:highlight>
+                <a:latin typeface="Consolas"/>
+                <a:ea typeface="Consolas"/>
+                <a:cs typeface="Consolas"/>
+                <a:sym typeface="Consolas"/>
+              </a:rPr>
+              <a:t>DIV operand1 operand2</a:t>
+            </a:r>
+            <a:r>
+              <a:rPr lang="ru" sz="1400">
+                <a:solidFill>
+                  <a:srgbClr val="666666"/>
+                </a:solidFill>
+                <a:highlight>
+                  <a:srgbClr val="FFFFFF"/>
+                </a:highlight>
+              </a:rPr>
+              <a:t> --- </a:t>
+            </a:r>
+            <a:r>
+              <a:rPr lang="ru" sz="1400">
+                <a:solidFill>
+                  <a:srgbClr val="666666"/>
+                </a:solidFill>
+                <a:highlight>
+                  <a:srgbClr val="FFFFFF"/>
+                </a:highlight>
+                <a:latin typeface="Consolas"/>
+                <a:ea typeface="Consolas"/>
+                <a:cs typeface="Consolas"/>
+                <a:sym typeface="Consolas"/>
+              </a:rPr>
+              <a:t>operand1 / operand2</a:t>
+            </a:r>
+            <a:endParaRPr sz="1400">
+              <a:solidFill>
+                <a:srgbClr val="666666"/>
+              </a:solidFill>
+            </a:endParaRPr>
+          </a:p>
+        </p:txBody>
+      </p:sp>
+    </p:spTree>
+  </p:cSld>
+  <p:clrMapOvr>
+    <a:masterClrMapping/>
+  </p:clrMapOvr>
+</p:sld>
+</file>
+
+<file path=ppt/slides/slide38.xml><?xml version="1.0" encoding="utf-8"?>
+<p:sld xmlns:a="http://schemas.openxmlformats.org/drawingml/2006/main" xmlns:r="http://schemas.openxmlformats.org/officeDocument/2006/relationships" xmlns:mc="http://schemas.openxmlformats.org/markup-compatibility/2006" xmlns:mv="urn:schemas-microsoft-com:mac:vml" xmlns:p="http://schemas.openxmlformats.org/presentationml/2006/main" xmlns:c="http://schemas.openxmlformats.org/drawingml/2006/chart" xmlns:dgm="http://schemas.openxmlformats.org/drawingml/2006/diagram" xmlns:o="urn:schemas-microsoft-com:office:office" xmlns:v="urn:schemas-microsoft-com:vml" xmlns:pvml="urn:schemas-microsoft-com:office:powerpoint" xmlns:com="http://schemas.openxmlformats.org/drawingml/2006/compatibility" xmlns:p14="http://schemas.microsoft.com/office/powerpoint/2010/main" xmlns:p15="http://schemas.microsoft.com/office/powerpoint/2012/main" xmlns:ahyp="http://schemas.microsoft.com/office/drawing/2018/hyperlinkcolor">
+  <p:cSld>
+    <p:spTree>
+      <p:nvGrpSpPr>
+        <p:cNvPr id="282" name="Shape 282"/>
+        <p:cNvGrpSpPr/>
+        <p:nvPr/>
+      </p:nvGrpSpPr>
+      <p:grpSpPr>
+        <a:xfrm>
+          <a:off x="0" y="0"/>
+          <a:ext cx="0" cy="0"/>
+          <a:chOff x="0" y="0"/>
+          <a:chExt cx="0" cy="0"/>
+        </a:xfrm>
+      </p:grpSpPr>
+      <p:sp>
+        <p:nvSpPr>
+          <p:cNvPr id="283" name="Google Shape;283;p50"/>
+          <p:cNvSpPr txBox="1"/>
+          <p:nvPr>
+            <p:ph idx="1" type="body"/>
+          </p:nvPr>
+        </p:nvSpPr>
+        <p:spPr>
+          <a:xfrm>
+            <a:off x="311700" y="904100"/>
+            <a:ext cx="8520600" cy="3416400"/>
+          </a:xfrm>
+          <a:prstGeom prst="rect">
+            <a:avLst/>
+          </a:prstGeom>
+        </p:spPr>
+        <p:txBody>
+          <a:bodyPr anchorCtr="0" anchor="t" bIns="91425" lIns="91425" spcFirstLastPara="1" rIns="91425" wrap="square" tIns="91425">
+            <a:noAutofit/>
+          </a:bodyPr>
+          <a:lstStyle/>
+          <a:p>
+            <a:pPr indent="0" lvl="0" marL="0" rtl="0" algn="l">
+              <a:lnSpc>
+                <a:spcPct val="100000"/>
+              </a:lnSpc>
+              <a:spcBef>
+                <a:spcPts val="0"/>
+              </a:spcBef>
+              <a:spcAft>
+                <a:spcPts val="0"/>
+              </a:spcAft>
+              <a:buNone/>
+            </a:pPr>
+            <a:r>
+              <a:rPr lang="ru" sz="1200">
+                <a:solidFill>
+                  <a:srgbClr val="666666"/>
+                </a:solidFill>
+                <a:highlight>
+                  <a:srgbClr val="FFFFFF"/>
+                </a:highlight>
+              </a:rPr>
+              <a:t>3 + </a:t>
+            </a:r>
+            <a:r>
+              <a:rPr lang="ru" sz="1200">
+                <a:solidFill>
+                  <a:srgbClr val="666666"/>
+                </a:solidFill>
+                <a:highlight>
+                  <a:srgbClr val="FFFFFF"/>
+                </a:highlight>
+              </a:rPr>
+              <a:t>Реализовать работу с переменными (перед работой с переменной в калькуляторе её обязательно нужно объявлять, если переменная не объявлена, то калькулятор должен сообщить об этом в строке вывода)!</a:t>
+            </a:r>
+            <a:endParaRPr sz="1200">
+              <a:solidFill>
+                <a:srgbClr val="666666"/>
+              </a:solidFill>
+              <a:highlight>
+                <a:srgbClr val="FFFFFF"/>
+              </a:highlight>
+            </a:endParaRPr>
+          </a:p>
+          <a:p>
+            <a:pPr indent="-304800" lvl="0" marL="457200" rtl="0" algn="l">
+              <a:lnSpc>
+                <a:spcPct val="100000"/>
+              </a:lnSpc>
+              <a:spcBef>
+                <a:spcPts val="100"/>
+              </a:spcBef>
+              <a:spcAft>
+                <a:spcPts val="0"/>
+              </a:spcAft>
+              <a:buClr>
+                <a:srgbClr val="666666"/>
+              </a:buClr>
+              <a:buSzPts val="1200"/>
+              <a:buChar char="●"/>
+            </a:pPr>
+            <a:r>
+              <a:rPr lang="ru" sz="1000">
+                <a:solidFill>
+                  <a:srgbClr val="666666"/>
+                </a:solidFill>
+                <a:highlight>
+                  <a:srgbClr val="FFFFFF"/>
+                </a:highlight>
+                <a:latin typeface="Consolas"/>
+                <a:ea typeface="Consolas"/>
+                <a:cs typeface="Consolas"/>
+                <a:sym typeface="Consolas"/>
+              </a:rPr>
+              <a:t>SET var_name var_value</a:t>
+            </a:r>
+            <a:r>
+              <a:rPr lang="ru" sz="1200">
+                <a:solidFill>
+                  <a:srgbClr val="666666"/>
+                </a:solidFill>
+                <a:highlight>
+                  <a:srgbClr val="FFFFFF"/>
+                </a:highlight>
+              </a:rPr>
+              <a:t> --- </a:t>
+            </a:r>
+            <a:r>
+              <a:rPr lang="ru" sz="1000">
+                <a:solidFill>
+                  <a:srgbClr val="666666"/>
+                </a:solidFill>
+                <a:highlight>
+                  <a:srgbClr val="FFFFFF"/>
+                </a:highlight>
+                <a:latin typeface="Consolas"/>
+                <a:ea typeface="Consolas"/>
+                <a:cs typeface="Consolas"/>
+                <a:sym typeface="Consolas"/>
+              </a:rPr>
+              <a:t>var_name = var_value</a:t>
+            </a:r>
+            <a:r>
+              <a:rPr lang="ru" sz="1200">
+                <a:solidFill>
+                  <a:srgbClr val="666666"/>
+                </a:solidFill>
+                <a:highlight>
+                  <a:srgbClr val="FFFFFF"/>
+                </a:highlight>
+              </a:rPr>
+              <a:t> - объявление переменной и присваивание ей определенного значения</a:t>
+            </a:r>
+            <a:endParaRPr sz="1200">
+              <a:solidFill>
+                <a:srgbClr val="666666"/>
+              </a:solidFill>
+              <a:highlight>
+                <a:srgbClr val="FFFFFF"/>
+              </a:highlight>
+            </a:endParaRPr>
+          </a:p>
+          <a:p>
+            <a:pPr indent="-304800" lvl="0" marL="457200" rtl="0" algn="l">
+              <a:lnSpc>
+                <a:spcPct val="100000"/>
+              </a:lnSpc>
+              <a:spcBef>
+                <a:spcPts val="100"/>
+              </a:spcBef>
+              <a:spcAft>
+                <a:spcPts val="0"/>
+              </a:spcAft>
+              <a:buClr>
+                <a:srgbClr val="666666"/>
+              </a:buClr>
+              <a:buSzPts val="1200"/>
+              <a:buChar char="●"/>
+            </a:pPr>
+            <a:r>
+              <a:rPr lang="ru" sz="1000">
+                <a:solidFill>
+                  <a:srgbClr val="666666"/>
+                </a:solidFill>
+                <a:highlight>
+                  <a:srgbClr val="FFFFFF"/>
+                </a:highlight>
+                <a:latin typeface="Consolas"/>
+                <a:ea typeface="Consolas"/>
+                <a:cs typeface="Consolas"/>
+                <a:sym typeface="Consolas"/>
+              </a:rPr>
+              <a:t>PRINT var_name</a:t>
+            </a:r>
+            <a:r>
+              <a:rPr lang="ru" sz="1200">
+                <a:solidFill>
+                  <a:srgbClr val="666666"/>
+                </a:solidFill>
+                <a:highlight>
+                  <a:srgbClr val="FFFFFF"/>
+                </a:highlight>
+              </a:rPr>
+              <a:t> --- </a:t>
+            </a:r>
+            <a:r>
+              <a:rPr lang="ru" sz="1000">
+                <a:solidFill>
+                  <a:srgbClr val="666666"/>
+                </a:solidFill>
+                <a:highlight>
+                  <a:srgbClr val="FFFFFF"/>
+                </a:highlight>
+                <a:latin typeface="Consolas"/>
+                <a:ea typeface="Consolas"/>
+                <a:cs typeface="Consolas"/>
+                <a:sym typeface="Consolas"/>
+              </a:rPr>
+              <a:t>print(var_name)</a:t>
+            </a:r>
+            <a:r>
+              <a:rPr lang="ru" sz="1200">
+                <a:solidFill>
+                  <a:srgbClr val="666666"/>
+                </a:solidFill>
+                <a:highlight>
+                  <a:srgbClr val="FFFFFF"/>
+                </a:highlight>
+              </a:rPr>
+              <a:t> - вывод значения переменной</a:t>
+            </a:r>
+            <a:endParaRPr sz="1200">
+              <a:solidFill>
+                <a:srgbClr val="666666"/>
+              </a:solidFill>
+              <a:highlight>
+                <a:srgbClr val="FFFFFF"/>
+              </a:highlight>
+            </a:endParaRPr>
+          </a:p>
+          <a:p>
+            <a:pPr indent="-304800" lvl="0" marL="457200" rtl="0" algn="l">
+              <a:lnSpc>
+                <a:spcPct val="100000"/>
+              </a:lnSpc>
+              <a:spcBef>
+                <a:spcPts val="100"/>
+              </a:spcBef>
+              <a:spcAft>
+                <a:spcPts val="0"/>
+              </a:spcAft>
+              <a:buClr>
+                <a:srgbClr val="666666"/>
+              </a:buClr>
+              <a:buSzPts val="1200"/>
+              <a:buChar char="●"/>
+            </a:pPr>
+            <a:r>
+              <a:rPr lang="ru" sz="1200">
+                <a:solidFill>
+                  <a:srgbClr val="666666"/>
+                </a:solidFill>
+                <a:highlight>
+                  <a:srgbClr val="FFFFFF"/>
+                </a:highlight>
+              </a:rPr>
+              <a:t>в базовом наборе команд могут использоваться переменные, причем</a:t>
+            </a:r>
+            <a:endParaRPr sz="1200">
+              <a:solidFill>
+                <a:srgbClr val="666666"/>
+              </a:solidFill>
+              <a:highlight>
+                <a:srgbClr val="FFFFFF"/>
+              </a:highlight>
+            </a:endParaRPr>
+          </a:p>
+          <a:p>
+            <a:pPr indent="-304800" lvl="1" marL="914400" rtl="0" algn="l">
+              <a:lnSpc>
+                <a:spcPct val="100000"/>
+              </a:lnSpc>
+              <a:spcBef>
+                <a:spcPts val="100"/>
+              </a:spcBef>
+              <a:spcAft>
+                <a:spcPts val="0"/>
+              </a:spcAft>
+              <a:buClr>
+                <a:srgbClr val="666666"/>
+              </a:buClr>
+              <a:buSzPts val="1200"/>
+              <a:buChar char="○"/>
+            </a:pPr>
+            <a:r>
+              <a:rPr lang="ru" sz="1200">
+                <a:solidFill>
+                  <a:srgbClr val="666666"/>
+                </a:solidFill>
+                <a:highlight>
+                  <a:srgbClr val="FFFFFF"/>
+                </a:highlight>
+              </a:rPr>
+              <a:t>если переменная в правом операнде, то используется ее значение:</a:t>
+            </a:r>
+            <a:endParaRPr sz="1200">
+              <a:solidFill>
+                <a:srgbClr val="666666"/>
+              </a:solidFill>
+              <a:highlight>
+                <a:srgbClr val="FFFFFF"/>
+              </a:highlight>
+            </a:endParaRPr>
+          </a:p>
+          <a:p>
+            <a:pPr indent="0" lvl="0" marL="457200" rtl="0" algn="l">
+              <a:lnSpc>
+                <a:spcPct val="100000"/>
+              </a:lnSpc>
+              <a:spcBef>
+                <a:spcPts val="100"/>
+              </a:spcBef>
+              <a:spcAft>
+                <a:spcPts val="0"/>
+              </a:spcAft>
+              <a:buNone/>
+            </a:pPr>
+            <a:r>
+              <a:rPr lang="ru" sz="1000">
+                <a:solidFill>
+                  <a:srgbClr val="666666"/>
+                </a:solidFill>
+                <a:highlight>
+                  <a:srgbClr val="FFFFFF"/>
+                </a:highlight>
+                <a:latin typeface="Consolas"/>
+                <a:ea typeface="Consolas"/>
+                <a:cs typeface="Consolas"/>
+                <a:sym typeface="Consolas"/>
+              </a:rPr>
+              <a:t>&gt;&gt;&gt; SET x 5</a:t>
+            </a:r>
+            <a:endParaRPr sz="1000">
+              <a:solidFill>
+                <a:srgbClr val="666666"/>
+              </a:solidFill>
+              <a:highlight>
+                <a:srgbClr val="FFFFFF"/>
+              </a:highlight>
+              <a:latin typeface="Consolas"/>
+              <a:ea typeface="Consolas"/>
+              <a:cs typeface="Consolas"/>
+              <a:sym typeface="Consolas"/>
+            </a:endParaRPr>
+          </a:p>
+          <a:p>
+            <a:pPr indent="0" lvl="0" marL="457200" rtl="0" algn="l">
+              <a:lnSpc>
+                <a:spcPct val="100000"/>
+              </a:lnSpc>
+              <a:spcBef>
+                <a:spcPts val="100"/>
+              </a:spcBef>
+              <a:spcAft>
+                <a:spcPts val="0"/>
+              </a:spcAft>
+              <a:buNone/>
+            </a:pPr>
+            <a:r>
+              <a:rPr lang="ru" sz="1000">
+                <a:solidFill>
+                  <a:srgbClr val="666666"/>
+                </a:solidFill>
+                <a:highlight>
+                  <a:srgbClr val="FFFFFF"/>
+                </a:highlight>
+                <a:latin typeface="Consolas"/>
+                <a:ea typeface="Consolas"/>
+                <a:cs typeface="Consolas"/>
+                <a:sym typeface="Consolas"/>
+              </a:rPr>
+              <a:t>&gt;&gt;&gt; ADD 2 x   // ADD 2 5</a:t>
+            </a:r>
+            <a:endParaRPr sz="1000">
+              <a:solidFill>
+                <a:srgbClr val="666666"/>
+              </a:solidFill>
+              <a:highlight>
+                <a:srgbClr val="FFFFFF"/>
+              </a:highlight>
+              <a:latin typeface="Consolas"/>
+              <a:ea typeface="Consolas"/>
+              <a:cs typeface="Consolas"/>
+              <a:sym typeface="Consolas"/>
+            </a:endParaRPr>
+          </a:p>
+          <a:p>
+            <a:pPr indent="457200" lvl="0" marL="0" rtl="0" algn="l">
+              <a:lnSpc>
+                <a:spcPct val="100000"/>
+              </a:lnSpc>
+              <a:spcBef>
+                <a:spcPts val="100"/>
+              </a:spcBef>
+              <a:spcAft>
+                <a:spcPts val="0"/>
+              </a:spcAft>
+              <a:buNone/>
+            </a:pPr>
+            <a:r>
+              <a:rPr lang="ru" sz="1000">
+                <a:solidFill>
+                  <a:srgbClr val="666666"/>
+                </a:solidFill>
+                <a:highlight>
+                  <a:srgbClr val="FFFFFF"/>
+                </a:highlight>
+                <a:latin typeface="Consolas"/>
+                <a:ea typeface="Consolas"/>
+                <a:cs typeface="Consolas"/>
+                <a:sym typeface="Consolas"/>
+              </a:rPr>
+              <a:t>7</a:t>
+            </a:r>
+            <a:endParaRPr sz="1000">
+              <a:solidFill>
+                <a:srgbClr val="666666"/>
+              </a:solidFill>
+              <a:highlight>
+                <a:srgbClr val="FFFFFF"/>
+              </a:highlight>
+              <a:latin typeface="Consolas"/>
+              <a:ea typeface="Consolas"/>
+              <a:cs typeface="Consolas"/>
+              <a:sym typeface="Consolas"/>
+            </a:endParaRPr>
+          </a:p>
+          <a:p>
+            <a:pPr indent="-304800" lvl="1" marL="914400" rtl="0" algn="l">
+              <a:lnSpc>
+                <a:spcPct val="100000"/>
+              </a:lnSpc>
+              <a:spcBef>
+                <a:spcPts val="100"/>
+              </a:spcBef>
+              <a:spcAft>
+                <a:spcPts val="0"/>
+              </a:spcAft>
+              <a:buClr>
+                <a:srgbClr val="666666"/>
+              </a:buClr>
+              <a:buSzPts val="1200"/>
+              <a:buChar char="○"/>
+            </a:pPr>
+            <a:r>
+              <a:rPr lang="ru" sz="1200">
+                <a:solidFill>
+                  <a:srgbClr val="666666"/>
+                </a:solidFill>
+                <a:highlight>
+                  <a:srgbClr val="FFFFFF"/>
+                </a:highlight>
+              </a:rPr>
+              <a:t>если переменная в левом операнде, то используется её значение и результат выражения присваивается этой переменной:</a:t>
+            </a:r>
+            <a:endParaRPr sz="1200">
+              <a:solidFill>
+                <a:srgbClr val="666666"/>
+              </a:solidFill>
+              <a:highlight>
+                <a:srgbClr val="FFFFFF"/>
+              </a:highlight>
+            </a:endParaRPr>
+          </a:p>
+          <a:p>
+            <a:pPr indent="0" lvl="0" marL="457200" rtl="0" algn="l">
+              <a:lnSpc>
+                <a:spcPct val="100000"/>
+              </a:lnSpc>
+              <a:spcBef>
+                <a:spcPts val="100"/>
+              </a:spcBef>
+              <a:spcAft>
+                <a:spcPts val="0"/>
+              </a:spcAft>
+              <a:buNone/>
+            </a:pPr>
+            <a:r>
+              <a:rPr lang="ru" sz="1000">
+                <a:solidFill>
+                  <a:srgbClr val="666666"/>
+                </a:solidFill>
+                <a:highlight>
+                  <a:srgbClr val="FFFFFF"/>
+                </a:highlight>
+                <a:latin typeface="Consolas"/>
+                <a:ea typeface="Consolas"/>
+                <a:cs typeface="Consolas"/>
+                <a:sym typeface="Consolas"/>
+              </a:rPr>
+              <a:t>&gt;&gt;&gt; SET x 5</a:t>
+            </a:r>
+            <a:endParaRPr sz="1000">
+              <a:solidFill>
+                <a:srgbClr val="666666"/>
+              </a:solidFill>
+              <a:highlight>
+                <a:srgbClr val="FFFFFF"/>
+              </a:highlight>
+              <a:latin typeface="Consolas"/>
+              <a:ea typeface="Consolas"/>
+              <a:cs typeface="Consolas"/>
+              <a:sym typeface="Consolas"/>
+            </a:endParaRPr>
+          </a:p>
+          <a:p>
+            <a:pPr indent="0" lvl="0" marL="457200" rtl="0" algn="l">
+              <a:lnSpc>
+                <a:spcPct val="100000"/>
+              </a:lnSpc>
+              <a:spcBef>
+                <a:spcPts val="100"/>
+              </a:spcBef>
+              <a:spcAft>
+                <a:spcPts val="0"/>
+              </a:spcAft>
+              <a:buNone/>
+            </a:pPr>
+            <a:r>
+              <a:rPr lang="ru" sz="1000">
+                <a:solidFill>
+                  <a:srgbClr val="666666"/>
+                </a:solidFill>
+                <a:highlight>
+                  <a:srgbClr val="FFFFFF"/>
+                </a:highlight>
+                <a:latin typeface="Consolas"/>
+                <a:ea typeface="Consolas"/>
+                <a:cs typeface="Consolas"/>
+                <a:sym typeface="Consolas"/>
+              </a:rPr>
+              <a:t>&gt;&gt;&gt; ADD x 2   // x += 2</a:t>
+            </a:r>
+            <a:endParaRPr sz="1000">
+              <a:solidFill>
+                <a:srgbClr val="666666"/>
+              </a:solidFill>
+              <a:highlight>
+                <a:srgbClr val="FFFFFF"/>
+              </a:highlight>
+              <a:latin typeface="Consolas"/>
+              <a:ea typeface="Consolas"/>
+              <a:cs typeface="Consolas"/>
+              <a:sym typeface="Consolas"/>
+            </a:endParaRPr>
+          </a:p>
+          <a:p>
+            <a:pPr indent="0" lvl="0" marL="457200" rtl="0" algn="l">
+              <a:lnSpc>
+                <a:spcPct val="100000"/>
+              </a:lnSpc>
+              <a:spcBef>
+                <a:spcPts val="100"/>
+              </a:spcBef>
+              <a:spcAft>
+                <a:spcPts val="0"/>
+              </a:spcAft>
+              <a:buNone/>
+            </a:pPr>
+            <a:r>
+              <a:rPr lang="ru" sz="1000">
+                <a:solidFill>
+                  <a:srgbClr val="666666"/>
+                </a:solidFill>
+                <a:highlight>
+                  <a:srgbClr val="FFFFFF"/>
+                </a:highlight>
+                <a:latin typeface="Consolas"/>
+                <a:ea typeface="Consolas"/>
+                <a:cs typeface="Consolas"/>
+                <a:sym typeface="Consolas"/>
+              </a:rPr>
+              <a:t>&gt;&gt;&gt; MUL x 2   // x *= 2</a:t>
+            </a:r>
+            <a:endParaRPr sz="1000">
+              <a:solidFill>
+                <a:srgbClr val="666666"/>
+              </a:solidFill>
+              <a:highlight>
+                <a:srgbClr val="FFFFFF"/>
+              </a:highlight>
+              <a:latin typeface="Consolas"/>
+              <a:ea typeface="Consolas"/>
+              <a:cs typeface="Consolas"/>
+              <a:sym typeface="Consolas"/>
+            </a:endParaRPr>
+          </a:p>
+          <a:p>
+            <a:pPr indent="0" lvl="0" marL="457200" rtl="0" algn="l">
+              <a:lnSpc>
+                <a:spcPct val="100000"/>
+              </a:lnSpc>
+              <a:spcBef>
+                <a:spcPts val="100"/>
+              </a:spcBef>
+              <a:spcAft>
+                <a:spcPts val="0"/>
+              </a:spcAft>
+              <a:buNone/>
+            </a:pPr>
+            <a:r>
+              <a:rPr lang="ru" sz="1000">
+                <a:solidFill>
+                  <a:srgbClr val="666666"/>
+                </a:solidFill>
+                <a:highlight>
+                  <a:srgbClr val="FFFFFF"/>
+                </a:highlight>
+                <a:latin typeface="Consolas"/>
+                <a:ea typeface="Consolas"/>
+                <a:cs typeface="Consolas"/>
+                <a:sym typeface="Consolas"/>
+              </a:rPr>
+              <a:t>&gt;&gt;&gt; PRINT x</a:t>
+            </a:r>
+            <a:endParaRPr sz="1000">
+              <a:solidFill>
+                <a:srgbClr val="666666"/>
+              </a:solidFill>
+              <a:highlight>
+                <a:srgbClr val="FFFFFF"/>
+              </a:highlight>
+              <a:latin typeface="Consolas"/>
+              <a:ea typeface="Consolas"/>
+              <a:cs typeface="Consolas"/>
+              <a:sym typeface="Consolas"/>
+            </a:endParaRPr>
+          </a:p>
+          <a:p>
+            <a:pPr indent="0" lvl="0" marL="457200" rtl="0" algn="l">
+              <a:lnSpc>
+                <a:spcPct val="100000"/>
+              </a:lnSpc>
+              <a:spcBef>
+                <a:spcPts val="100"/>
+              </a:spcBef>
+              <a:spcAft>
+                <a:spcPts val="100"/>
+              </a:spcAft>
+              <a:buNone/>
+            </a:pPr>
+            <a:r>
+              <a:rPr lang="ru" sz="1000">
+                <a:solidFill>
+                  <a:srgbClr val="666666"/>
+                </a:solidFill>
+                <a:highlight>
+                  <a:srgbClr val="FFFFFF"/>
+                </a:highlight>
+                <a:latin typeface="Consolas"/>
+                <a:ea typeface="Consolas"/>
+                <a:cs typeface="Consolas"/>
+                <a:sym typeface="Consolas"/>
+              </a:rPr>
+              <a:t>14</a:t>
+            </a:r>
+            <a:endParaRPr sz="1200">
+              <a:solidFill>
+                <a:srgbClr val="666666"/>
+              </a:solidFill>
+              <a:highlight>
+                <a:srgbClr val="FFFFFF"/>
+              </a:highlight>
+            </a:endParaRPr>
+          </a:p>
+        </p:txBody>
+      </p:sp>
+      <p:sp>
+        <p:nvSpPr>
+          <p:cNvPr id="284" name="Google Shape;284;p50"/>
+          <p:cNvSpPr txBox="1"/>
+          <p:nvPr>
+            <p:ph type="title"/>
+          </p:nvPr>
+        </p:nvSpPr>
+        <p:spPr>
+          <a:xfrm>
+            <a:off x="311700" y="445025"/>
+            <a:ext cx="8520600" cy="572700"/>
+          </a:xfrm>
+          <a:prstGeom prst="rect">
+            <a:avLst/>
+          </a:prstGeom>
+        </p:spPr>
+        <p:txBody>
+          <a:bodyPr anchorCtr="0" anchor="t" bIns="91425" lIns="91425" spcFirstLastPara="1" rIns="91425" wrap="square" tIns="91425">
+            <a:noAutofit/>
+          </a:bodyPr>
+          <a:lstStyle/>
+          <a:p>
+            <a:pPr indent="0" lvl="0" marL="0" rtl="0" algn="l">
+              <a:spcBef>
+                <a:spcPts val="0"/>
+              </a:spcBef>
+              <a:spcAft>
+                <a:spcPts val="0"/>
+              </a:spcAft>
+              <a:buNone/>
+            </a:pPr>
+            <a:r>
+              <a:rPr lang="ru"/>
+              <a:t>Lab 4 (на 4)</a:t>
+            </a:r>
+            <a:endParaRPr/>
+          </a:p>
+        </p:txBody>
+      </p:sp>
+    </p:spTree>
+  </p:cSld>
+  <p:clrMapOvr>
+    <a:masterClrMapping/>
+  </p:clrMapOvr>
+</p:sld>
+</file>
+
+<file path=ppt/slides/slide39.xml><?xml version="1.0" encoding="utf-8"?>
+<p:sld xmlns:a="http://schemas.openxmlformats.org/drawingml/2006/main" xmlns:r="http://schemas.openxmlformats.org/officeDocument/2006/relationships" xmlns:mc="http://schemas.openxmlformats.org/markup-compatibility/2006" xmlns:mv="urn:schemas-microsoft-com:mac:vml" xmlns:p="http://schemas.openxmlformats.org/presentationml/2006/main" xmlns:c="http://schemas.openxmlformats.org/drawingml/2006/chart" xmlns:dgm="http://schemas.openxmlformats.org/drawingml/2006/diagram" xmlns:o="urn:schemas-microsoft-com:office:office" xmlns:v="urn:schemas-microsoft-com:vml" xmlns:pvml="urn:schemas-microsoft-com:office:powerpoint" xmlns:com="http://schemas.openxmlformats.org/drawingml/2006/compatibility" xmlns:p14="http://schemas.microsoft.com/office/powerpoint/2010/main" xmlns:p15="http://schemas.microsoft.com/office/powerpoint/2012/main" xmlns:ahyp="http://schemas.microsoft.com/office/drawing/2018/hyperlinkcolor">
+  <p:cSld>
+    <p:spTree>
+      <p:nvGrpSpPr>
+        <p:cNvPr id="288" name="Shape 288"/>
+        <p:cNvGrpSpPr/>
+        <p:nvPr/>
+      </p:nvGrpSpPr>
+      <p:grpSpPr>
+        <a:xfrm>
+          <a:off x="0" y="0"/>
+          <a:ext cx="0" cy="0"/>
+          <a:chOff x="0" y="0"/>
+          <a:chExt cx="0" cy="0"/>
+        </a:xfrm>
+      </p:grpSpPr>
+      <p:sp>
+        <p:nvSpPr>
+          <p:cNvPr id="289" name="Google Shape;289;p51"/>
+          <p:cNvSpPr txBox="1"/>
+          <p:nvPr>
+            <p:ph type="title"/>
+          </p:nvPr>
+        </p:nvSpPr>
+        <p:spPr>
+          <a:xfrm>
+            <a:off x="311700" y="445025"/>
+            <a:ext cx="8520600" cy="572700"/>
+          </a:xfrm>
+          <a:prstGeom prst="rect">
+            <a:avLst/>
+          </a:prstGeom>
+        </p:spPr>
+        <p:txBody>
+          <a:bodyPr anchorCtr="0" anchor="t" bIns="91425" lIns="91425" spcFirstLastPara="1" rIns="91425" wrap="square" tIns="91425">
+            <a:noAutofit/>
+          </a:bodyPr>
+          <a:lstStyle/>
+          <a:p>
+            <a:pPr indent="0" lvl="0" marL="0" rtl="0" algn="l">
+              <a:spcBef>
+                <a:spcPts val="0"/>
+              </a:spcBef>
+              <a:spcAft>
+                <a:spcPts val="0"/>
+              </a:spcAft>
+              <a:buNone/>
+            </a:pPr>
+            <a:r>
+              <a:rPr lang="ru"/>
+              <a:t>Lab 4 (на 5)</a:t>
+            </a:r>
+            <a:endParaRPr/>
+          </a:p>
+        </p:txBody>
+      </p:sp>
+      <p:sp>
+        <p:nvSpPr>
+          <p:cNvPr id="290" name="Google Shape;290;p51"/>
+          <p:cNvSpPr txBox="1"/>
+          <p:nvPr>
+            <p:ph idx="1" type="body"/>
+          </p:nvPr>
+        </p:nvSpPr>
+        <p:spPr>
+          <a:xfrm>
+            <a:off x="311700" y="904100"/>
+            <a:ext cx="8520600" cy="3416400"/>
+          </a:xfrm>
+          <a:prstGeom prst="rect">
+            <a:avLst/>
+          </a:prstGeom>
+        </p:spPr>
+        <p:txBody>
+          <a:bodyPr anchorCtr="0" anchor="t" bIns="91425" lIns="91425" spcFirstLastPara="1" rIns="91425" wrap="square" tIns="91425">
+            <a:noAutofit/>
+          </a:bodyPr>
+          <a:lstStyle/>
+          <a:p>
+            <a:pPr indent="0" lvl="0" marL="0" rtl="0" algn="l">
+              <a:lnSpc>
+                <a:spcPct val="100000"/>
+              </a:lnSpc>
+              <a:spcBef>
+                <a:spcPts val="0"/>
+              </a:spcBef>
+              <a:spcAft>
+                <a:spcPts val="0"/>
+              </a:spcAft>
+              <a:buClr>
+                <a:schemeClr val="dk1"/>
+              </a:buClr>
+              <a:buSzPts val="1100"/>
+              <a:buFont typeface="Arial"/>
+              <a:buNone/>
+            </a:pPr>
+            <a:r>
+              <a:rPr lang="ru" sz="1200">
+                <a:solidFill>
+                  <a:srgbClr val="666666"/>
+                </a:solidFill>
+                <a:highlight>
+                  <a:srgbClr val="FFFFFF"/>
+                </a:highlight>
+              </a:rPr>
+              <a:t>4 + Реализовать работу с функциями.</a:t>
+            </a:r>
+            <a:endParaRPr sz="1200">
+              <a:solidFill>
+                <a:srgbClr val="666666"/>
+              </a:solidFill>
+              <a:highlight>
+                <a:srgbClr val="FFFFFF"/>
+              </a:highlight>
+            </a:endParaRPr>
+          </a:p>
+          <a:p>
+            <a:pPr indent="-304800" lvl="0" marL="457200" rtl="0" algn="l">
+              <a:lnSpc>
+                <a:spcPct val="100000"/>
+              </a:lnSpc>
+              <a:spcBef>
+                <a:spcPts val="100"/>
+              </a:spcBef>
+              <a:spcAft>
+                <a:spcPts val="0"/>
+              </a:spcAft>
+              <a:buClr>
+                <a:srgbClr val="666666"/>
+              </a:buClr>
+              <a:buSzPts val="1200"/>
+              <a:buChar char="●"/>
+            </a:pPr>
+            <a:r>
+              <a:rPr lang="ru" sz="1000">
+                <a:solidFill>
+                  <a:srgbClr val="666666"/>
+                </a:solidFill>
+                <a:highlight>
+                  <a:srgbClr val="FFFFFF"/>
+                </a:highlight>
+                <a:latin typeface="Consolas"/>
+                <a:ea typeface="Consolas"/>
+                <a:cs typeface="Consolas"/>
+                <a:sym typeface="Consolas"/>
+              </a:rPr>
+              <a:t>DEF func_name : arg_1 ... arg_n : command_1 operand_1 operand_2 ; ... ; RETURN var_name_or_value ;</a:t>
+            </a:r>
+            <a:r>
+              <a:rPr lang="ru" sz="1200">
+                <a:solidFill>
+                  <a:srgbClr val="666666"/>
+                </a:solidFill>
+                <a:highlight>
+                  <a:srgbClr val="FFFFFF"/>
+                </a:highlight>
+              </a:rPr>
+              <a:t> --- объявление функции с набором аргументов, телом функции (набор команд) и возвращаемым значением</a:t>
+            </a:r>
+            <a:endParaRPr sz="1200">
+              <a:solidFill>
+                <a:srgbClr val="666666"/>
+              </a:solidFill>
+              <a:highlight>
+                <a:srgbClr val="FFFFFF"/>
+              </a:highlight>
+            </a:endParaRPr>
+          </a:p>
+          <a:p>
+            <a:pPr indent="-304800" lvl="0" marL="457200" rtl="0" algn="l">
+              <a:lnSpc>
+                <a:spcPct val="100000"/>
+              </a:lnSpc>
+              <a:spcBef>
+                <a:spcPts val="100"/>
+              </a:spcBef>
+              <a:spcAft>
+                <a:spcPts val="0"/>
+              </a:spcAft>
+              <a:buClr>
+                <a:srgbClr val="666666"/>
+              </a:buClr>
+              <a:buSzPts val="1200"/>
+              <a:buChar char="●"/>
+            </a:pPr>
+            <a:r>
+              <a:rPr lang="ru" sz="1000">
+                <a:solidFill>
+                  <a:srgbClr val="666666"/>
+                </a:solidFill>
+                <a:highlight>
+                  <a:srgbClr val="FFFFFF"/>
+                </a:highlight>
+                <a:latin typeface="Consolas"/>
+                <a:ea typeface="Consolas"/>
+                <a:cs typeface="Consolas"/>
+                <a:sym typeface="Consolas"/>
+              </a:rPr>
+              <a:t>CALL func_name arg_val_1 ... arg_val_n</a:t>
+            </a:r>
+            <a:r>
+              <a:rPr lang="ru" sz="1200">
+                <a:solidFill>
+                  <a:srgbClr val="666666"/>
+                </a:solidFill>
+                <a:highlight>
+                  <a:srgbClr val="FFFFFF"/>
+                </a:highlight>
+              </a:rPr>
+              <a:t> --- вызов функции по имени с набором аргументов</a:t>
+            </a:r>
+            <a:endParaRPr sz="1200">
+              <a:solidFill>
+                <a:srgbClr val="666666"/>
+              </a:solidFill>
+              <a:highlight>
+                <a:srgbClr val="FFFFFF"/>
+              </a:highlight>
+            </a:endParaRPr>
+          </a:p>
+          <a:p>
+            <a:pPr indent="-304800" lvl="0" marL="457200" rtl="0" algn="l">
+              <a:lnSpc>
+                <a:spcPct val="100000"/>
+              </a:lnSpc>
+              <a:spcBef>
+                <a:spcPts val="100"/>
+              </a:spcBef>
+              <a:spcAft>
+                <a:spcPts val="0"/>
+              </a:spcAft>
+              <a:buClr>
+                <a:srgbClr val="666666"/>
+              </a:buClr>
+              <a:buSzPts val="1200"/>
+              <a:buChar char="●"/>
+            </a:pPr>
+            <a:r>
+              <a:rPr lang="ru" sz="1000">
+                <a:solidFill>
+                  <a:srgbClr val="666666"/>
+                </a:solidFill>
+                <a:highlight>
+                  <a:srgbClr val="FFFFFF"/>
+                </a:highlight>
+                <a:latin typeface="Consolas"/>
+                <a:ea typeface="Consolas"/>
+                <a:cs typeface="Consolas"/>
+                <a:sym typeface="Consolas"/>
+              </a:rPr>
+              <a:t>CALL func_name arg__val1 ... arg_val_n INTO var_name</a:t>
+            </a:r>
+            <a:r>
+              <a:rPr lang="ru" sz="1200">
+                <a:solidFill>
+                  <a:srgbClr val="666666"/>
+                </a:solidFill>
+                <a:highlight>
+                  <a:srgbClr val="FFFFFF"/>
+                </a:highlight>
+              </a:rPr>
+              <a:t> --- вызов функции и присвоение результата переменной</a:t>
+            </a:r>
+            <a:endParaRPr sz="1200">
+              <a:solidFill>
+                <a:srgbClr val="666666"/>
+              </a:solidFill>
+              <a:highlight>
+                <a:srgbClr val="FFFFFF"/>
+              </a:highlight>
+            </a:endParaRPr>
+          </a:p>
+          <a:p>
+            <a:pPr indent="0" lvl="0" marL="0" rtl="0" algn="l">
+              <a:lnSpc>
+                <a:spcPct val="100000"/>
+              </a:lnSpc>
+              <a:spcBef>
+                <a:spcPts val="100"/>
+              </a:spcBef>
+              <a:spcAft>
+                <a:spcPts val="0"/>
+              </a:spcAft>
+              <a:buClr>
+                <a:schemeClr val="dk1"/>
+              </a:buClr>
+              <a:buSzPts val="1100"/>
+              <a:buFont typeface="Arial"/>
+              <a:buNone/>
+            </a:pPr>
+            <a:r>
+              <a:rPr lang="ru" sz="1200">
+                <a:solidFill>
+                  <a:srgbClr val="666666"/>
+                </a:solidFill>
+                <a:highlight>
+                  <a:srgbClr val="FFFFFF"/>
+                </a:highlight>
+              </a:rPr>
+              <a:t>Пример функции возведения во вторую степень:</a:t>
+            </a:r>
+            <a:endParaRPr sz="1200">
+              <a:solidFill>
+                <a:srgbClr val="666666"/>
+              </a:solidFill>
+              <a:highlight>
+                <a:srgbClr val="FFFFFF"/>
+              </a:highlight>
+            </a:endParaRPr>
+          </a:p>
+          <a:p>
+            <a:pPr indent="0" lvl="0" marL="0" rtl="0" algn="l">
+              <a:lnSpc>
+                <a:spcPct val="100000"/>
+              </a:lnSpc>
+              <a:spcBef>
+                <a:spcPts val="100"/>
+              </a:spcBef>
+              <a:spcAft>
+                <a:spcPts val="0"/>
+              </a:spcAft>
+              <a:buNone/>
+            </a:pPr>
+            <a:r>
+              <a:rPr lang="ru" sz="1000">
+                <a:solidFill>
+                  <a:srgbClr val="666666"/>
+                </a:solidFill>
+                <a:highlight>
+                  <a:srgbClr val="FFFFFF"/>
+                </a:highlight>
+                <a:latin typeface="Consolas"/>
+                <a:ea typeface="Consolas"/>
+                <a:cs typeface="Consolas"/>
+                <a:sym typeface="Consolas"/>
+              </a:rPr>
+              <a:t>&gt;&gt;&gt; DEF pow2 : x : MUL x x ; RETURN x ;</a:t>
+            </a:r>
+            <a:endParaRPr sz="1000">
+              <a:solidFill>
+                <a:srgbClr val="666666"/>
+              </a:solidFill>
+              <a:highlight>
+                <a:srgbClr val="FFFFFF"/>
+              </a:highlight>
+              <a:latin typeface="Consolas"/>
+              <a:ea typeface="Consolas"/>
+              <a:cs typeface="Consolas"/>
+              <a:sym typeface="Consolas"/>
+            </a:endParaRPr>
+          </a:p>
+          <a:p>
+            <a:pPr indent="0" lvl="0" marL="0" rtl="0" algn="l">
+              <a:lnSpc>
+                <a:spcPct val="100000"/>
+              </a:lnSpc>
+              <a:spcBef>
+                <a:spcPts val="100"/>
+              </a:spcBef>
+              <a:spcAft>
+                <a:spcPts val="0"/>
+              </a:spcAft>
+              <a:buNone/>
+            </a:pPr>
+            <a:r>
+              <a:rPr lang="ru" sz="1000">
+                <a:solidFill>
+                  <a:srgbClr val="666666"/>
+                </a:solidFill>
+                <a:highlight>
+                  <a:srgbClr val="FFFFFF"/>
+                </a:highlight>
+                <a:latin typeface="Consolas"/>
+                <a:ea typeface="Consolas"/>
+                <a:cs typeface="Consolas"/>
+                <a:sym typeface="Consolas"/>
+              </a:rPr>
+              <a:t>&gt;&gt;&gt; CALL pow2 3</a:t>
+            </a:r>
+            <a:endParaRPr sz="1000">
+              <a:solidFill>
+                <a:srgbClr val="666666"/>
+              </a:solidFill>
+              <a:highlight>
+                <a:srgbClr val="FFFFFF"/>
+              </a:highlight>
+              <a:latin typeface="Consolas"/>
+              <a:ea typeface="Consolas"/>
+              <a:cs typeface="Consolas"/>
+              <a:sym typeface="Consolas"/>
+            </a:endParaRPr>
+          </a:p>
+          <a:p>
+            <a:pPr indent="0" lvl="0" marL="0" rtl="0" algn="l">
+              <a:lnSpc>
+                <a:spcPct val="100000"/>
+              </a:lnSpc>
+              <a:spcBef>
+                <a:spcPts val="100"/>
+              </a:spcBef>
+              <a:spcAft>
+                <a:spcPts val="0"/>
+              </a:spcAft>
+              <a:buNone/>
+            </a:pPr>
+            <a:r>
+              <a:rPr lang="ru" sz="1000">
+                <a:solidFill>
+                  <a:srgbClr val="666666"/>
+                </a:solidFill>
+                <a:highlight>
+                  <a:srgbClr val="FFFFFF"/>
+                </a:highlight>
+                <a:latin typeface="Consolas"/>
+                <a:ea typeface="Consolas"/>
+                <a:cs typeface="Consolas"/>
+                <a:sym typeface="Consolas"/>
+              </a:rPr>
+              <a:t>9</a:t>
+            </a:r>
+            <a:endParaRPr sz="1000">
+              <a:solidFill>
+                <a:srgbClr val="666666"/>
+              </a:solidFill>
+              <a:highlight>
+                <a:srgbClr val="FFFFFF"/>
+              </a:highlight>
+              <a:latin typeface="Consolas"/>
+              <a:ea typeface="Consolas"/>
+              <a:cs typeface="Consolas"/>
+              <a:sym typeface="Consolas"/>
+            </a:endParaRPr>
+          </a:p>
+          <a:p>
+            <a:pPr indent="0" lvl="0" marL="0" rtl="0" algn="l">
+              <a:lnSpc>
+                <a:spcPct val="100000"/>
+              </a:lnSpc>
+              <a:spcBef>
+                <a:spcPts val="100"/>
+              </a:spcBef>
+              <a:spcAft>
+                <a:spcPts val="0"/>
+              </a:spcAft>
+              <a:buNone/>
+            </a:pPr>
+            <a:r>
+              <a:rPr lang="ru" sz="1000">
+                <a:solidFill>
+                  <a:srgbClr val="666666"/>
+                </a:solidFill>
+                <a:highlight>
+                  <a:srgbClr val="FFFFFF"/>
+                </a:highlight>
+                <a:latin typeface="Consolas"/>
+                <a:ea typeface="Consolas"/>
+                <a:cs typeface="Consolas"/>
+                <a:sym typeface="Consolas"/>
+              </a:rPr>
+              <a:t>&gt;&gt;&gt; SET x 5</a:t>
+            </a:r>
+            <a:endParaRPr sz="1000">
+              <a:solidFill>
+                <a:srgbClr val="666666"/>
+              </a:solidFill>
+              <a:highlight>
+                <a:srgbClr val="FFFFFF"/>
+              </a:highlight>
+              <a:latin typeface="Consolas"/>
+              <a:ea typeface="Consolas"/>
+              <a:cs typeface="Consolas"/>
+              <a:sym typeface="Consolas"/>
+            </a:endParaRPr>
+          </a:p>
+          <a:p>
+            <a:pPr indent="0" lvl="0" marL="0" rtl="0" algn="l">
+              <a:lnSpc>
+                <a:spcPct val="100000"/>
+              </a:lnSpc>
+              <a:spcBef>
+                <a:spcPts val="100"/>
+              </a:spcBef>
+              <a:spcAft>
+                <a:spcPts val="0"/>
+              </a:spcAft>
+              <a:buNone/>
+            </a:pPr>
+            <a:r>
+              <a:rPr lang="ru" sz="1000">
+                <a:solidFill>
+                  <a:srgbClr val="666666"/>
+                </a:solidFill>
+                <a:highlight>
+                  <a:srgbClr val="FFFFFF"/>
+                </a:highlight>
+                <a:latin typeface="Consolas"/>
+                <a:ea typeface="Consolas"/>
+                <a:cs typeface="Consolas"/>
+                <a:sym typeface="Consolas"/>
+              </a:rPr>
+              <a:t>&gt;&gt;&gt; CALL pow2 x INTO x</a:t>
+            </a:r>
+            <a:endParaRPr sz="1000">
+              <a:solidFill>
+                <a:srgbClr val="666666"/>
+              </a:solidFill>
+              <a:highlight>
+                <a:srgbClr val="FFFFFF"/>
+              </a:highlight>
+              <a:latin typeface="Consolas"/>
+              <a:ea typeface="Consolas"/>
+              <a:cs typeface="Consolas"/>
+              <a:sym typeface="Consolas"/>
+            </a:endParaRPr>
+          </a:p>
+          <a:p>
+            <a:pPr indent="0" lvl="0" marL="0" rtl="0" algn="l">
+              <a:lnSpc>
+                <a:spcPct val="100000"/>
+              </a:lnSpc>
+              <a:spcBef>
+                <a:spcPts val="100"/>
+              </a:spcBef>
+              <a:spcAft>
+                <a:spcPts val="0"/>
+              </a:spcAft>
+              <a:buNone/>
+            </a:pPr>
+            <a:r>
+              <a:rPr lang="ru" sz="1000">
+                <a:solidFill>
+                  <a:srgbClr val="666666"/>
+                </a:solidFill>
+                <a:highlight>
+                  <a:srgbClr val="FFFFFF"/>
+                </a:highlight>
+                <a:latin typeface="Consolas"/>
+                <a:ea typeface="Consolas"/>
+                <a:cs typeface="Consolas"/>
+                <a:sym typeface="Consolas"/>
+              </a:rPr>
+              <a:t>&gt;&gt;&gt; PRINT x</a:t>
+            </a:r>
+            <a:endParaRPr sz="1000">
+              <a:solidFill>
+                <a:srgbClr val="666666"/>
+              </a:solidFill>
+              <a:highlight>
+                <a:srgbClr val="FFFFFF"/>
+              </a:highlight>
+              <a:latin typeface="Consolas"/>
+              <a:ea typeface="Consolas"/>
+              <a:cs typeface="Consolas"/>
+              <a:sym typeface="Consolas"/>
+            </a:endParaRPr>
+          </a:p>
+          <a:p>
+            <a:pPr indent="0" lvl="0" marL="152400" marR="152400" rtl="0" algn="l">
+              <a:lnSpc>
+                <a:spcPct val="100000"/>
+              </a:lnSpc>
+              <a:spcBef>
+                <a:spcPts val="100"/>
+              </a:spcBef>
+              <a:spcAft>
+                <a:spcPts val="0"/>
+              </a:spcAft>
+              <a:buClr>
+                <a:schemeClr val="dk1"/>
+              </a:buClr>
+              <a:buSzPts val="1100"/>
+              <a:buFont typeface="Arial"/>
+              <a:buNone/>
+            </a:pPr>
+            <a:r>
+              <a:rPr lang="ru" sz="1000">
+                <a:solidFill>
+                  <a:srgbClr val="666666"/>
+                </a:solidFill>
+                <a:highlight>
+                  <a:srgbClr val="FFFFFF"/>
+                </a:highlight>
+                <a:latin typeface="Consolas"/>
+                <a:ea typeface="Consolas"/>
+                <a:cs typeface="Consolas"/>
+                <a:sym typeface="Consolas"/>
+              </a:rPr>
+              <a:t>25</a:t>
+            </a:r>
+            <a:endParaRPr sz="1000">
+              <a:solidFill>
+                <a:srgbClr val="666666"/>
+              </a:solidFill>
+              <a:highlight>
+                <a:srgbClr val="FFFFFF"/>
+              </a:highlight>
+              <a:latin typeface="Consolas"/>
+              <a:ea typeface="Consolas"/>
+              <a:cs typeface="Consolas"/>
+              <a:sym typeface="Consolas"/>
+            </a:endParaRPr>
+          </a:p>
+          <a:p>
+            <a:pPr indent="0" lvl="0" marL="0" rtl="0" algn="l">
+              <a:lnSpc>
+                <a:spcPct val="100000"/>
+              </a:lnSpc>
+              <a:spcBef>
+                <a:spcPts val="100"/>
+              </a:spcBef>
+              <a:spcAft>
+                <a:spcPts val="100"/>
+              </a:spcAft>
+              <a:buNone/>
+            </a:pPr>
+            <a:r>
+              <a:t/>
+            </a:r>
+            <a:endParaRPr b="1" sz="1650">
+              <a:solidFill>
+                <a:srgbClr val="666666"/>
+              </a:solidFill>
+              <a:highlight>
+                <a:srgbClr val="FFFFFF"/>
+              </a:highlight>
+            </a:endParaRPr>
+          </a:p>
+        </p:txBody>
+      </p:sp>
+    </p:spTree>
+  </p:cSld>
+  <p:clrMapOvr>
+    <a:masterClrMapping/>
+  </p:clrMapOvr>
+</p:sld>
+</file>
+
 <file path=ppt/slides/slide4.xml><?xml version="1.0" encoding="utf-8"?>
 <p:sld xmlns:a="http://schemas.openxmlformats.org/drawingml/2006/main" xmlns:r="http://schemas.openxmlformats.org/officeDocument/2006/relationships" xmlns:mc="http://schemas.openxmlformats.org/markup-compatibility/2006" xmlns:mv="urn:schemas-microsoft-com:mac:vml" xmlns:p="http://schemas.openxmlformats.org/presentationml/2006/main" xmlns:c="http://schemas.openxmlformats.org/drawingml/2006/chart" xmlns:dgm="http://schemas.openxmlformats.org/drawingml/2006/diagram" xmlns:o="urn:schemas-microsoft-com:office:office" xmlns:v="urn:schemas-microsoft-com:vml" xmlns:pvml="urn:schemas-microsoft-com:office:powerpoint" xmlns:com="http://schemas.openxmlformats.org/drawingml/2006/compatibility" xmlns:p14="http://schemas.microsoft.com/office/powerpoint/2010/main" xmlns:p15="http://schemas.microsoft.com/office/powerpoint/2012/main" xmlns:ahyp="http://schemas.microsoft.com/office/drawing/2018/hyperlinkcolor">
   <p:cSld>
@@ -9788,7 +15820,7 @@
           </a:bodyPr>
           <a:lstStyle/>
           <a:p>
-            <a:pPr indent="-317500" lvl="0" marL="457200" rtl="0" algn="just">
+            <a:pPr indent="-381000" lvl="0" marL="457200" rtl="0" algn="just">
               <a:spcBef>
                 <a:spcPts val="0"/>
               </a:spcBef>
@@ -9796,27 +15828,27 @@
                 <a:spcPts val="0"/>
               </a:spcAft>
               <a:buClr>
-                <a:schemeClr val="dk1"/>
+                <a:srgbClr val="666666"/>
               </a:buClr>
-              <a:buSzPts val="1400"/>
+              <a:buSzPts val="2400"/>
               <a:buChar char="●"/>
             </a:pPr>
             <a:r>
-              <a:rPr lang="ru" sz="1400">
+              <a:rPr lang="ru" sz="2400">
                 <a:solidFill>
-                  <a:schemeClr val="dk1"/>
+                  <a:srgbClr val="666666"/>
                 </a:solidFill>
               </a:rPr>
-              <a:t>Форматирование строк. </a:t>
-            </a:r>
-            <a:endParaRPr sz="1400">
+              <a:t>Декораторы</a:t>
+            </a:r>
+            <a:endParaRPr sz="2400">
               <a:solidFill>
-                <a:schemeClr val="dk1"/>
+                <a:srgbClr val="666666"/>
               </a:solidFill>
             </a:endParaRPr>
           </a:p>
           <a:p>
-            <a:pPr indent="-317500" lvl="0" marL="457200" rtl="0" algn="just">
+            <a:pPr indent="-381000" lvl="0" marL="457200" rtl="0" algn="just">
               <a:spcBef>
                 <a:spcPts val="0"/>
               </a:spcBef>
@@ -9824,27 +15856,27 @@
                 <a:spcPts val="0"/>
               </a:spcAft>
               <a:buClr>
-                <a:schemeClr val="dk1"/>
+                <a:srgbClr val="666666"/>
               </a:buClr>
-              <a:buSzPts val="1400"/>
+              <a:buSzPts val="2400"/>
               <a:buChar char="●"/>
             </a:pPr>
             <a:r>
-              <a:rPr lang="ru" sz="1400">
+              <a:rPr lang="ru" sz="2400">
                 <a:solidFill>
-                  <a:schemeClr val="dk1"/>
+                  <a:srgbClr val="666666"/>
                 </a:solidFill>
               </a:rPr>
-              <a:t>Магические методы. </a:t>
-            </a:r>
-            <a:endParaRPr sz="1400">
+              <a:t>Typing</a:t>
+            </a:r>
+            <a:endParaRPr sz="2400">
               <a:solidFill>
-                <a:schemeClr val="dk1"/>
+                <a:srgbClr val="666666"/>
               </a:solidFill>
             </a:endParaRPr>
           </a:p>
           <a:p>
-            <a:pPr indent="-317500" lvl="0" marL="457200" rtl="0" algn="just">
+            <a:pPr indent="-381000" lvl="0" marL="457200" rtl="0" algn="just">
               <a:spcBef>
                 <a:spcPts val="0"/>
               </a:spcBef>
@@ -9852,27 +15884,27 @@
                 <a:spcPts val="0"/>
               </a:spcAft>
               <a:buClr>
-                <a:schemeClr val="dk1"/>
+                <a:srgbClr val="666666"/>
               </a:buClr>
-              <a:buSzPts val="1400"/>
+              <a:buSzPts val="2400"/>
               <a:buChar char="●"/>
             </a:pPr>
             <a:r>
-              <a:rPr lang="ru" sz="1400">
+              <a:rPr lang="ru" sz="2400">
                 <a:solidFill>
-                  <a:schemeClr val="dk1"/>
+                  <a:srgbClr val="666666"/>
                 </a:solidFill>
               </a:rPr>
-              <a:t>Функции первого класса. Элементы функционального программирования </a:t>
-            </a:r>
-            <a:endParaRPr sz="1400">
+              <a:t>Параллельное программирование в Python</a:t>
+            </a:r>
+            <a:endParaRPr sz="2400">
               <a:solidFill>
-                <a:schemeClr val="dk1"/>
+                <a:srgbClr val="666666"/>
               </a:solidFill>
             </a:endParaRPr>
           </a:p>
           <a:p>
-            <a:pPr indent="-317500" lvl="1" marL="914400" rtl="0" algn="just">
+            <a:pPr indent="-381000" lvl="1" marL="914400" rtl="0" algn="just">
               <a:spcBef>
                 <a:spcPts val="0"/>
               </a:spcBef>
@@ -9880,27 +15912,27 @@
                 <a:spcPts val="0"/>
               </a:spcAft>
               <a:buClr>
-                <a:schemeClr val="dk1"/>
+                <a:srgbClr val="666666"/>
               </a:buClr>
-              <a:buSzPts val="1400"/>
+              <a:buSzPts val="2400"/>
               <a:buChar char="○"/>
             </a:pPr>
             <a:r>
-              <a:rPr lang="ru" sz="1400">
+              <a:rPr lang="ru" sz="2400">
                 <a:solidFill>
-                  <a:schemeClr val="dk1"/>
+                  <a:srgbClr val="666666"/>
                 </a:solidFill>
               </a:rPr>
-              <a:t>lambda функции. </a:t>
-            </a:r>
-            <a:endParaRPr sz="1400">
+              <a:t>GIL</a:t>
+            </a:r>
+            <a:endParaRPr sz="2400">
               <a:solidFill>
-                <a:schemeClr val="dk1"/>
+                <a:srgbClr val="666666"/>
               </a:solidFill>
             </a:endParaRPr>
           </a:p>
           <a:p>
-            <a:pPr indent="-317500" lvl="1" marL="914400" rtl="0" algn="just">
+            <a:pPr indent="-381000" lvl="0" marL="457200" rtl="0" algn="just">
               <a:spcBef>
                 <a:spcPts val="0"/>
               </a:spcBef>
@@ -9908,27 +15940,27 @@
                 <a:spcPts val="0"/>
               </a:spcAft>
               <a:buClr>
-                <a:schemeClr val="dk1"/>
+                <a:srgbClr val="666666"/>
               </a:buClr>
-              <a:buSzPts val="1400"/>
-              <a:buChar char="○"/>
-            </a:pPr>
-            <a:r>
-              <a:rPr lang="ru" sz="1400">
+              <a:buSzPts val="2400"/>
+              <a:buChar char="●"/>
+            </a:pPr>
+            <a:r>
+              <a:rPr lang="ru" sz="2400">
                 <a:solidFill>
-                  <a:schemeClr val="dk1"/>
+                  <a:srgbClr val="666666"/>
                 </a:solidFill>
               </a:rPr>
-              <a:t>Замыкания. </a:t>
-            </a:r>
-            <a:endParaRPr sz="1400">
+              <a:t>Библиотеки</a:t>
+            </a:r>
+            <a:endParaRPr sz="2400">
               <a:solidFill>
-                <a:schemeClr val="dk1"/>
+                <a:srgbClr val="666666"/>
               </a:solidFill>
             </a:endParaRPr>
           </a:p>
           <a:p>
-            <a:pPr indent="-317500" lvl="0" marL="457200" rtl="0" algn="just">
+            <a:pPr indent="-381000" lvl="1" marL="914400" rtl="0" algn="just">
               <a:spcBef>
                 <a:spcPts val="0"/>
               </a:spcBef>
@@ -9936,20 +15968,52 @@
                 <a:spcPts val="0"/>
               </a:spcAft>
               <a:buClr>
-                <a:schemeClr val="dk1"/>
+                <a:srgbClr val="666666"/>
               </a:buClr>
-              <a:buSzPts val="1400"/>
-              <a:buChar char="●"/>
-            </a:pPr>
-            <a:r>
-              <a:rPr lang="ru" sz="1400">
+              <a:buSzPts val="2400"/>
+              <a:buChar char="○"/>
+            </a:pPr>
+            <a:r>
+              <a:rPr lang="ru" sz="2400">
                 <a:solidFill>
-                  <a:schemeClr val="dk1"/>
+                  <a:srgbClr val="666666"/>
                 </a:solidFill>
               </a:rPr>
-              <a:t>Освобождение ресурсов - garbage collector.</a:t>
-            </a:r>
-            <a:endParaRPr/>
+              <a:t>анализ данных</a:t>
+            </a:r>
+            <a:endParaRPr sz="2400">
+              <a:solidFill>
+                <a:srgbClr val="666666"/>
+              </a:solidFill>
+            </a:endParaRPr>
+          </a:p>
+          <a:p>
+            <a:pPr indent="-381000" lvl="1" marL="914400" rtl="0" algn="just">
+              <a:spcBef>
+                <a:spcPts val="0"/>
+              </a:spcBef>
+              <a:spcAft>
+                <a:spcPts val="0"/>
+              </a:spcAft>
+              <a:buClr>
+                <a:srgbClr val="666666"/>
+              </a:buClr>
+              <a:buSzPts val="2400"/>
+              <a:buChar char="○"/>
+            </a:pPr>
+            <a:r>
+              <a:rPr lang="ru" sz="2400">
+                <a:solidFill>
+                  <a:srgbClr val="666666"/>
+                </a:solidFill>
+              </a:rPr>
+              <a:t>визуализация данных</a:t>
+            </a:r>
+            <a:endParaRPr sz="2400">
+              <a:solidFill>
+                <a:srgbClr val="666666"/>
+              </a:solidFill>
+            </a:endParaRPr>
           </a:p>
         </p:txBody>
       </p:sp>
@@ -10012,40 +16076,84 @@
             </a:pPr>
             <a:r>
               <a:rPr lang="ru"/>
-              <a:t>Форматирование строк.</a:t>
+              <a:t>Декораторы</a:t>
             </a:r>
             <a:endParaRPr/>
           </a:p>
         </p:txBody>
       </p:sp>
-      <p:pic>
-        <p:nvPicPr>
+      <p:sp>
+        <p:nvSpPr>
           <p:cNvPr id="90" name="Google Shape;90;p19"/>
-          <p:cNvPicPr preferRelativeResize="0"/>
-          <p:nvPr/>
-        </p:nvPicPr>
-        <p:blipFill>
-          <a:blip r:embed="rId3">
-            <a:alphaModFix/>
-          </a:blip>
-          <a:stretch>
-            <a:fillRect/>
-          </a:stretch>
-        </p:blipFill>
-        <p:spPr>
-          <a:xfrm>
-            <a:off x="2028825" y="1544650"/>
-            <a:ext cx="5086350" cy="2514600"/>
+          <p:cNvSpPr txBox="1"/>
+          <p:nvPr>
+            <p:ph idx="1" type="body"/>
+          </p:nvPr>
+        </p:nvSpPr>
+        <p:spPr>
+          <a:xfrm>
+            <a:off x="287450" y="1043400"/>
+            <a:ext cx="8520600" cy="3861000"/>
           </a:xfrm>
           <a:prstGeom prst="rect">
             <a:avLst/>
           </a:prstGeom>
-          <a:noFill/>
-          <a:ln>
-            <a:noFill/>
-          </a:ln>
-        </p:spPr>
-      </p:pic>
+        </p:spPr>
+        <p:txBody>
+          <a:bodyPr anchorCtr="0" anchor="t" bIns="91425" lIns="91425" spcFirstLastPara="1" rIns="91425" wrap="square" tIns="91425">
+            <a:noAutofit/>
+          </a:bodyPr>
+          <a:lstStyle/>
+          <a:p>
+            <a:pPr indent="0" lvl="0" marL="0" rtl="0" algn="just">
+              <a:spcBef>
+                <a:spcPts val="0"/>
+              </a:spcBef>
+              <a:spcAft>
+                <a:spcPts val="0"/>
+              </a:spcAft>
+              <a:buNone/>
+            </a:pPr>
+            <a:r>
+              <a:rPr lang="ru" sz="2400">
+                <a:solidFill>
+                  <a:srgbClr val="666666"/>
+                </a:solidFill>
+              </a:rPr>
+              <a:t>Специализированные</a:t>
+            </a:r>
+            <a:r>
+              <a:rPr lang="ru" sz="2400">
+                <a:solidFill>
+                  <a:srgbClr val="666666"/>
+                </a:solidFill>
+              </a:rPr>
+              <a:t> языковые конструкции,  </a:t>
+            </a:r>
+            <a:r>
+              <a:rPr lang="ru" sz="2400">
+                <a:solidFill>
+                  <a:srgbClr val="666666"/>
+                </a:solidFill>
+              </a:rPr>
+              <a:t>позволяющие</a:t>
+            </a:r>
+            <a:r>
+              <a:rPr lang="ru" sz="2400">
+                <a:solidFill>
+                  <a:srgbClr val="666666"/>
+                </a:solidFill>
+              </a:rPr>
+              <a:t> оборачивать функции. По сути декоратор это функция, которая возвращает функцию как результат своей работы.</a:t>
+            </a:r>
+            <a:endParaRPr sz="2400">
+              <a:solidFill>
+                <a:srgbClr val="666666"/>
+              </a:solidFill>
+            </a:endParaRPr>
+          </a:p>
+        </p:txBody>
+      </p:sp>
     </p:spTree>
   </p:cSld>
   <p:clrMapOvr>
@@ -10105,68 +16213,381 @@
             </a:pPr>
             <a:r>
               <a:rPr lang="ru"/>
-              <a:t>Форматирование строк (format).</a:t>
+              <a:t>Декораторы</a:t>
             </a:r>
             <a:endParaRPr/>
           </a:p>
         </p:txBody>
       </p:sp>
-      <p:pic>
-        <p:nvPicPr>
+      <p:sp>
+        <p:nvSpPr>
           <p:cNvPr id="96" name="Google Shape;96;p20"/>
-          <p:cNvPicPr preferRelativeResize="0"/>
-          <p:nvPr/>
-        </p:nvPicPr>
-        <p:blipFill>
-          <a:blip r:embed="rId3">
-            <a:alphaModFix/>
-          </a:blip>
-          <a:stretch>
-            <a:fillRect/>
-          </a:stretch>
-        </p:blipFill>
-        <p:spPr>
-          <a:xfrm>
-            <a:off x="1152025" y="1533625"/>
-            <a:ext cx="6496050" cy="762000"/>
+          <p:cNvSpPr txBox="1"/>
+          <p:nvPr>
+            <p:ph idx="1" type="body"/>
+          </p:nvPr>
+        </p:nvSpPr>
+        <p:spPr>
+          <a:xfrm>
+            <a:off x="287450" y="1043400"/>
+            <a:ext cx="8520600" cy="3861000"/>
           </a:xfrm>
           <a:prstGeom prst="rect">
             <a:avLst/>
           </a:prstGeom>
-          <a:noFill/>
-          <a:ln>
-            <a:noFill/>
-          </a:ln>
-        </p:spPr>
-      </p:pic>
-      <p:pic>
-        <p:nvPicPr>
-          <p:cNvPr id="97" name="Google Shape;97;p20"/>
-          <p:cNvPicPr preferRelativeResize="0"/>
-          <p:nvPr/>
-        </p:nvPicPr>
-        <p:blipFill>
-          <a:blip r:embed="rId4">
-            <a:alphaModFix/>
-          </a:blip>
-          <a:stretch>
-            <a:fillRect/>
-          </a:stretch>
-        </p:blipFill>
-        <p:spPr>
-          <a:xfrm>
-            <a:off x="881063" y="3344650"/>
-            <a:ext cx="7381875" cy="628650"/>
-          </a:xfrm>
-          <a:prstGeom prst="rect">
-            <a:avLst/>
-          </a:prstGeom>
-          <a:noFill/>
-          <a:ln>
-            <a:noFill/>
-          </a:ln>
-        </p:spPr>
-      </p:pic>
+        </p:spPr>
+        <p:txBody>
+          <a:bodyPr anchorCtr="0" anchor="t" bIns="91425" lIns="91425" spcFirstLastPara="1" rIns="91425" wrap="square" tIns="91425">
+            <a:noAutofit/>
+          </a:bodyPr>
+          <a:lstStyle/>
+          <a:p>
+            <a:pPr indent="0" lvl="0" marL="0" rtl="0" algn="just">
+              <a:spcBef>
+                <a:spcPts val="0"/>
+              </a:spcBef>
+              <a:spcAft>
+                <a:spcPts val="0"/>
+              </a:spcAft>
+              <a:buNone/>
+            </a:pPr>
+            <a:r>
+              <a:rPr lang="ru">
+                <a:solidFill>
+                  <a:srgbClr val="666666"/>
+                </a:solidFill>
+              </a:rPr>
+              <a:t>Декораторы выделяются символом @</a:t>
+            </a:r>
+            <a:endParaRPr>
+              <a:solidFill>
+                <a:srgbClr val="666666"/>
+              </a:solidFill>
+            </a:endParaRPr>
+          </a:p>
+          <a:p>
+            <a:pPr indent="0" lvl="0" marL="0" rtl="0" algn="just">
+              <a:spcBef>
+                <a:spcPts val="0"/>
+              </a:spcBef>
+              <a:spcAft>
+                <a:spcPts val="0"/>
+              </a:spcAft>
+              <a:buNone/>
+            </a:pPr>
+            <a:r>
+              <a:t/>
+            </a:r>
+            <a:endParaRPr>
+              <a:solidFill>
+                <a:srgbClr val="666666"/>
+              </a:solidFill>
+            </a:endParaRPr>
+          </a:p>
+          <a:p>
+            <a:pPr indent="0" lvl="0" marL="2880000" rtl="0" algn="just">
+              <a:spcBef>
+                <a:spcPts val="0"/>
+              </a:spcBef>
+              <a:spcAft>
+                <a:spcPts val="0"/>
+              </a:spcAft>
+              <a:buNone/>
+            </a:pPr>
+            <a:r>
+              <a:rPr b="1" lang="ru">
+                <a:solidFill>
+                  <a:srgbClr val="666666"/>
+                </a:solidFill>
+              </a:rPr>
+              <a:t>def</a:t>
+            </a:r>
+            <a:r>
+              <a:rPr lang="ru">
+                <a:solidFill>
+                  <a:srgbClr val="666666"/>
+                </a:solidFill>
+              </a:rPr>
+              <a:t> dec_name(func):</a:t>
+            </a:r>
+            <a:endParaRPr>
+              <a:solidFill>
+                <a:srgbClr val="666666"/>
+              </a:solidFill>
+            </a:endParaRPr>
+          </a:p>
+          <a:p>
+            <a:pPr indent="0" lvl="0" marL="2880000" rtl="0" algn="just">
+              <a:spcBef>
+                <a:spcPts val="0"/>
+              </a:spcBef>
+              <a:spcAft>
+                <a:spcPts val="0"/>
+              </a:spcAft>
+              <a:buNone/>
+            </a:pPr>
+            <a:r>
+              <a:rPr lang="ru">
+                <a:solidFill>
+                  <a:srgbClr val="666666"/>
+                </a:solidFill>
+              </a:rPr>
+              <a:t>	</a:t>
+            </a:r>
+            <a:r>
+              <a:rPr b="1" lang="ru">
+                <a:solidFill>
+                  <a:srgbClr val="666666"/>
+                </a:solidFill>
+              </a:rPr>
+              <a:t>def</a:t>
+            </a:r>
+            <a:r>
+              <a:rPr lang="ru">
+                <a:solidFill>
+                  <a:srgbClr val="666666"/>
+                </a:solidFill>
+              </a:rPr>
+              <a:t> foo(...):</a:t>
+            </a:r>
+            <a:endParaRPr>
+              <a:solidFill>
+                <a:srgbClr val="666666"/>
+              </a:solidFill>
+            </a:endParaRPr>
+          </a:p>
+          <a:p>
+            <a:pPr indent="0" lvl="0" marL="2880000" rtl="0" algn="just">
+              <a:spcBef>
+                <a:spcPts val="0"/>
+              </a:spcBef>
+              <a:spcAft>
+                <a:spcPts val="0"/>
+              </a:spcAft>
+              <a:buNone/>
+            </a:pPr>
+            <a:r>
+              <a:rPr lang="ru">
+                <a:solidFill>
+                  <a:srgbClr val="666666"/>
+                </a:solidFill>
+              </a:rPr>
+              <a:t>		…</a:t>
+            </a:r>
+            <a:endParaRPr>
+              <a:solidFill>
+                <a:srgbClr val="666666"/>
+              </a:solidFill>
+            </a:endParaRPr>
+          </a:p>
+          <a:p>
+            <a:pPr indent="0" lvl="0" marL="2880000" rtl="0" algn="just">
+              <a:spcBef>
+                <a:spcPts val="0"/>
+              </a:spcBef>
+              <a:spcAft>
+                <a:spcPts val="0"/>
+              </a:spcAft>
+              <a:buNone/>
+            </a:pPr>
+            <a:r>
+              <a:rPr lang="ru">
+                <a:solidFill>
+                  <a:srgbClr val="666666"/>
+                </a:solidFill>
+              </a:rPr>
+              <a:t>		func(...)</a:t>
+            </a:r>
+            <a:endParaRPr>
+              <a:solidFill>
+                <a:srgbClr val="666666"/>
+              </a:solidFill>
+            </a:endParaRPr>
+          </a:p>
+          <a:p>
+            <a:pPr indent="0" lvl="0" marL="2880000" rtl="0" algn="just">
+              <a:spcBef>
+                <a:spcPts val="0"/>
+              </a:spcBef>
+              <a:spcAft>
+                <a:spcPts val="0"/>
+              </a:spcAft>
+              <a:buNone/>
+            </a:pPr>
+            <a:r>
+              <a:rPr lang="ru">
+                <a:solidFill>
+                  <a:srgbClr val="666666"/>
+                </a:solidFill>
+              </a:rPr>
+              <a:t>		...</a:t>
+            </a:r>
+            <a:endParaRPr>
+              <a:solidFill>
+                <a:srgbClr val="666666"/>
+              </a:solidFill>
+            </a:endParaRPr>
+          </a:p>
+          <a:p>
+            <a:pPr indent="0" lvl="0" marL="2880000" rtl="0" algn="just">
+              <a:spcBef>
+                <a:spcPts val="0"/>
+              </a:spcBef>
+              <a:spcAft>
+                <a:spcPts val="0"/>
+              </a:spcAft>
+              <a:buNone/>
+            </a:pPr>
+            <a:r>
+              <a:rPr lang="ru">
+                <a:solidFill>
+                  <a:srgbClr val="666666"/>
+                </a:solidFill>
+              </a:rPr>
+              <a:t>	</a:t>
+            </a:r>
+            <a:r>
+              <a:rPr b="1" lang="ru">
+                <a:solidFill>
+                  <a:srgbClr val="666666"/>
+                </a:solidFill>
+              </a:rPr>
+              <a:t>return</a:t>
+            </a:r>
+            <a:r>
+              <a:rPr lang="ru">
+                <a:solidFill>
+                  <a:srgbClr val="666666"/>
+                </a:solidFill>
+              </a:rPr>
+              <a:t>  foo</a:t>
+            </a:r>
+            <a:endParaRPr>
+              <a:solidFill>
+                <a:srgbClr val="666666"/>
+              </a:solidFill>
+            </a:endParaRPr>
+          </a:p>
+          <a:p>
+            <a:pPr indent="0" lvl="0" marL="2880000" rtl="0" algn="just">
+              <a:spcBef>
+                <a:spcPts val="0"/>
+              </a:spcBef>
+              <a:spcAft>
+                <a:spcPts val="0"/>
+              </a:spcAft>
+              <a:buNone/>
+            </a:pPr>
+            <a:r>
+              <a:t/>
+            </a:r>
+            <a:endParaRPr>
+              <a:solidFill>
+                <a:srgbClr val="666666"/>
+              </a:solidFill>
+            </a:endParaRPr>
+          </a:p>
+          <a:p>
+            <a:pPr indent="0" lvl="0" marL="2880000" rtl="0" algn="just">
+              <a:spcBef>
+                <a:spcPts val="0"/>
+              </a:spcBef>
+              <a:spcAft>
+                <a:spcPts val="0"/>
+              </a:spcAft>
+              <a:buNone/>
+            </a:pPr>
+            <a:r>
+              <a:rPr lang="ru">
+                <a:solidFill>
+                  <a:srgbClr val="666666"/>
+                </a:solidFill>
+              </a:rPr>
+              <a:t>@dec_name</a:t>
+            </a:r>
+            <a:endParaRPr>
+              <a:solidFill>
+                <a:srgbClr val="666666"/>
+              </a:solidFill>
+            </a:endParaRPr>
+          </a:p>
+          <a:p>
+            <a:pPr indent="0" lvl="0" marL="2880000" rtl="0" algn="just">
+              <a:spcBef>
+                <a:spcPts val="0"/>
+              </a:spcBef>
+              <a:spcAft>
+                <a:spcPts val="0"/>
+              </a:spcAft>
+              <a:buNone/>
+            </a:pPr>
+            <a:r>
+              <a:rPr b="1" lang="ru">
+                <a:solidFill>
+                  <a:srgbClr val="666666"/>
+                </a:solidFill>
+              </a:rPr>
+              <a:t>def</a:t>
+            </a:r>
+            <a:r>
+              <a:rPr lang="ru">
+                <a:solidFill>
+                  <a:srgbClr val="666666"/>
+                </a:solidFill>
+              </a:rPr>
+              <a:t> func_name(...):</a:t>
+            </a:r>
+            <a:endParaRPr>
+              <a:solidFill>
+                <a:srgbClr val="666666"/>
+              </a:solidFill>
+            </a:endParaRPr>
+          </a:p>
+          <a:p>
+            <a:pPr indent="0" lvl="0" marL="2880000" rtl="0" algn="just">
+              <a:spcBef>
+                <a:spcPts val="0"/>
+              </a:spcBef>
+              <a:spcAft>
+                <a:spcPts val="0"/>
+              </a:spcAft>
+              <a:buNone/>
+            </a:pPr>
+            <a:r>
+              <a:rPr lang="ru">
+                <a:solidFill>
+                  <a:srgbClr val="666666"/>
+                </a:solidFill>
+              </a:rPr>
+              <a:t>	…</a:t>
+            </a:r>
+            <a:endParaRPr>
+              <a:solidFill>
+                <a:srgbClr val="666666"/>
+              </a:solidFill>
+            </a:endParaRPr>
+          </a:p>
+          <a:p>
+            <a:pPr indent="-187200" lvl="0" marL="457200" rtl="0" algn="just">
+              <a:spcBef>
+                <a:spcPts val="0"/>
+              </a:spcBef>
+              <a:spcAft>
+                <a:spcPts val="0"/>
+              </a:spcAft>
+              <a:buNone/>
+            </a:pPr>
+            <a:r>
+              <a:t/>
+            </a:r>
+            <a:endParaRPr>
+              <a:solidFill>
+                <a:srgbClr val="666666"/>
+              </a:solidFill>
+            </a:endParaRPr>
+          </a:p>
+        </p:txBody>
+      </p:sp>
     </p:spTree>
   </p:cSld>
   <p:clrMapOvr>
@@ -10180,7 +16601,7 @@
   <p:cSld>
     <p:spTree>
       <p:nvGrpSpPr>
-        <p:cNvPr id="101" name="Shape 101"/>
+        <p:cNvPr id="100" name="Shape 100"/>
         <p:cNvGrpSpPr/>
         <p:nvPr/>
       </p:nvGrpSpPr>
@@ -10194,7 +16615,7 @@
       </p:grpSpPr>
       <p:sp>
         <p:nvSpPr>
-          <p:cNvPr id="102" name="Google Shape;102;p21"/>
+          <p:cNvPr id="101" name="Google Shape;101;p21"/>
           <p:cNvSpPr txBox="1"/>
           <p:nvPr>
             <p:ph type="title"/>
@@ -10222,11 +16643,16 @@
               <a:spcAft>
                 <a:spcPts val="0"/>
               </a:spcAft>
+              <a:buClr>
+                <a:schemeClr val="dk1"/>
+              </a:buClr>
+              <a:buSzPts val="1100"/>
+              <a:buFont typeface="Arial"/>
               <a:buNone/>
             </a:pPr>
             <a:r>
               <a:rPr lang="ru"/>
-              <a:t>Форматирование строк (f string).</a:t>
+              <a:t>Декораторы</a:t>
             </a:r>
             <a:endParaRPr/>
           </a:p>
@@ -10234,7 +16660,7 @@
       </p:sp>
       <p:sp>
         <p:nvSpPr>
-          <p:cNvPr id="103" name="Google Shape;103;p21"/>
+          <p:cNvPr id="102" name="Google Shape;102;p21"/>
           <p:cNvSpPr txBox="1"/>
           <p:nvPr>
             <p:ph idx="1" type="body"/>
@@ -10243,7 +16669,7 @@
         <p:spPr>
           <a:xfrm>
             <a:off x="311700" y="1152475"/>
-            <a:ext cx="8520600" cy="522600"/>
+            <a:ext cx="8520600" cy="3416400"/>
           </a:xfrm>
           <a:prstGeom prst="rect">
             <a:avLst/>
@@ -10256,6 +16682,9 @@
           <a:lstStyle/>
           <a:p>
             <a:pPr indent="0" lvl="0" marL="0" rtl="0" algn="l">
+              <a:lnSpc>
+                <a:spcPct val="100000"/>
+              </a:lnSpc>
               <a:spcBef>
                 <a:spcPts val="0"/>
               </a:spcBef>
@@ -10266,33 +16695,96 @@
             </a:pPr>
             <a:r>
               <a:rPr lang="ru"/>
-              <a:t>fstring появились с релизом python 3.4 - позволяют форматировать строки </a:t>
-            </a:r>
+              <a:t>Конструкция </a:t>
+            </a:r>
+            <a:endParaRPr/>
+          </a:p>
+          <a:p>
+            <a:pPr indent="3374999" lvl="0" marL="0" rtl="0" algn="l">
+              <a:lnSpc>
+                <a:spcPct val="100000"/>
+              </a:lnSpc>
+              <a:spcBef>
+                <a:spcPts val="100"/>
+              </a:spcBef>
+              <a:spcAft>
+                <a:spcPts val="0"/>
+              </a:spcAft>
+              <a:buNone/>
+            </a:pPr>
             <a:r>
               <a:rPr lang="ru"/>
-              <a:t>на лету</a:t>
-            </a:r>
+              <a:t>@deccorator_name</a:t>
+            </a:r>
+            <a:endParaRPr/>
+          </a:p>
+          <a:p>
+            <a:pPr indent="3374999" lvl="0" marL="0" rtl="0" algn="l">
+              <a:lnSpc>
+                <a:spcPct val="100000"/>
+              </a:lnSpc>
+              <a:spcBef>
+                <a:spcPts val="100"/>
+              </a:spcBef>
+              <a:spcAft>
+                <a:spcPts val="0"/>
+              </a:spcAft>
+              <a:buNone/>
+            </a:pPr>
             <a:r>
               <a:rPr lang="ru"/>
-              <a:t> </a:t>
-            </a:r>
+              <a:t>def func():</a:t>
+            </a:r>
+            <a:endParaRPr/>
+          </a:p>
+          <a:p>
+            <a:pPr indent="3374999" lvl="0" marL="0" rtl="0" algn="l">
+              <a:lnSpc>
+                <a:spcPct val="100000"/>
+              </a:lnSpc>
+              <a:spcBef>
+                <a:spcPts val="100"/>
+              </a:spcBef>
+              <a:spcAft>
+                <a:spcPts val="0"/>
+              </a:spcAft>
+              <a:buNone/>
+            </a:pPr>
             <a:r>
               <a:rPr lang="ru"/>
-              <a:t>подставляя</a:t>
-            </a:r>
+              <a:t>	…</a:t>
+            </a:r>
+            <a:endParaRPr/>
+          </a:p>
+          <a:p>
+            <a:pPr indent="0" lvl="0" marL="0" rtl="0" algn="l">
+              <a:lnSpc>
+                <a:spcPct val="100000"/>
+              </a:lnSpc>
+              <a:spcBef>
+                <a:spcPts val="100"/>
+              </a:spcBef>
+              <a:spcAft>
+                <a:spcPts val="0"/>
+              </a:spcAft>
+              <a:buNone/>
+            </a:pPr>
             <a:r>
               <a:rPr lang="ru"/>
-              <a:t> текущее значение переменной.</a:t>
+              <a:t>Эквивалентна вызову функции deccorator_name с аргументом func</a:t>
             </a:r>
             <a:endParaRPr/>
           </a:p>
           <a:p>
             <a:pPr indent="0" lvl="0" marL="0" rtl="0" algn="l">
-              <a:spcBef>
-                <a:spcPts val="1600"/>
-              </a:spcBef>
-              <a:spcAft>
-                <a:spcPts val="1600"/>
+              <a:lnSpc>
+                <a:spcPct val="100000"/>
+              </a:lnSpc>
+              <a:spcBef>
+                <a:spcPts val="100"/>
+              </a:spcBef>
+              <a:spcAft>
+                <a:spcPts val="0"/>
               </a:spcAft>
               <a:buNone/>
             </a:pPr>
@@ -10301,73 +16793,27 @@
             </a:r>
             <a:endParaRPr/>
           </a:p>
-        </p:txBody>
-      </p:sp>
-      <p:pic>
-        <p:nvPicPr>
-          <p:cNvPr id="104" name="Google Shape;104;p21"/>
-          <p:cNvPicPr preferRelativeResize="0"/>
-          <p:nvPr/>
-        </p:nvPicPr>
-        <p:blipFill>
-          <a:blip r:embed="rId3">
-            <a:alphaModFix/>
-          </a:blip>
-          <a:stretch>
-            <a:fillRect/>
-          </a:stretch>
-        </p:blipFill>
-        <p:spPr>
-          <a:xfrm>
-            <a:off x="2449625" y="2251550"/>
-            <a:ext cx="4305300" cy="1276350"/>
-          </a:xfrm>
-          <a:prstGeom prst="rect">
-            <a:avLst/>
-          </a:prstGeom>
-          <a:noFill/>
-          <a:ln>
-            <a:noFill/>
-          </a:ln>
-        </p:spPr>
-      </p:pic>
-      <p:sp>
-        <p:nvSpPr>
-          <p:cNvPr id="105" name="Google Shape;105;p21"/>
-          <p:cNvSpPr txBox="1"/>
-          <p:nvPr/>
-        </p:nvSpPr>
-        <p:spPr>
-          <a:xfrm>
-            <a:off x="599275" y="3577525"/>
-            <a:ext cx="6621600" cy="872400"/>
-          </a:xfrm>
-          <a:prstGeom prst="rect">
-            <a:avLst/>
-          </a:prstGeom>
-          <a:noFill/>
-          <a:ln>
-            <a:noFill/>
-          </a:ln>
-        </p:spPr>
-        <p:txBody>
-          <a:bodyPr anchorCtr="0" anchor="t" bIns="91425" lIns="91425" spcFirstLastPara="1" rIns="91425" wrap="square" tIns="91425">
-            <a:noAutofit/>
-          </a:bodyPr>
-          <a:lstStyle/>
-          <a:p>
-            <a:pPr indent="0" lvl="0" marL="0" rtl="0" algn="l">
-              <a:spcBef>
-                <a:spcPts val="0"/>
-              </a:spcBef>
-              <a:spcAft>
-                <a:spcPts val="0"/>
-              </a:spcAft>
+          <a:p>
+            <a:pPr indent="3374999" lvl="0" marL="0" rtl="0" algn="l">
+              <a:lnSpc>
+                <a:spcPct val="100000"/>
+              </a:lnSpc>
+              <a:spcBef>
+                <a:spcPts val="100"/>
+              </a:spcBef>
+              <a:spcAft>
+                <a:spcPts val="100"/>
+              </a:spcAft>
+              <a:buClr>
+                <a:schemeClr val="dk1"/>
+              </a:buClr>
+              <a:buSzPts val="1100"/>
+              <a:buFont typeface="Arial"/>
               <a:buNone/>
             </a:pPr>
             <a:r>
               <a:rPr lang="ru"/>
-              <a:t>!Переменные должны быть определены на момент формирования строки. Иначе это приведет к ошибкам.</a:t>
+              <a:t>deccorator_name(foo)</a:t>
             </a:r>
             <a:endParaRPr/>
           </a:p>
@@ -10382,6 +16828,285 @@
 </file>
 
 <file path=ppt/theme/theme1.xml><?xml version="1.0" encoding="utf-8"?>
+<a:theme xmlns:a="http://schemas.openxmlformats.org/drawingml/2006/main" xmlns:r="http://schemas.openxmlformats.org/officeDocument/2006/relationships">
+  <a:themeElements>
+    <a:clrScheme name="Default">
+      <a:dk1>
+        <a:srgbClr val="000000"/>
+      </a:dk1>
+      <a:lt1>
+        <a:srgbClr val="FFFFFF"/>
+      </a:lt1>
+      <a:dk2>
+        <a:srgbClr val="158158"/>
+      </a:dk2>
+      <a:lt2>
+        <a:srgbClr val="F3F3F3"/>
+      </a:lt2>
+      <a:accent1>
+        <a:srgbClr val="058DC7"/>
+      </a:accent1>
+      <a:accent2>
+        <a:srgbClr val="50B432"/>
+      </a:accent2>
+      <a:accent3>
+        <a:srgbClr val="ED561B"/>
+      </a:accent3>
+      <a:accent4>
+        <a:srgbClr val="EDEF00"/>
+      </a:accent4>
+      <a:accent5>
+        <a:srgbClr val="24CBE5"/>
+      </a:accent5>
+      <a:accent6>
+        <a:srgbClr val="64E572"/>
+      </a:accent6>
+      <a:hlink>
+        <a:srgbClr val="2200CC"/>
+      </a:hlink>
+      <a:folHlink>
+        <a:srgbClr val="551A8B"/>
+      </a:folHlink>
+    </a:clrScheme>
+    <a:fontScheme name="Office">
+      <a:majorFont>
+        <a:latin typeface="Arial"/>
+        <a:ea typeface=""/>
+        <a:cs typeface=""/>
+        <a:font script="Jpan" typeface="ＭＳ Ｐゴシック"/>
+        <a:font script="Hang" typeface="맑은 고딕"/>
+        <a:font script="Hans" typeface="宋体"/>
+        <a:font script="Hant" typeface="新細明體"/>
+        <a:font script="Arab" typeface="Times New Roman"/>
+        <a:font script="Hebr" typeface="Times New Roman"/>
+        <a:font script="Thai" typeface="Angsana New"/>
+        <a:font script="Ethi" typeface="Nyala"/>
+        <a:font script="Beng" typeface="Vrinda"/>
+        <a:font script="Gujr" typeface="Shruti"/>
+        <a:font script="Khmr" typeface="MoolBoran"/>
+        <a:font script="Knda" typeface="Tunga"/>
+        <a:font script="Guru" typeface="Raavi"/>
+        <a:font script="Cans" typeface="Euphemia"/>
+        <a:font script="Cher" typeface="Plantagenet Cherokee"/>
+        <a:font script="Yiii" typeface="Microsoft Yi Baiti"/>
+        <a:font script="Tibt" typeface="Microsoft Himalaya"/>
+        <a:font script="Thaa" typeface="MV Boli"/>
+        <a:font script="Deva" typeface="Mangal"/>
+        <a:font script="Telu" typeface="Gautami"/>
+        <a:font script="Taml" typeface="Latha"/>
+        <a:font script="Syrc" typeface="Estrangelo Edessa"/>
+        <a:font script="Orya" typeface="Kalinga"/>
+        <a:font script="Mlym" typeface="Kartika"/>
+        <a:font script="Laoo" typeface="DokChampa"/>
+        <a:font script="Sinh" typeface="Iskoola Pota"/>
+        <a:font script="Mong" typeface="Mongolian Baiti"/>
+        <a:font script="Viet" typeface="Times New Roman"/>
+        <a:font script="Uigh" typeface="Microsoft Uighur"/>
+        <a:font script="Geor" typeface="Sylfaen"/>
+      </a:majorFont>
+      <a:minorFont>
+        <a:latin typeface="Arial"/>
+        <a:ea typeface=""/>
+        <a:cs typeface=""/>
+        <a:font script="Jpan" typeface="ＭＳ Ｐゴシック"/>
+        <a:font script="Hang" typeface="맑은 고딕"/>
+        <a:font script="Hans" typeface="宋体"/>
+        <a:font script="Hant" typeface="新細明體"/>
+        <a:font script="Arab" typeface="Arial"/>
+        <a:font script="Hebr" typeface="Arial"/>
+        <a:font script="Thai" typeface="Cordia New"/>
+        <a:font script="Ethi" typeface="Nyala"/>
+        <a:font script="Beng" typeface="Vrinda"/>
+        <a:font script="Gujr" typeface="Shruti"/>
+        <a:font script="Khmr" typeface="DaunPenh"/>
+        <a:font script="Knda" typeface="Tunga"/>
+        <a:font script="Guru" typeface="Raavi"/>
+        <a:font script="Cans" typeface="Euphemia"/>
+        <a:font script="Cher" typeface="Plantagenet Cherokee"/>
+        <a:font script="Yiii" typeface="Microsoft Yi Baiti"/>
+        <a:font script="Tibt" typeface="Microsoft Himalaya"/>
+        <a:font script="Thaa" typeface="MV Boli"/>
+        <a:font script="Deva" typeface="Mangal"/>
+        <a:font script="Telu" typeface="Gautami"/>
+        <a:font script="Taml" typeface="Latha"/>
+        <a:font script="Syrc" typeface="Estrangelo Edessa"/>
+        <a:font script="Orya" typeface="Kalinga"/>
+        <a:font script="Mlym" typeface="Kartika"/>
+        <a:font script="Laoo" typeface="DokChampa"/>
+        <a:font script="Sinh" typeface="Iskoola Pota"/>
+        <a:font script="Mong" typeface="Mongolian Baiti"/>
+        <a:font script="Viet" typeface="Arial"/>
+        <a:font script="Uigh" typeface="Microsoft Uighur"/>
+        <a:font script="Geor" typeface="Sylfaen"/>
+      </a:minorFont>
+    </a:fontScheme>
+    <a:fmtScheme name="Office">
+      <a:fillStyleLst>
+        <a:solidFill>
+          <a:schemeClr val="phClr"/>
+        </a:solidFill>
+        <a:gradFill rotWithShape="1">
+          <a:gsLst>
+            <a:gs pos="0">
+              <a:schemeClr val="phClr">
+                <a:tint val="50000"/>
+                <a:satMod val="300000"/>
+              </a:schemeClr>
+            </a:gs>
+            <a:gs pos="35000">
+              <a:schemeClr val="phClr">
+                <a:tint val="37000"/>
+                <a:satMod val="300000"/>
+              </a:schemeClr>
+            </a:gs>
+            <a:gs pos="100000">
+              <a:schemeClr val="phClr">
+                <a:tint val="15000"/>
+                <a:satMod val="350000"/>
+              </a:schemeClr>
+            </a:gs>
+          </a:gsLst>
+          <a:lin ang="16200000" scaled="1"/>
+        </a:gradFill>
+        <a:gradFill rotWithShape="1">
+          <a:gsLst>
+            <a:gs pos="0">
+              <a:schemeClr val="phClr">
+                <a:tint val="100000"/>
+                <a:shade val="100000"/>
+                <a:satMod val="130000"/>
+              </a:schemeClr>
+            </a:gs>
+            <a:gs pos="100000">
+              <a:schemeClr val="phClr">
+                <a:tint val="50000"/>
+                <a:shade val="100000"/>
+                <a:satMod val="350000"/>
+              </a:schemeClr>
+            </a:gs>
+          </a:gsLst>
+          <a:lin ang="16200000" scaled="0"/>
+        </a:gradFill>
+      </a:fillStyleLst>
+      <a:lnStyleLst>
+        <a:ln w="9525" cap="flat" cmpd="sng" algn="ctr">
+          <a:solidFill>
+            <a:schemeClr val="phClr">
+              <a:shade val="95000"/>
+              <a:satMod val="105000"/>
+            </a:schemeClr>
+          </a:solidFill>
+          <a:prstDash val="solid"/>
+        </a:ln>
+        <a:ln w="25400" cap="flat" cmpd="sng" algn="ctr">
+          <a:solidFill>
+            <a:schemeClr val="phClr"/>
+          </a:solidFill>
+          <a:prstDash val="solid"/>
+        </a:ln>
+        <a:ln w="38100" cap="flat" cmpd="sng" algn="ctr">
+          <a:solidFill>
+            <a:schemeClr val="phClr"/>
+          </a:solidFill>
+          <a:prstDash val="solid"/>
+        </a:ln>
+      </a:lnStyleLst>
+      <a:effectStyleLst>
+        <a:effectStyle>
+          <a:effectLst>
+            <a:outerShdw blurRad="40000" dist="20000" dir="5400000" rotWithShape="0">
+              <a:srgbClr val="000000">
+                <a:alpha val="38000"/>
+              </a:srgbClr>
+            </a:outerShdw>
+          </a:effectLst>
+        </a:effectStyle>
+        <a:effectStyle>
+          <a:effectLst>
+            <a:outerShdw blurRad="40000" dist="23000" dir="5400000" rotWithShape="0">
+              <a:srgbClr val="000000">
+                <a:alpha val="35000"/>
+              </a:srgbClr>
+            </a:outerShdw>
+          </a:effectLst>
+        </a:effectStyle>
+        <a:effectStyle>
+          <a:effectLst>
+            <a:outerShdw blurRad="40000" dist="23000" dir="5400000" rotWithShape="0">
+              <a:srgbClr val="000000">
+                <a:alpha val="35000"/>
+              </a:srgbClr>
+            </a:outerShdw>
+          </a:effectLst>
+          <a:scene3d>
+            <a:camera prst="orthographicFront">
+              <a:rot lat="0" lon="0" rev="0"/>
+            </a:camera>
+            <a:lightRig rig="threePt" dir="t">
+              <a:rot lat="0" lon="0" rev="1200000"/>
+            </a:lightRig>
+          </a:scene3d>
+          <a:sp3d>
+            <a:bevelT w="63500" h="25400"/>
+          </a:sp3d>
+        </a:effectStyle>
+      </a:effectStyleLst>
+      <a:bgFillStyleLst>
+        <a:solidFill>
+          <a:schemeClr val="phClr"/>
+        </a:solidFill>
+        <a:gradFill rotWithShape="1">
+          <a:gsLst>
+            <a:gs pos="0">
+              <a:schemeClr val="phClr">
+                <a:tint val="40000"/>
+                <a:satMod val="350000"/>
+              </a:schemeClr>
+            </a:gs>
+            <a:gs pos="40000">
+              <a:schemeClr val="phClr">
+                <a:tint val="45000"/>
+                <a:shade val="99000"/>
+                <a:satMod val="350000"/>
+              </a:schemeClr>
+            </a:gs>
+            <a:gs pos="100000">
+              <a:schemeClr val="phClr">
+                <a:shade val="20000"/>
+                <a:satMod val="255000"/>
+              </a:schemeClr>
+            </a:gs>
+          </a:gsLst>
+          <a:path path="circle">
+            <a:fillToRect l="50000" t="-80000" r="50000" b="180000"/>
+          </a:path>
+        </a:gradFill>
+        <a:gradFill rotWithShape="1">
+          <a:gsLst>
+            <a:gs pos="0">
+              <a:schemeClr val="phClr">
+                <a:tint val="80000"/>
+                <a:satMod val="300000"/>
+              </a:schemeClr>
+            </a:gs>
+            <a:gs pos="100000">
+              <a:schemeClr val="phClr">
+                <a:shade val="30000"/>
+                <a:satMod val="200000"/>
+              </a:schemeClr>
+            </a:gs>
+          </a:gsLst>
+          <a:path path="circle">
+            <a:fillToRect l="50000" t="50000" r="50000" b="50000"/>
+          </a:path>
+        </a:gradFill>
+      </a:bgFillStyleLst>
+    </a:fmtScheme>
+  </a:themeElements>
+</a:theme>
+</file>
+
+<file path=ppt/theme/theme2.xml><?xml version="1.0" encoding="utf-8"?>
 <a:theme xmlns:a="http://schemas.openxmlformats.org/drawingml/2006/main" xmlns:r="http://schemas.openxmlformats.org/officeDocument/2006/relationships" name="Simple Light">
   <a:themeElements>
     <a:clrScheme name="Simple Light">
@@ -10658,283 +17383,4 @@
     </a:fmtScheme>
   </a:themeElements>
 </a:theme>
-</file>
-
-<file path=ppt/theme/theme2.xml><?xml version="1.0" encoding="utf-8"?>
-<a:theme xmlns:a="http://schemas.openxmlformats.org/drawingml/2006/main" xmlns:r="http://schemas.openxmlformats.org/officeDocument/2006/relationships">
-  <a:themeElements>
-    <a:clrScheme name="Default">
-      <a:dk1>
-        <a:srgbClr val="000000"/>
-      </a:dk1>
-      <a:lt1>
-        <a:srgbClr val="FFFFFF"/>
-      </a:lt1>
-      <a:dk2>
-        <a:srgbClr val="158158"/>
-      </a:dk2>
-      <a:lt2>
-        <a:srgbClr val="F3F3F3"/>
-      </a:lt2>
-      <a:accent1>
-        <a:srgbClr val="058DC7"/>
-      </a:accent1>
-      <a:accent2>
-        <a:srgbClr val="50B432"/>
-      </a:accent2>
-      <a:accent3>
-        <a:srgbClr val="ED561B"/>
-      </a:accent3>
-      <a:accent4>
-        <a:srgbClr val="EDEF00"/>
-      </a:accent4>
-      <a:accent5>
-        <a:srgbClr val="24CBE5"/>
-      </a:accent5>
-      <a:accent6>
-        <a:srgbClr val="64E572"/>
-      </a:accent6>
-      <a:hlink>
-        <a:srgbClr val="2200CC"/>
-      </a:hlink>
-      <a:folHlink>
-        <a:srgbClr val="551A8B"/>
-      </a:folHlink>
-    </a:clrScheme>
-    <a:fontScheme name="Office">
-      <a:majorFont>
-        <a:latin typeface="Arial"/>
-        <a:ea typeface=""/>
-        <a:cs typeface=""/>
-        <a:font script="Jpan" typeface="ＭＳ Ｐゴシック"/>
-        <a:font script="Hang" typeface="맑은 고딕"/>
-        <a:font script="Hans" typeface="宋体"/>
-        <a:font script="Hant" typeface="新細明體"/>
-        <a:font script="Arab" typeface="Times New Roman"/>
-        <a:font script="Hebr" typeface="Times New Roman"/>
-        <a:font script="Thai" typeface="Angsana New"/>
-        <a:font script="Ethi" typeface="Nyala"/>
-        <a:font script="Beng" typeface="Vrinda"/>
-        <a:font script="Gujr" typeface="Shruti"/>
-        <a:font script="Khmr" typeface="MoolBoran"/>
-        <a:font script="Knda" typeface="Tunga"/>
-        <a:font script="Guru" typeface="Raavi"/>
-        <a:font script="Cans" typeface="Euphemia"/>
-        <a:font script="Cher" typeface="Plantagenet Cherokee"/>
-        <a:font script="Yiii" typeface="Microsoft Yi Baiti"/>
-        <a:font script="Tibt" typeface="Microsoft Himalaya"/>
-        <a:font script="Thaa" typeface="MV Boli"/>
-        <a:font script="Deva" typeface="Mangal"/>
-        <a:font script="Telu" typeface="Gautami"/>
-        <a:font script="Taml" typeface="Latha"/>
-        <a:font script="Syrc" typeface="Estrangelo Edessa"/>
-        <a:font script="Orya" typeface="Kalinga"/>
-        <a:font script="Mlym" typeface="Kartika"/>
-        <a:font script="Laoo" typeface="DokChampa"/>
-        <a:font script="Sinh" typeface="Iskoola Pota"/>
-        <a:font script="Mong" typeface="Mongolian Baiti"/>
-        <a:font script="Viet" typeface="Times New Roman"/>
-        <a:font script="Uigh" typeface="Microsoft Uighur"/>
-        <a:font script="Geor" typeface="Sylfaen"/>
-      </a:majorFont>
-      <a:minorFont>
-        <a:latin typeface="Arial"/>
-        <a:ea typeface=""/>
-        <a:cs typeface=""/>
-        <a:font script="Jpan" typeface="ＭＳ Ｐゴシック"/>
-        <a:font script="Hang" typeface="맑은 고딕"/>
-        <a:font script="Hans" typeface="宋体"/>
-        <a:font script="Hant" typeface="新細明體"/>
-        <a:font script="Arab" typeface="Arial"/>
-        <a:font script="Hebr" typeface="Arial"/>
-        <a:font script="Thai" typeface="Cordia New"/>
-        <a:font script="Ethi" typeface="Nyala"/>
-        <a:font script="Beng" typeface="Vrinda"/>
-        <a:font script="Gujr" typeface="Shruti"/>
-        <a:font script="Khmr" typeface="DaunPenh"/>
-        <a:font script="Knda" typeface="Tunga"/>
-        <a:font script="Guru" typeface="Raavi"/>
-        <a:font script="Cans" typeface="Euphemia"/>
-        <a:font script="Cher" typeface="Plantagenet Cherokee"/>
-        <a:font script="Yiii" typeface="Microsoft Yi Baiti"/>
-        <a:font script="Tibt" typeface="Microsoft Himalaya"/>
-        <a:font script="Thaa" typeface="MV Boli"/>
-        <a:font script="Deva" typeface="Mangal"/>
-        <a:font script="Telu" typeface="Gautami"/>
-        <a:font script="Taml" typeface="Latha"/>
-        <a:font script="Syrc" typeface="Estrangelo Edessa"/>
-        <a:font script="Orya" typeface="Kalinga"/>
-        <a:font script="Mlym" typeface="Kartika"/>
-        <a:font script="Laoo" typeface="DokChampa"/>
-        <a:font script="Sinh" typeface="Iskoola Pota"/>
-        <a:font script="Mong" typeface="Mongolian Baiti"/>
-        <a:font script="Viet" typeface="Arial"/>
-        <a:font script="Uigh" typeface="Microsoft Uighur"/>
-        <a:font script="Geor" typeface="Sylfaen"/>
-      </a:minorFont>
-    </a:fontScheme>
-    <a:fmtScheme name="Office">
-      <a:fillStyleLst>
-        <a:solidFill>
-          <a:schemeClr val="phClr"/>
-        </a:solidFill>
-        <a:gradFill rotWithShape="1">
-          <a:gsLst>
-            <a:gs pos="0">
-              <a:schemeClr val="phClr">
-                <a:tint val="50000"/>
-                <a:satMod val="300000"/>
-              </a:schemeClr>
-            </a:gs>
-            <a:gs pos="35000">
-              <a:schemeClr val="phClr">
-                <a:tint val="37000"/>
-                <a:satMod val="300000"/>
-              </a:schemeClr>
-            </a:gs>
-            <a:gs pos="100000">
-              <a:schemeClr val="phClr">
-                <a:tint val="15000"/>
-                <a:satMod val="350000"/>
-              </a:schemeClr>
-            </a:gs>
-          </a:gsLst>
-          <a:lin ang="16200000" scaled="1"/>
-        </a:gradFill>
-        <a:gradFill rotWithShape="1">
-          <a:gsLst>
-            <a:gs pos="0">
-              <a:schemeClr val="phClr">
-                <a:tint val="100000"/>
-                <a:shade val="100000"/>
-                <a:satMod val="130000"/>
-              </a:schemeClr>
-            </a:gs>
-            <a:gs pos="100000">
-              <a:schemeClr val="phClr">
-                <a:tint val="50000"/>
-                <a:shade val="100000"/>
-                <a:satMod val="350000"/>
-              </a:schemeClr>
-            </a:gs>
-          </a:gsLst>
-          <a:lin ang="16200000" scaled="0"/>
-        </a:gradFill>
-      </a:fillStyleLst>
-      <a:lnStyleLst>
-        <a:ln w="9525" cap="flat" cmpd="sng" algn="ctr">
-          <a:solidFill>
-            <a:schemeClr val="phClr">
-              <a:shade val="95000"/>
-              <a:satMod val="105000"/>
-            </a:schemeClr>
-          </a:solidFill>
-          <a:prstDash val="solid"/>
-        </a:ln>
-        <a:ln w="25400" cap="flat" cmpd="sng" algn="ctr">
-          <a:solidFill>
-            <a:schemeClr val="phClr"/>
-          </a:solidFill>
-          <a:prstDash val="solid"/>
-        </a:ln>
-        <a:ln w="38100" cap="flat" cmpd="sng" algn="ctr">
-          <a:solidFill>
-            <a:schemeClr val="phClr"/>
-          </a:solidFill>
-          <a:prstDash val="solid"/>
-        </a:ln>
-      </a:lnStyleLst>
-      <a:effectStyleLst>
-        <a:effectStyle>
-          <a:effectLst>
-            <a:outerShdw blurRad="40000" dist="20000" dir="5400000" rotWithShape="0">
-              <a:srgbClr val="000000">
-                <a:alpha val="38000"/>
-              </a:srgbClr>
-            </a:outerShdw>
-          </a:effectLst>
-        </a:effectStyle>
-        <a:effectStyle>
-          <a:effectLst>
-            <a:outerShdw blurRad="40000" dist="23000" dir="5400000" rotWithShape="0">
-              <a:srgbClr val="000000">
-                <a:alpha val="35000"/>
-              </a:srgbClr>
-            </a:outerShdw>
-          </a:effectLst>
-        </a:effectStyle>
-        <a:effectStyle>
-          <a:effectLst>
-            <a:outerShdw blurRad="40000" dist="23000" dir="5400000" rotWithShape="0">
-              <a:srgbClr val="000000">
-                <a:alpha val="35000"/>
-              </a:srgbClr>
-            </a:outerShdw>
-          </a:effectLst>
-          <a:scene3d>
-            <a:camera prst="orthographicFront">
-              <a:rot lat="0" lon="0" rev="0"/>
-            </a:camera>
-            <a:lightRig rig="threePt" dir="t">
-              <a:rot lat="0" lon="0" rev="1200000"/>
-            </a:lightRig>
-          </a:scene3d>
-          <a:sp3d>
-            <a:bevelT w="63500" h="25400"/>
-          </a:sp3d>
-        </a:effectStyle>
-      </a:effectStyleLst>
-      <a:bgFillStyleLst>
-        <a:solidFill>
-          <a:schemeClr val="phClr"/>
-        </a:solidFill>
-        <a:gradFill rotWithShape="1">
-          <a:gsLst>
-            <a:gs pos="0">
-              <a:schemeClr val="phClr">
-                <a:tint val="40000"/>
-                <a:satMod val="350000"/>
-              </a:schemeClr>
-            </a:gs>
-            <a:gs pos="40000">
-              <a:schemeClr val="phClr">
-                <a:tint val="45000"/>
-                <a:shade val="99000"/>
-                <a:satMod val="350000"/>
-              </a:schemeClr>
-            </a:gs>
-            <a:gs pos="100000">
-              <a:schemeClr val="phClr">
-                <a:shade val="20000"/>
-                <a:satMod val="255000"/>
-              </a:schemeClr>
-            </a:gs>
-          </a:gsLst>
-          <a:path path="circle">
-            <a:fillToRect l="50000" t="-80000" r="50000" b="180000"/>
-          </a:path>
-        </a:gradFill>
-        <a:gradFill rotWithShape="1">
-          <a:gsLst>
-            <a:gs pos="0">
-              <a:schemeClr val="phClr">
-                <a:tint val="80000"/>
-                <a:satMod val="300000"/>
-              </a:schemeClr>
-            </a:gs>
-            <a:gs pos="100000">
-              <a:schemeClr val="phClr">
-                <a:shade val="30000"/>
-                <a:satMod val="200000"/>
-              </a:schemeClr>
-            </a:gs>
-          </a:gsLst>
-          <a:path path="circle">
-            <a:fillToRect l="50000" t="50000" r="50000" b="50000"/>
-          </a:path>
-        </a:gradFill>
-      </a:bgFillStyleLst>
-    </a:fmtScheme>
-  </a:themeElements>
-</a:theme>
 </file>